--- a/Clase 1/Powers/Aguirre - Psicologia de la Personalidad clase Practico 1° 16PF - Lectura de casos - Lic Sanchez Sanda.pptx
+++ b/Clase 1/Powers/Aguirre - Psicologia de la Personalidad clase Practico 1° 16PF - Lectura de casos - Lic Sanchez Sanda.pptx
@@ -20,17 +20,19 @@
     <p:sldId id="268" r:id="rId14"/>
     <p:sldId id="269" r:id="rId15"/>
     <p:sldId id="270" r:id="rId16"/>
-    <p:sldId id="271" r:id="rId17"/>
-    <p:sldId id="272" r:id="rId18"/>
-    <p:sldId id="273" r:id="rId19"/>
-    <p:sldId id="333" r:id="rId20"/>
-    <p:sldId id="334" r:id="rId21"/>
-    <p:sldId id="274" r:id="rId22"/>
-    <p:sldId id="275" r:id="rId23"/>
-    <p:sldId id="276" r:id="rId24"/>
-    <p:sldId id="277" r:id="rId25"/>
-    <p:sldId id="332" r:id="rId26"/>
-    <p:sldId id="278" r:id="rId27"/>
+    <p:sldId id="336" r:id="rId17"/>
+    <p:sldId id="271" r:id="rId18"/>
+    <p:sldId id="272" r:id="rId19"/>
+    <p:sldId id="273" r:id="rId20"/>
+    <p:sldId id="333" r:id="rId21"/>
+    <p:sldId id="334" r:id="rId22"/>
+    <p:sldId id="335" r:id="rId23"/>
+    <p:sldId id="274" r:id="rId24"/>
+    <p:sldId id="275" r:id="rId25"/>
+    <p:sldId id="276" r:id="rId26"/>
+    <p:sldId id="277" r:id="rId27"/>
+    <p:sldId id="332" r:id="rId28"/>
+    <p:sldId id="278" r:id="rId29"/>
   </p:sldIdLst>
   <p:sldSz cx="9144000" cy="6858000" type="screen4x3"/>
   <p:notesSz cx="9144000" cy="6858000"/>
@@ -297,7 +299,7 @@
           <a:p>
             <a:fld id="{1D8BD707-D9CF-40AE-B4C6-C98DA3205C09}" type="datetimeFigureOut">
               <a:rPr lang="en-US"/>
-              <a:t>3/2/2023</a:t>
+              <a:t>3/12/2023</a:t>
             </a:fld>
             <a:endParaRPr lang="en-US"/>
           </a:p>
@@ -472,7 +474,7 @@
           <a:p>
             <a:fld id="{1D8BD707-D9CF-40AE-B4C6-C98DA3205C09}" type="datetimeFigureOut">
               <a:rPr lang="en-US"/>
-              <a:t>3/2/2023</a:t>
+              <a:t>3/12/2023</a:t>
             </a:fld>
             <a:endParaRPr lang="en-US"/>
           </a:p>
@@ -686,7 +688,7 @@
           <a:p>
             <a:fld id="{1D8BD707-D9CF-40AE-B4C6-C98DA3205C09}" type="datetimeFigureOut">
               <a:rPr lang="en-US"/>
-              <a:t>3/2/2023</a:t>
+              <a:t>3/12/2023</a:t>
             </a:fld>
             <a:endParaRPr lang="en-US"/>
           </a:p>
@@ -834,7 +836,7 @@
           <a:p>
             <a:fld id="{1D8BD707-D9CF-40AE-B4C6-C98DA3205C09}" type="datetimeFigureOut">
               <a:rPr lang="en-US"/>
-              <a:t>3/2/2023</a:t>
+              <a:t>3/12/2023</a:t>
             </a:fld>
             <a:endParaRPr lang="en-US"/>
           </a:p>
@@ -953,7 +955,7 @@
           <a:p>
             <a:fld id="{1D8BD707-D9CF-40AE-B4C6-C98DA3205C09}" type="datetimeFigureOut">
               <a:rPr lang="en-US"/>
-              <a:t>3/2/2023</a:t>
+              <a:t>3/12/2023</a:t>
             </a:fld>
             <a:endParaRPr lang="en-US"/>
           </a:p>
@@ -1724,7 +1726,7 @@
           <a:p>
             <a:fld id="{1D8BD707-D9CF-40AE-B4C6-C98DA3205C09}" type="datetimeFigureOut">
               <a:rPr lang="en-US"/>
-              <a:t>3/2/2023</a:t>
+              <a:t>3/12/2023</a:t>
             </a:fld>
             <a:endParaRPr lang="en-US"/>
           </a:p>
@@ -6781,7 +6783,7 @@
               </a:rPr>
               <a:t>VALIDEZ.</a:t>
             </a:r>
-            <a:endParaRPr sz="2000">
+            <a:endParaRPr sz="2000" dirty="0">
               <a:latin typeface="Arial"/>
               <a:cs typeface="Arial"/>
             </a:endParaRPr>
@@ -7111,7 +7113,7 @@
               </a:rPr>
               <a:t>COHERENTE.</a:t>
             </a:r>
-            <a:endParaRPr sz="2000">
+            <a:endParaRPr sz="2000" dirty="0">
               <a:latin typeface="Arial MT"/>
               <a:cs typeface="Arial MT"/>
             </a:endParaRPr>
@@ -7841,6 +7843,215 @@
         </p:nvSpPr>
         <p:spPr>
           <a:xfrm>
+            <a:off x="1806067" y="969391"/>
+            <a:ext cx="5547360" cy="452120"/>
+          </a:xfrm>
+          <a:prstGeom prst="rect">
+            <a:avLst/>
+          </a:prstGeom>
+        </p:spPr>
+        <p:txBody>
+          <a:bodyPr vert="horz" wrap="square" lIns="0" tIns="12065" rIns="0" bIns="0" rtlCol="0">
+            <a:spAutoFit/>
+          </a:bodyPr>
+          <a:lstStyle/>
+          <a:p>
+            <a:pPr marL="12700">
+              <a:lnSpc>
+                <a:spcPct val="100000"/>
+              </a:lnSpc>
+              <a:spcBef>
+                <a:spcPts val="95"/>
+              </a:spcBef>
+            </a:pPr>
+            <a:r>
+              <a:rPr sz="2800" spc="-80" dirty="0"/>
+              <a:t>16PF</a:t>
+            </a:r>
+            <a:r>
+              <a:rPr sz="2800" spc="-175" dirty="0"/>
+              <a:t> </a:t>
+            </a:r>
+            <a:r>
+              <a:rPr sz="2800" spc="-5" dirty="0"/>
+              <a:t>–</a:t>
+            </a:r>
+            <a:r>
+              <a:rPr sz="2800" spc="-185" dirty="0"/>
+              <a:t> </a:t>
+            </a:r>
+            <a:r>
+              <a:rPr lang="es-AR" sz="2800" spc="-95" dirty="0"/>
+              <a:t>CUESTIONARIO</a:t>
+            </a:r>
+            <a:endParaRPr sz="2800" dirty="0"/>
+          </a:p>
+        </p:txBody>
+      </p:sp>
+      <p:sp>
+        <p:nvSpPr>
+          <p:cNvPr id="4" name="object 4"/>
+          <p:cNvSpPr txBox="1"/>
+          <p:nvPr/>
+        </p:nvSpPr>
+        <p:spPr>
+          <a:xfrm>
+            <a:off x="2576829" y="6427750"/>
+            <a:ext cx="3178810" cy="252729"/>
+          </a:xfrm>
+          <a:prstGeom prst="rect">
+            <a:avLst/>
+          </a:prstGeom>
+        </p:spPr>
+        <p:txBody>
+          <a:bodyPr vert="horz" wrap="square" lIns="0" tIns="0" rIns="0" bIns="0" rtlCol="0">
+            <a:spAutoFit/>
+          </a:bodyPr>
+          <a:lstStyle/>
+          <a:p>
+            <a:pPr marL="12700" algn="ctr">
+              <a:lnSpc>
+                <a:spcPts val="1864"/>
+              </a:lnSpc>
+            </a:pPr>
+            <a:r>
+              <a:rPr lang="en-US" sz="1600" spc="-5" dirty="0">
+                <a:solidFill>
+                  <a:srgbClr val="41568E"/>
+                </a:solidFill>
+                <a:latin typeface="Arial MT"/>
+                <a:cs typeface="Arial MT"/>
+                <a:hlinkClick r:id="rId2"/>
+              </a:rPr>
+              <a:t>lipe.aguirre@gmail.com</a:t>
+            </a:r>
+            <a:endParaRPr lang="en-US" sz="1600" dirty="0">
+              <a:latin typeface="Arial MT"/>
+              <a:cs typeface="Arial MT"/>
+            </a:endParaRPr>
+          </a:p>
+        </p:txBody>
+      </p:sp>
+      <p:sp>
+        <p:nvSpPr>
+          <p:cNvPr id="6" name="object 3">
+            <a:extLst>
+              <a:ext uri="{FF2B5EF4-FFF2-40B4-BE49-F238E27FC236}">
+                <a16:creationId xmlns:a16="http://schemas.microsoft.com/office/drawing/2014/main" id="{243A7F36-E15C-D7B4-FCB9-C3753211319D}"/>
+              </a:ext>
+            </a:extLst>
+          </p:cNvPr>
+          <p:cNvSpPr txBox="1"/>
+          <p:nvPr/>
+        </p:nvSpPr>
+        <p:spPr>
+          <a:xfrm>
+            <a:off x="762000" y="2590800"/>
+            <a:ext cx="8189595" cy="738023"/>
+          </a:xfrm>
+          <a:prstGeom prst="rect">
+            <a:avLst/>
+          </a:prstGeom>
+        </p:spPr>
+        <p:txBody>
+          <a:bodyPr vert="horz" wrap="square" lIns="0" tIns="57785" rIns="0" bIns="0" rtlCol="0">
+            <a:spAutoFit/>
+          </a:bodyPr>
+          <a:lstStyle/>
+          <a:p>
+            <a:pPr marL="240029" indent="-227965">
+              <a:lnSpc>
+                <a:spcPct val="100000"/>
+              </a:lnSpc>
+              <a:spcBef>
+                <a:spcPts val="455"/>
+              </a:spcBef>
+              <a:buSzPct val="95000"/>
+              <a:buFont typeface="Wingdings"/>
+              <a:buChar char=""/>
+              <a:tabLst>
+                <a:tab pos="240665" algn="l"/>
+              </a:tabLst>
+            </a:pPr>
+            <a:r>
+              <a:rPr lang="es-AR" sz="2000" dirty="0">
+                <a:latin typeface="Arial MT"/>
+                <a:cs typeface="Arial MT"/>
+              </a:rPr>
+              <a:t>Manual</a:t>
+            </a:r>
+          </a:p>
+          <a:p>
+            <a:pPr marL="240029" indent="-227965">
+              <a:lnSpc>
+                <a:spcPct val="100000"/>
+              </a:lnSpc>
+              <a:spcBef>
+                <a:spcPts val="455"/>
+              </a:spcBef>
+              <a:buSzPct val="95000"/>
+              <a:buFont typeface="Wingdings"/>
+              <a:buChar char=""/>
+              <a:tabLst>
+                <a:tab pos="240665" algn="l"/>
+              </a:tabLst>
+            </a:pPr>
+            <a:r>
+              <a:rPr lang="es-AR" sz="2000" dirty="0">
+                <a:latin typeface="Arial MT"/>
+                <a:cs typeface="Arial MT"/>
+              </a:rPr>
+              <a:t>Instrucciones</a:t>
+            </a:r>
+            <a:endParaRPr sz="2000" dirty="0">
+              <a:latin typeface="Arial MT"/>
+              <a:cs typeface="Arial MT"/>
+            </a:endParaRPr>
+          </a:p>
+        </p:txBody>
+      </p:sp>
+    </p:spTree>
+    <p:extLst>
+      <p:ext uri="{BB962C8B-B14F-4D97-AF65-F5344CB8AC3E}">
+        <p14:creationId xmlns:p14="http://schemas.microsoft.com/office/powerpoint/2010/main" val="3020584515"/>
+      </p:ext>
+    </p:extLst>
+  </p:cSld>
+  <p:clrMapOvr>
+    <a:masterClrMapping/>
+  </p:clrMapOvr>
+</p:sld>
+</file>
+
+<file path=ppt/slides/slide17.xml><?xml version="1.0" encoding="utf-8"?>
+<p:sld xmlns:a="http://schemas.openxmlformats.org/drawingml/2006/main" xmlns:r="http://schemas.openxmlformats.org/officeDocument/2006/relationships" xmlns:p="http://schemas.openxmlformats.org/presentationml/2006/main">
+  <p:cSld>
+    <p:spTree>
+      <p:nvGrpSpPr>
+        <p:cNvPr id="1" name=""/>
+        <p:cNvGrpSpPr/>
+        <p:nvPr/>
+      </p:nvGrpSpPr>
+      <p:grpSpPr>
+        <a:xfrm>
+          <a:off x="0" y="0"/>
+          <a:ext cx="0" cy="0"/>
+          <a:chOff x="0" y="0"/>
+          <a:chExt cx="0" cy="0"/>
+        </a:xfrm>
+      </p:grpSpPr>
+      <p:sp>
+        <p:nvSpPr>
+          <p:cNvPr id="2" name="object 2"/>
+          <p:cNvSpPr txBox="1">
+            <a:spLocks noGrp="1"/>
+          </p:cNvSpPr>
+          <p:nvPr>
+            <p:ph type="title"/>
+          </p:nvPr>
+        </p:nvSpPr>
+        <p:spPr>
+          <a:xfrm>
             <a:off x="2498217" y="1285748"/>
             <a:ext cx="4152900" cy="452120"/>
           </a:xfrm>
@@ -8026,1017 +8237,6 @@
               <a:t>lipe.aguirre@gmail.com</a:t>
             </a:r>
             <a:endParaRPr lang="en-US" sz="1600" dirty="0">
-              <a:latin typeface="Arial MT"/>
-              <a:cs typeface="Arial MT"/>
-            </a:endParaRPr>
-          </a:p>
-        </p:txBody>
-      </p:sp>
-    </p:spTree>
-  </p:cSld>
-  <p:clrMapOvr>
-    <a:masterClrMapping/>
-  </p:clrMapOvr>
-</p:sld>
-</file>
-
-<file path=ppt/slides/slide17.xml><?xml version="1.0" encoding="utf-8"?>
-<p:sld xmlns:a="http://schemas.openxmlformats.org/drawingml/2006/main" xmlns:r="http://schemas.openxmlformats.org/officeDocument/2006/relationships" xmlns:p="http://schemas.openxmlformats.org/presentationml/2006/main">
-  <p:cSld>
-    <p:spTree>
-      <p:nvGrpSpPr>
-        <p:cNvPr id="1" name=""/>
-        <p:cNvGrpSpPr/>
-        <p:nvPr/>
-      </p:nvGrpSpPr>
-      <p:grpSpPr>
-        <a:xfrm>
-          <a:off x="0" y="0"/>
-          <a:ext cx="0" cy="0"/>
-          <a:chOff x="0" y="0"/>
-          <a:chExt cx="0" cy="0"/>
-        </a:xfrm>
-      </p:grpSpPr>
-      <p:sp>
-        <p:nvSpPr>
-          <p:cNvPr id="2" name="object 2"/>
-          <p:cNvSpPr txBox="1">
-            <a:spLocks noGrp="1"/>
-          </p:cNvSpPr>
-          <p:nvPr>
-            <p:ph type="title"/>
-          </p:nvPr>
-        </p:nvSpPr>
-        <p:spPr>
-          <a:prstGeom prst="rect">
-            <a:avLst/>
-          </a:prstGeom>
-        </p:spPr>
-        <p:txBody>
-          <a:bodyPr vert="horz" wrap="square" lIns="0" tIns="12065" rIns="0" bIns="0" rtlCol="0">
-            <a:spAutoFit/>
-          </a:bodyPr>
-          <a:lstStyle/>
-          <a:p>
-            <a:pPr marL="14604" algn="ctr">
-              <a:lnSpc>
-                <a:spcPct val="100000"/>
-              </a:lnSpc>
-              <a:spcBef>
-                <a:spcPts val="95"/>
-              </a:spcBef>
-            </a:pPr>
-            <a:r>
-              <a:rPr sz="2800" spc="-105" dirty="0"/>
-              <a:t>L</a:t>
-            </a:r>
-            <a:r>
-              <a:rPr sz="2800" spc="-100" dirty="0"/>
-              <a:t>E</a:t>
-            </a:r>
-            <a:r>
-              <a:rPr sz="2800" spc="-105" dirty="0"/>
-              <a:t>C</a:t>
-            </a:r>
-            <a:r>
-              <a:rPr sz="2800" spc="-100" dirty="0"/>
-              <a:t>T</a:t>
-            </a:r>
-            <a:r>
-              <a:rPr sz="2800" spc="-95" dirty="0"/>
-              <a:t>UR</a:t>
-            </a:r>
-            <a:r>
-              <a:rPr sz="2800" spc="-5" dirty="0"/>
-              <a:t>A</a:t>
-            </a:r>
-            <a:r>
-              <a:rPr sz="2800" spc="-225" dirty="0"/>
-              <a:t> </a:t>
-            </a:r>
-            <a:r>
-              <a:rPr sz="2800" spc="-5" dirty="0"/>
-              <a:t>Y</a:t>
-            </a:r>
-            <a:r>
-              <a:rPr sz="2800" spc="-200" dirty="0"/>
-              <a:t> </a:t>
-            </a:r>
-            <a:r>
-              <a:rPr sz="2800" spc="-100" dirty="0"/>
-              <a:t>A</a:t>
-            </a:r>
-            <a:r>
-              <a:rPr sz="2800" spc="-110" dirty="0"/>
-              <a:t>N</a:t>
-            </a:r>
-            <a:r>
-              <a:rPr sz="2800" spc="-100" dirty="0"/>
-              <a:t>A</a:t>
-            </a:r>
-            <a:r>
-              <a:rPr sz="2800" spc="-105" dirty="0"/>
-              <a:t>L</a:t>
-            </a:r>
-            <a:r>
-              <a:rPr sz="2800" spc="-100" dirty="0"/>
-              <a:t>I</a:t>
-            </a:r>
-            <a:r>
-              <a:rPr sz="2800" spc="-105" dirty="0"/>
-              <a:t>S</a:t>
-            </a:r>
-            <a:r>
-              <a:rPr sz="2800" spc="-100" dirty="0"/>
-              <a:t>I</a:t>
-            </a:r>
-            <a:r>
-              <a:rPr sz="2800" spc="-5" dirty="0"/>
-              <a:t>S</a:t>
-            </a:r>
-            <a:r>
-              <a:rPr sz="2800" spc="-210" dirty="0"/>
-              <a:t> </a:t>
-            </a:r>
-            <a:r>
-              <a:rPr sz="2800" spc="-110" dirty="0"/>
-              <a:t>D</a:t>
-            </a:r>
-            <a:r>
-              <a:rPr sz="2800" spc="-5" dirty="0"/>
-              <a:t>E</a:t>
-            </a:r>
-            <a:r>
-              <a:rPr sz="2800" spc="-190" dirty="0"/>
-              <a:t> </a:t>
-            </a:r>
-            <a:r>
-              <a:rPr sz="2800" spc="-105" dirty="0"/>
-              <a:t>C</a:t>
-            </a:r>
-            <a:r>
-              <a:rPr sz="2800" spc="-100" dirty="0"/>
-              <a:t>A</a:t>
-            </a:r>
-            <a:r>
-              <a:rPr sz="2800" spc="-105" dirty="0"/>
-              <a:t>SO</a:t>
-            </a:r>
-            <a:r>
-              <a:rPr sz="2800" spc="-5" dirty="0"/>
-              <a:t>S</a:t>
-            </a:r>
-            <a:endParaRPr sz="2800"/>
-          </a:p>
-          <a:p>
-            <a:pPr marL="14604" algn="ctr">
-              <a:lnSpc>
-                <a:spcPct val="100000"/>
-              </a:lnSpc>
-              <a:spcBef>
-                <a:spcPts val="50"/>
-              </a:spcBef>
-            </a:pPr>
-            <a:r>
-              <a:rPr sz="2100" spc="-95" dirty="0"/>
-              <a:t>O</a:t>
-            </a:r>
-            <a:r>
-              <a:rPr sz="2100" spc="-100" dirty="0"/>
-              <a:t>B</a:t>
-            </a:r>
-            <a:r>
-              <a:rPr sz="2100" spc="-95" dirty="0"/>
-              <a:t>J</a:t>
-            </a:r>
-            <a:r>
-              <a:rPr sz="2100" spc="-105" dirty="0"/>
-              <a:t>E</a:t>
-            </a:r>
-            <a:r>
-              <a:rPr sz="2100" spc="-100" dirty="0"/>
-              <a:t>TIV</a:t>
-            </a:r>
-            <a:r>
-              <a:rPr sz="2100" spc="-95" dirty="0"/>
-              <a:t>O</a:t>
-            </a:r>
-            <a:r>
-              <a:rPr sz="2100" dirty="0"/>
-              <a:t>S</a:t>
-            </a:r>
-            <a:r>
-              <a:rPr sz="2100" spc="-245" dirty="0"/>
-              <a:t> </a:t>
-            </a:r>
-            <a:r>
-              <a:rPr sz="2100" spc="-95" dirty="0"/>
-              <a:t>D</a:t>
-            </a:r>
-            <a:r>
-              <a:rPr sz="2100" dirty="0"/>
-              <a:t>E</a:t>
-            </a:r>
-            <a:r>
-              <a:rPr sz="2100" spc="-204" dirty="0"/>
-              <a:t> </a:t>
-            </a:r>
-            <a:r>
-              <a:rPr sz="2100" spc="-95" dirty="0"/>
-              <a:t>L</a:t>
-            </a:r>
-            <a:r>
-              <a:rPr sz="2100" dirty="0"/>
-              <a:t>A</a:t>
-            </a:r>
-            <a:r>
-              <a:rPr sz="2100" spc="-220" dirty="0"/>
-              <a:t> </a:t>
-            </a:r>
-            <a:r>
-              <a:rPr sz="2100" spc="-100" dirty="0"/>
-              <a:t>ACTIVI</a:t>
-            </a:r>
-            <a:r>
-              <a:rPr sz="2100" spc="-95" dirty="0"/>
-              <a:t>D</a:t>
-            </a:r>
-            <a:r>
-              <a:rPr sz="2100" spc="-100" dirty="0"/>
-              <a:t>A</a:t>
-            </a:r>
-            <a:r>
-              <a:rPr sz="2100" dirty="0"/>
-              <a:t>D</a:t>
-            </a:r>
-            <a:endParaRPr sz="2100"/>
-          </a:p>
-        </p:txBody>
-      </p:sp>
-      <p:sp>
-        <p:nvSpPr>
-          <p:cNvPr id="4" name="object 4"/>
-          <p:cNvSpPr txBox="1"/>
-          <p:nvPr/>
-        </p:nvSpPr>
-        <p:spPr>
-          <a:xfrm>
-            <a:off x="2576829" y="6427750"/>
-            <a:ext cx="3178810" cy="252729"/>
-          </a:xfrm>
-          <a:prstGeom prst="rect">
-            <a:avLst/>
-          </a:prstGeom>
-        </p:spPr>
-        <p:txBody>
-          <a:bodyPr vert="horz" wrap="square" lIns="0" tIns="0" rIns="0" bIns="0" rtlCol="0">
-            <a:spAutoFit/>
-          </a:bodyPr>
-          <a:lstStyle/>
-          <a:p>
-            <a:pPr marL="12700" algn="ctr">
-              <a:lnSpc>
-                <a:spcPts val="1864"/>
-              </a:lnSpc>
-            </a:pPr>
-            <a:r>
-              <a:rPr lang="en-US" sz="1600" spc="-5" dirty="0">
-                <a:solidFill>
-                  <a:srgbClr val="41568E"/>
-                </a:solidFill>
-                <a:latin typeface="Arial MT"/>
-                <a:cs typeface="Arial MT"/>
-                <a:hlinkClick r:id="rId2"/>
-              </a:rPr>
-              <a:t>lipe.aguirre@gmail.com</a:t>
-            </a:r>
-            <a:endParaRPr lang="en-US" sz="1600" dirty="0">
-              <a:latin typeface="Arial MT"/>
-              <a:cs typeface="Arial MT"/>
-            </a:endParaRPr>
-          </a:p>
-        </p:txBody>
-      </p:sp>
-      <p:sp>
-        <p:nvSpPr>
-          <p:cNvPr id="3" name="object 3"/>
-          <p:cNvSpPr txBox="1"/>
-          <p:nvPr/>
-        </p:nvSpPr>
-        <p:spPr>
-          <a:xfrm>
-            <a:off x="464616" y="2204465"/>
-            <a:ext cx="7755890" cy="2174875"/>
-          </a:xfrm>
-          <a:prstGeom prst="rect">
-            <a:avLst/>
-          </a:prstGeom>
-        </p:spPr>
-        <p:txBody>
-          <a:bodyPr vert="horz" wrap="square" lIns="0" tIns="12700" rIns="0" bIns="0" rtlCol="0">
-            <a:spAutoFit/>
-          </a:bodyPr>
-          <a:lstStyle/>
-          <a:p>
-            <a:pPr marL="355600" indent="-342900">
-              <a:lnSpc>
-                <a:spcPct val="100000"/>
-              </a:lnSpc>
-              <a:spcBef>
-                <a:spcPts val="100"/>
-              </a:spcBef>
-              <a:buFont typeface="Wingdings"/>
-              <a:buChar char=""/>
-              <a:tabLst>
-                <a:tab pos="354965" algn="l"/>
-                <a:tab pos="355600" algn="l"/>
-              </a:tabLst>
-            </a:pPr>
-            <a:r>
-              <a:rPr sz="1800" spc="100" dirty="0">
-                <a:solidFill>
-                  <a:srgbClr val="001F5F"/>
-                </a:solidFill>
-                <a:latin typeface="Arial MT"/>
-                <a:cs typeface="Arial MT"/>
-              </a:rPr>
-              <a:t>LECTURA</a:t>
-            </a:r>
-            <a:r>
-              <a:rPr sz="1800" spc="235" dirty="0">
-                <a:solidFill>
-                  <a:srgbClr val="001F5F"/>
-                </a:solidFill>
-                <a:latin typeface="Arial MT"/>
-                <a:cs typeface="Arial MT"/>
-              </a:rPr>
-              <a:t> </a:t>
-            </a:r>
-            <a:r>
-              <a:rPr sz="1800" spc="55" dirty="0">
-                <a:solidFill>
-                  <a:srgbClr val="001F5F"/>
-                </a:solidFill>
-                <a:latin typeface="Arial MT"/>
-                <a:cs typeface="Arial MT"/>
-              </a:rPr>
-              <a:t>DE</a:t>
-            </a:r>
-            <a:r>
-              <a:rPr sz="1800" spc="240" dirty="0">
-                <a:solidFill>
-                  <a:srgbClr val="001F5F"/>
-                </a:solidFill>
-                <a:latin typeface="Arial MT"/>
-                <a:cs typeface="Arial MT"/>
-              </a:rPr>
-              <a:t> </a:t>
-            </a:r>
-            <a:r>
-              <a:rPr sz="1800" spc="90" dirty="0">
-                <a:solidFill>
-                  <a:srgbClr val="001F5F"/>
-                </a:solidFill>
-                <a:latin typeface="Arial MT"/>
-                <a:cs typeface="Arial MT"/>
-              </a:rPr>
-              <a:t>CASOS</a:t>
-            </a:r>
-            <a:r>
-              <a:rPr sz="1800" spc="229" dirty="0">
-                <a:solidFill>
-                  <a:srgbClr val="001F5F"/>
-                </a:solidFill>
-                <a:latin typeface="Arial MT"/>
-                <a:cs typeface="Arial MT"/>
-              </a:rPr>
-              <a:t> </a:t>
-            </a:r>
-            <a:r>
-              <a:rPr sz="1800" spc="55" dirty="0">
-                <a:solidFill>
-                  <a:srgbClr val="001F5F"/>
-                </a:solidFill>
-                <a:latin typeface="Arial MT"/>
-                <a:cs typeface="Arial MT"/>
-              </a:rPr>
-              <a:t>NO</a:t>
-            </a:r>
-            <a:r>
-              <a:rPr sz="1800" spc="250" dirty="0">
-                <a:solidFill>
-                  <a:srgbClr val="001F5F"/>
-                </a:solidFill>
-                <a:latin typeface="Arial MT"/>
-                <a:cs typeface="Arial MT"/>
-              </a:rPr>
-              <a:t> </a:t>
-            </a:r>
-            <a:r>
-              <a:rPr sz="1800" spc="105" dirty="0">
-                <a:solidFill>
-                  <a:srgbClr val="001F5F"/>
-                </a:solidFill>
-                <a:latin typeface="Arial MT"/>
-                <a:cs typeface="Arial MT"/>
-              </a:rPr>
-              <a:t>NECESARIAMENTE</a:t>
-            </a:r>
-            <a:r>
-              <a:rPr sz="1800" spc="229" dirty="0">
-                <a:solidFill>
-                  <a:srgbClr val="001F5F"/>
-                </a:solidFill>
-                <a:latin typeface="Arial MT"/>
-                <a:cs typeface="Arial MT"/>
-              </a:rPr>
-              <a:t> </a:t>
-            </a:r>
-            <a:r>
-              <a:rPr sz="1800" spc="105" dirty="0">
-                <a:solidFill>
-                  <a:srgbClr val="001F5F"/>
-                </a:solidFill>
-                <a:latin typeface="Arial MT"/>
-                <a:cs typeface="Arial MT"/>
-              </a:rPr>
-              <a:t>PATOLÓGICOS.</a:t>
-            </a:r>
-            <a:endParaRPr sz="1800" dirty="0">
-              <a:latin typeface="Arial MT"/>
-              <a:cs typeface="Arial MT"/>
-            </a:endParaRPr>
-          </a:p>
-          <a:p>
-            <a:pPr marL="355600" indent="-342900">
-              <a:lnSpc>
-                <a:spcPct val="100000"/>
-              </a:lnSpc>
-              <a:spcBef>
-                <a:spcPts val="1680"/>
-              </a:spcBef>
-              <a:buFont typeface="Wingdings"/>
-              <a:buChar char=""/>
-              <a:tabLst>
-                <a:tab pos="354965" algn="l"/>
-                <a:tab pos="355600" algn="l"/>
-              </a:tabLst>
-            </a:pPr>
-            <a:r>
-              <a:rPr sz="1800" spc="110" dirty="0">
-                <a:solidFill>
-                  <a:srgbClr val="001F5F"/>
-                </a:solidFill>
-                <a:latin typeface="Arial MT"/>
-                <a:cs typeface="Arial MT"/>
-              </a:rPr>
-              <a:t>IDENTIFICACIÓN</a:t>
-            </a:r>
-            <a:r>
-              <a:rPr sz="1800" spc="200" dirty="0">
-                <a:solidFill>
-                  <a:srgbClr val="001F5F"/>
-                </a:solidFill>
-                <a:latin typeface="Arial MT"/>
-                <a:cs typeface="Arial MT"/>
-              </a:rPr>
-              <a:t> </a:t>
-            </a:r>
-            <a:r>
-              <a:rPr sz="1800" spc="55" dirty="0">
-                <a:solidFill>
-                  <a:srgbClr val="001F5F"/>
-                </a:solidFill>
-                <a:latin typeface="Arial MT"/>
-                <a:cs typeface="Arial MT"/>
-              </a:rPr>
-              <a:t>DE</a:t>
-            </a:r>
-            <a:r>
-              <a:rPr sz="1800" spc="229" dirty="0">
-                <a:solidFill>
-                  <a:srgbClr val="001F5F"/>
-                </a:solidFill>
-                <a:latin typeface="Arial MT"/>
-                <a:cs typeface="Arial MT"/>
-              </a:rPr>
-              <a:t> </a:t>
-            </a:r>
-            <a:r>
-              <a:rPr sz="1800" spc="100" dirty="0">
-                <a:solidFill>
-                  <a:srgbClr val="001F5F"/>
-                </a:solidFill>
-                <a:latin typeface="Arial MT"/>
-                <a:cs typeface="Arial MT"/>
-              </a:rPr>
-              <a:t>ASPECTOS</a:t>
-            </a:r>
-            <a:r>
-              <a:rPr sz="1800" spc="204" dirty="0">
-                <a:solidFill>
-                  <a:srgbClr val="001F5F"/>
-                </a:solidFill>
-                <a:latin typeface="Arial MT"/>
-                <a:cs typeface="Arial MT"/>
-              </a:rPr>
-              <a:t> </a:t>
-            </a:r>
-            <a:r>
-              <a:rPr sz="1800" spc="55" dirty="0">
-                <a:solidFill>
-                  <a:srgbClr val="001F5F"/>
-                </a:solidFill>
-                <a:latin typeface="Arial MT"/>
-                <a:cs typeface="Arial MT"/>
-              </a:rPr>
-              <a:t>DE</a:t>
-            </a:r>
-            <a:r>
-              <a:rPr sz="1800" spc="225" dirty="0">
-                <a:solidFill>
-                  <a:srgbClr val="001F5F"/>
-                </a:solidFill>
-                <a:latin typeface="Arial MT"/>
-                <a:cs typeface="Arial MT"/>
-              </a:rPr>
-              <a:t> </a:t>
-            </a:r>
-            <a:r>
-              <a:rPr sz="1800" spc="55" dirty="0">
-                <a:solidFill>
-                  <a:srgbClr val="001F5F"/>
-                </a:solidFill>
-                <a:latin typeface="Arial MT"/>
-                <a:cs typeface="Arial MT"/>
-              </a:rPr>
-              <a:t>LA</a:t>
-            </a:r>
-            <a:r>
-              <a:rPr sz="1800" spc="229" dirty="0">
-                <a:solidFill>
-                  <a:srgbClr val="001F5F"/>
-                </a:solidFill>
-                <a:latin typeface="Arial MT"/>
-                <a:cs typeface="Arial MT"/>
-              </a:rPr>
-              <a:t> </a:t>
-            </a:r>
-            <a:r>
-              <a:rPr sz="1800" spc="105" dirty="0">
-                <a:solidFill>
-                  <a:srgbClr val="001F5F"/>
-                </a:solidFill>
-                <a:latin typeface="Arial MT"/>
-                <a:cs typeface="Arial MT"/>
-              </a:rPr>
-              <a:t>PERSONALIDAD.</a:t>
-            </a:r>
-            <a:endParaRPr sz="1800" dirty="0">
-              <a:latin typeface="Arial MT"/>
-              <a:cs typeface="Arial MT"/>
-            </a:endParaRPr>
-          </a:p>
-          <a:p>
-            <a:pPr marL="355600" indent="-342900">
-              <a:lnSpc>
-                <a:spcPct val="100000"/>
-              </a:lnSpc>
-              <a:spcBef>
-                <a:spcPts val="1680"/>
-              </a:spcBef>
-              <a:buFont typeface="Wingdings"/>
-              <a:buChar char=""/>
-              <a:tabLst>
-                <a:tab pos="354965" algn="l"/>
-                <a:tab pos="355600" algn="l"/>
-              </a:tabLst>
-            </a:pPr>
-            <a:r>
-              <a:rPr sz="1800" spc="105" dirty="0">
-                <a:solidFill>
-                  <a:srgbClr val="001F5F"/>
-                </a:solidFill>
-                <a:latin typeface="Arial MT"/>
-                <a:cs typeface="Arial MT"/>
-              </a:rPr>
-              <a:t>INTEGRACIÓN</a:t>
-            </a:r>
-            <a:r>
-              <a:rPr sz="1800" spc="204" dirty="0">
-                <a:solidFill>
-                  <a:srgbClr val="001F5F"/>
-                </a:solidFill>
-                <a:latin typeface="Arial MT"/>
-                <a:cs typeface="Arial MT"/>
-              </a:rPr>
-              <a:t> </a:t>
-            </a:r>
-            <a:r>
-              <a:rPr sz="1800" spc="75" dirty="0">
-                <a:solidFill>
-                  <a:srgbClr val="001F5F"/>
-                </a:solidFill>
-                <a:latin typeface="Arial MT"/>
-                <a:cs typeface="Arial MT"/>
-              </a:rPr>
-              <a:t>DEL</a:t>
-            </a:r>
-            <a:r>
-              <a:rPr sz="1800" spc="245" dirty="0">
-                <a:solidFill>
-                  <a:srgbClr val="001F5F"/>
-                </a:solidFill>
-                <a:latin typeface="Arial MT"/>
-                <a:cs typeface="Arial MT"/>
-              </a:rPr>
-              <a:t> </a:t>
-            </a:r>
-            <a:r>
-              <a:rPr sz="1800" spc="100" dirty="0">
-                <a:solidFill>
-                  <a:srgbClr val="001F5F"/>
-                </a:solidFill>
-                <a:latin typeface="Arial MT"/>
-                <a:cs typeface="Arial MT"/>
-              </a:rPr>
-              <a:t>MATERIAL</a:t>
-            </a:r>
-            <a:r>
-              <a:rPr sz="1800" spc="210" dirty="0">
-                <a:solidFill>
-                  <a:srgbClr val="001F5F"/>
-                </a:solidFill>
-                <a:latin typeface="Arial MT"/>
-                <a:cs typeface="Arial MT"/>
-              </a:rPr>
-              <a:t> </a:t>
-            </a:r>
-            <a:r>
-              <a:rPr sz="1800" spc="90" dirty="0">
-                <a:solidFill>
-                  <a:srgbClr val="001F5F"/>
-                </a:solidFill>
-                <a:latin typeface="Arial MT"/>
-                <a:cs typeface="Arial MT"/>
-              </a:rPr>
-              <a:t>LEÍDO</a:t>
-            </a:r>
-            <a:r>
-              <a:rPr sz="1800" spc="245" dirty="0">
-                <a:solidFill>
-                  <a:srgbClr val="001F5F"/>
-                </a:solidFill>
-                <a:latin typeface="Arial MT"/>
-                <a:cs typeface="Arial MT"/>
-              </a:rPr>
-              <a:t> </a:t>
-            </a:r>
-            <a:r>
-              <a:rPr sz="1800" spc="95" dirty="0">
-                <a:solidFill>
-                  <a:srgbClr val="001F5F"/>
-                </a:solidFill>
-                <a:latin typeface="Arial MT"/>
-                <a:cs typeface="Arial MT"/>
-              </a:rPr>
-              <a:t>HASTA</a:t>
-            </a:r>
-            <a:r>
-              <a:rPr sz="1800" spc="225" dirty="0">
-                <a:solidFill>
-                  <a:srgbClr val="001F5F"/>
-                </a:solidFill>
-                <a:latin typeface="Arial MT"/>
-                <a:cs typeface="Arial MT"/>
-              </a:rPr>
-              <a:t> </a:t>
-            </a:r>
-            <a:r>
-              <a:rPr sz="1800" spc="95" dirty="0">
-                <a:solidFill>
-                  <a:srgbClr val="001F5F"/>
-                </a:solidFill>
-                <a:latin typeface="Arial MT"/>
-                <a:cs typeface="Arial MT"/>
-              </a:rPr>
-              <a:t>AHORA.</a:t>
-            </a:r>
-            <a:endParaRPr sz="1800" dirty="0">
-              <a:latin typeface="Arial MT"/>
-              <a:cs typeface="Arial MT"/>
-            </a:endParaRPr>
-          </a:p>
-          <a:p>
-            <a:pPr marL="355600" indent="-342900">
-              <a:lnSpc>
-                <a:spcPct val="100000"/>
-              </a:lnSpc>
-              <a:spcBef>
-                <a:spcPts val="1680"/>
-              </a:spcBef>
-              <a:buFont typeface="Wingdings"/>
-              <a:buChar char=""/>
-              <a:tabLst>
-                <a:tab pos="354965" algn="l"/>
-                <a:tab pos="355600" algn="l"/>
-              </a:tabLst>
-            </a:pPr>
-            <a:r>
-              <a:rPr sz="1800" spc="100" dirty="0">
-                <a:solidFill>
-                  <a:srgbClr val="001F5F"/>
-                </a:solidFill>
-                <a:latin typeface="Arial MT"/>
-                <a:cs typeface="Arial MT"/>
-              </a:rPr>
-              <a:t>REFLEXIÓN</a:t>
-            </a:r>
-            <a:r>
-              <a:rPr sz="1800" spc="240" dirty="0">
-                <a:solidFill>
-                  <a:srgbClr val="001F5F"/>
-                </a:solidFill>
-                <a:latin typeface="Arial MT"/>
-                <a:cs typeface="Arial MT"/>
-              </a:rPr>
-              <a:t> </a:t>
-            </a:r>
-            <a:r>
-              <a:rPr sz="1800" spc="55" dirty="0">
-                <a:solidFill>
-                  <a:srgbClr val="001F5F"/>
-                </a:solidFill>
-                <a:latin typeface="Arial MT"/>
-                <a:cs typeface="Arial MT"/>
-              </a:rPr>
-              <a:t>DE</a:t>
-            </a:r>
-            <a:r>
-              <a:rPr sz="1800" spc="229" dirty="0">
-                <a:solidFill>
-                  <a:srgbClr val="001F5F"/>
-                </a:solidFill>
-                <a:latin typeface="Arial MT"/>
-                <a:cs typeface="Arial MT"/>
-              </a:rPr>
-              <a:t> </a:t>
-            </a:r>
-            <a:r>
-              <a:rPr sz="1800" spc="85" dirty="0">
-                <a:solidFill>
-                  <a:srgbClr val="001F5F"/>
-                </a:solidFill>
-                <a:latin typeface="Arial MT"/>
-                <a:cs typeface="Arial MT"/>
-              </a:rPr>
-              <a:t>CÓMO</a:t>
-            </a:r>
-            <a:r>
-              <a:rPr sz="1800" spc="225" dirty="0">
-                <a:solidFill>
-                  <a:srgbClr val="001F5F"/>
-                </a:solidFill>
-                <a:latin typeface="Arial MT"/>
-                <a:cs typeface="Arial MT"/>
-              </a:rPr>
-              <a:t> </a:t>
-            </a:r>
-            <a:r>
-              <a:rPr sz="1800" spc="75" dirty="0">
-                <a:solidFill>
-                  <a:srgbClr val="001F5F"/>
-                </a:solidFill>
-                <a:latin typeface="Arial MT"/>
-                <a:cs typeface="Arial MT"/>
-              </a:rPr>
-              <a:t>UNA</a:t>
-            </a:r>
-            <a:r>
-              <a:rPr sz="1800" spc="229" dirty="0">
-                <a:solidFill>
-                  <a:srgbClr val="001F5F"/>
-                </a:solidFill>
-                <a:latin typeface="Arial MT"/>
-                <a:cs typeface="Arial MT"/>
-              </a:rPr>
-              <a:t> </a:t>
-            </a:r>
-            <a:r>
-              <a:rPr sz="1800" spc="100" dirty="0">
-                <a:solidFill>
-                  <a:srgbClr val="001F5F"/>
-                </a:solidFill>
-                <a:latin typeface="Arial MT"/>
-                <a:cs typeface="Arial MT"/>
-              </a:rPr>
-              <a:t>TEORÍA</a:t>
-            </a:r>
-            <a:r>
-              <a:rPr sz="1800" spc="210" dirty="0">
-                <a:solidFill>
-                  <a:srgbClr val="001F5F"/>
-                </a:solidFill>
-                <a:latin typeface="Arial MT"/>
-                <a:cs typeface="Arial MT"/>
-              </a:rPr>
-              <a:t> </a:t>
-            </a:r>
-            <a:r>
-              <a:rPr sz="1800" spc="55" dirty="0">
-                <a:solidFill>
-                  <a:srgbClr val="001F5F"/>
-                </a:solidFill>
-                <a:latin typeface="Arial MT"/>
-                <a:cs typeface="Arial MT"/>
-              </a:rPr>
-              <a:t>DE</a:t>
-            </a:r>
-            <a:r>
-              <a:rPr sz="1800" spc="229" dirty="0">
-                <a:solidFill>
-                  <a:srgbClr val="001F5F"/>
-                </a:solidFill>
-                <a:latin typeface="Arial MT"/>
-                <a:cs typeface="Arial MT"/>
-              </a:rPr>
-              <a:t> </a:t>
-            </a:r>
-            <a:r>
-              <a:rPr sz="1800" spc="50" dirty="0">
-                <a:solidFill>
-                  <a:srgbClr val="001F5F"/>
-                </a:solidFill>
-                <a:latin typeface="Arial MT"/>
-                <a:cs typeface="Arial MT"/>
-              </a:rPr>
-              <a:t>LA</a:t>
-            </a:r>
-            <a:r>
-              <a:rPr sz="1800" spc="229" dirty="0">
-                <a:solidFill>
-                  <a:srgbClr val="001F5F"/>
-                </a:solidFill>
-                <a:latin typeface="Arial MT"/>
-                <a:cs typeface="Arial MT"/>
-              </a:rPr>
-              <a:t> </a:t>
-            </a:r>
-            <a:r>
-              <a:rPr sz="1800" spc="105" dirty="0">
-                <a:solidFill>
-                  <a:srgbClr val="001F5F"/>
-                </a:solidFill>
-                <a:latin typeface="Arial MT"/>
-                <a:cs typeface="Arial MT"/>
-              </a:rPr>
-              <a:t>PERSONALIDAD</a:t>
-            </a:r>
-            <a:endParaRPr sz="1800" dirty="0">
-              <a:latin typeface="Arial MT"/>
-              <a:cs typeface="Arial MT"/>
-            </a:endParaRPr>
-          </a:p>
-          <a:p>
-            <a:pPr marL="355600">
-              <a:lnSpc>
-                <a:spcPct val="100000"/>
-              </a:lnSpc>
-              <a:spcBef>
-                <a:spcPts val="1080"/>
-              </a:spcBef>
-            </a:pPr>
-            <a:r>
-              <a:rPr sz="1800" spc="95" dirty="0">
-                <a:solidFill>
-                  <a:srgbClr val="001F5F"/>
-                </a:solidFill>
-                <a:latin typeface="Arial MT"/>
-                <a:cs typeface="Arial MT"/>
-              </a:rPr>
-              <a:t>INFLUYE</a:t>
-            </a:r>
-            <a:r>
-              <a:rPr sz="1800" spc="235" dirty="0">
-                <a:solidFill>
-                  <a:srgbClr val="001F5F"/>
-                </a:solidFill>
-                <a:latin typeface="Arial MT"/>
-                <a:cs typeface="Arial MT"/>
-              </a:rPr>
-              <a:t> </a:t>
-            </a:r>
-            <a:r>
-              <a:rPr sz="1800" spc="55" dirty="0">
-                <a:solidFill>
-                  <a:srgbClr val="001F5F"/>
-                </a:solidFill>
-                <a:latin typeface="Arial MT"/>
-                <a:cs typeface="Arial MT"/>
-              </a:rPr>
-              <a:t>EN</a:t>
-            </a:r>
-            <a:r>
-              <a:rPr sz="1800" spc="235" dirty="0">
-                <a:solidFill>
-                  <a:srgbClr val="001F5F"/>
-                </a:solidFill>
-                <a:latin typeface="Arial MT"/>
-                <a:cs typeface="Arial MT"/>
-              </a:rPr>
-              <a:t> </a:t>
-            </a:r>
-            <a:r>
-              <a:rPr sz="1800" spc="55" dirty="0">
-                <a:solidFill>
-                  <a:srgbClr val="001F5F"/>
-                </a:solidFill>
-                <a:latin typeface="Arial MT"/>
-                <a:cs typeface="Arial MT"/>
-              </a:rPr>
-              <a:t>LA</a:t>
-            </a:r>
-            <a:r>
-              <a:rPr sz="1800" spc="235" dirty="0">
-                <a:solidFill>
-                  <a:srgbClr val="001F5F"/>
-                </a:solidFill>
-                <a:latin typeface="Arial MT"/>
-                <a:cs typeface="Arial MT"/>
-              </a:rPr>
-              <a:t> </a:t>
-            </a:r>
-            <a:r>
-              <a:rPr sz="1800" spc="100" dirty="0">
-                <a:solidFill>
-                  <a:srgbClr val="001F5F"/>
-                </a:solidFill>
-                <a:latin typeface="Arial MT"/>
-                <a:cs typeface="Arial MT"/>
-              </a:rPr>
-              <a:t>PERCEPCIÓN</a:t>
-            </a:r>
-            <a:r>
-              <a:rPr sz="1800" spc="235" dirty="0">
-                <a:solidFill>
-                  <a:srgbClr val="001F5F"/>
-                </a:solidFill>
-                <a:latin typeface="Arial MT"/>
-                <a:cs typeface="Arial MT"/>
-              </a:rPr>
-              <a:t> </a:t>
-            </a:r>
-            <a:r>
-              <a:rPr sz="1800" spc="55" dirty="0">
-                <a:solidFill>
-                  <a:srgbClr val="001F5F"/>
-                </a:solidFill>
-                <a:latin typeface="Arial MT"/>
-                <a:cs typeface="Arial MT"/>
-              </a:rPr>
-              <a:t>DE</a:t>
-            </a:r>
-            <a:r>
-              <a:rPr sz="1800" spc="235" dirty="0">
-                <a:solidFill>
-                  <a:srgbClr val="001F5F"/>
-                </a:solidFill>
-                <a:latin typeface="Arial MT"/>
-                <a:cs typeface="Arial MT"/>
-              </a:rPr>
-              <a:t> </a:t>
-            </a:r>
-            <a:r>
-              <a:rPr sz="1800" spc="55" dirty="0">
-                <a:solidFill>
-                  <a:srgbClr val="001F5F"/>
-                </a:solidFill>
-                <a:latin typeface="Arial MT"/>
-                <a:cs typeface="Arial MT"/>
-              </a:rPr>
-              <a:t>LA</a:t>
-            </a:r>
-            <a:r>
-              <a:rPr sz="1800" spc="235" dirty="0">
-                <a:solidFill>
-                  <a:srgbClr val="001F5F"/>
-                </a:solidFill>
-                <a:latin typeface="Arial MT"/>
-                <a:cs typeface="Arial MT"/>
-              </a:rPr>
-              <a:t> </a:t>
-            </a:r>
-            <a:r>
-              <a:rPr sz="1800" spc="100" dirty="0">
-                <a:solidFill>
-                  <a:srgbClr val="001F5F"/>
-                </a:solidFill>
-                <a:latin typeface="Arial MT"/>
-                <a:cs typeface="Arial MT"/>
-              </a:rPr>
-              <a:t>PERSONA.</a:t>
-            </a:r>
-            <a:endParaRPr sz="1800" dirty="0">
               <a:latin typeface="Arial MT"/>
               <a:cs typeface="Arial MT"/>
             </a:endParaRPr>
@@ -9336,716 +8536,720 @@
         </p:nvSpPr>
         <p:spPr>
           <a:xfrm>
-            <a:off x="464616" y="2031734"/>
-            <a:ext cx="6932295" cy="3074035"/>
+            <a:off x="464616" y="2204465"/>
+            <a:ext cx="7755890" cy="2174875"/>
           </a:xfrm>
           <a:prstGeom prst="rect">
             <a:avLst/>
           </a:prstGeom>
         </p:spPr>
         <p:txBody>
-          <a:bodyPr vert="horz" wrap="square" lIns="0" tIns="88265" rIns="0" bIns="0" rtlCol="0">
+          <a:bodyPr vert="horz" wrap="square" lIns="0" tIns="12700" rIns="0" bIns="0" rtlCol="0">
             <a:spAutoFit/>
           </a:bodyPr>
           <a:lstStyle/>
           <a:p>
-            <a:pPr marL="12700">
+            <a:pPr marL="355600" indent="-342900">
               <a:lnSpc>
                 <a:spcPct val="100000"/>
               </a:lnSpc>
               <a:spcBef>
-                <a:spcPts val="695"/>
+                <a:spcPts val="100"/>
               </a:spcBef>
+              <a:buFont typeface="Wingdings"/>
+              <a:buChar char=""/>
+              <a:tabLst>
+                <a:tab pos="354965" algn="l"/>
+                <a:tab pos="355600" algn="l"/>
+              </a:tabLst>
             </a:pPr>
             <a:r>
-              <a:rPr sz="2000" dirty="0">
-                <a:solidFill>
-                  <a:srgbClr val="001F5F"/>
-                </a:solidFill>
-                <a:latin typeface="Calibri"/>
-                <a:cs typeface="Calibri"/>
-              </a:rPr>
-              <a:t>7</a:t>
-            </a:r>
-            <a:r>
-              <a:rPr sz="2000" spc="210" dirty="0">
-                <a:solidFill>
-                  <a:srgbClr val="001F5F"/>
-                </a:solidFill>
-                <a:latin typeface="Calibri"/>
-                <a:cs typeface="Calibri"/>
-              </a:rPr>
-              <a:t> </a:t>
-            </a:r>
-            <a:r>
-              <a:rPr sz="2000" spc="85" dirty="0">
-                <a:solidFill>
-                  <a:srgbClr val="001F5F"/>
-                </a:solidFill>
-                <a:latin typeface="Calibri"/>
-                <a:cs typeface="Calibri"/>
-              </a:rPr>
-              <a:t>EJES</a:t>
-            </a:r>
-            <a:r>
-              <a:rPr sz="2000" spc="200" dirty="0">
-                <a:solidFill>
-                  <a:srgbClr val="001F5F"/>
-                </a:solidFill>
-                <a:latin typeface="Calibri"/>
-                <a:cs typeface="Calibri"/>
-              </a:rPr>
-              <a:t> </a:t>
-            </a:r>
-            <a:r>
-              <a:rPr sz="2000" dirty="0">
-                <a:solidFill>
-                  <a:srgbClr val="001F5F"/>
-                </a:solidFill>
-                <a:latin typeface="Calibri"/>
-                <a:cs typeface="Calibri"/>
-              </a:rPr>
-              <a:t>A</a:t>
-            </a:r>
-            <a:r>
-              <a:rPr sz="2000" spc="210" dirty="0">
-                <a:solidFill>
-                  <a:srgbClr val="001F5F"/>
-                </a:solidFill>
-                <a:latin typeface="Calibri"/>
-                <a:cs typeface="Calibri"/>
-              </a:rPr>
-              <a:t> </a:t>
-            </a:r>
-            <a:r>
-              <a:rPr sz="2000" spc="110" dirty="0">
-                <a:solidFill>
-                  <a:srgbClr val="001F5F"/>
-                </a:solidFill>
-                <a:latin typeface="Calibri"/>
-                <a:cs typeface="Calibri"/>
-              </a:rPr>
-              <a:t>DESARROLLAR:</a:t>
-            </a:r>
-            <a:endParaRPr sz="2000" dirty="0">
-              <a:latin typeface="Calibri"/>
-              <a:cs typeface="Calibri"/>
+              <a:rPr sz="1800" spc="100" dirty="0">
+                <a:solidFill>
+                  <a:srgbClr val="001F5F"/>
+                </a:solidFill>
+                <a:latin typeface="Arial MT"/>
+                <a:cs typeface="Arial MT"/>
+              </a:rPr>
+              <a:t>LECTURA</a:t>
+            </a:r>
+            <a:r>
+              <a:rPr sz="1800" spc="235" dirty="0">
+                <a:solidFill>
+                  <a:srgbClr val="001F5F"/>
+                </a:solidFill>
+                <a:latin typeface="Arial MT"/>
+                <a:cs typeface="Arial MT"/>
+              </a:rPr>
+              <a:t> </a:t>
+            </a:r>
+            <a:r>
+              <a:rPr sz="1800" spc="55" dirty="0">
+                <a:solidFill>
+                  <a:srgbClr val="001F5F"/>
+                </a:solidFill>
+                <a:latin typeface="Arial MT"/>
+                <a:cs typeface="Arial MT"/>
+              </a:rPr>
+              <a:t>DE</a:t>
+            </a:r>
+            <a:r>
+              <a:rPr sz="1800" spc="240" dirty="0">
+                <a:solidFill>
+                  <a:srgbClr val="001F5F"/>
+                </a:solidFill>
+                <a:latin typeface="Arial MT"/>
+                <a:cs typeface="Arial MT"/>
+              </a:rPr>
+              <a:t> </a:t>
+            </a:r>
+            <a:r>
+              <a:rPr sz="1800" spc="90" dirty="0">
+                <a:solidFill>
+                  <a:srgbClr val="001F5F"/>
+                </a:solidFill>
+                <a:latin typeface="Arial MT"/>
+                <a:cs typeface="Arial MT"/>
+              </a:rPr>
+              <a:t>CASOS</a:t>
+            </a:r>
+            <a:r>
+              <a:rPr sz="1800" spc="229" dirty="0">
+                <a:solidFill>
+                  <a:srgbClr val="001F5F"/>
+                </a:solidFill>
+                <a:latin typeface="Arial MT"/>
+                <a:cs typeface="Arial MT"/>
+              </a:rPr>
+              <a:t> </a:t>
+            </a:r>
+            <a:r>
+              <a:rPr sz="1800" spc="55" dirty="0">
+                <a:solidFill>
+                  <a:srgbClr val="001F5F"/>
+                </a:solidFill>
+                <a:latin typeface="Arial MT"/>
+                <a:cs typeface="Arial MT"/>
+              </a:rPr>
+              <a:t>NO</a:t>
+            </a:r>
+            <a:r>
+              <a:rPr sz="1800" spc="250" dirty="0">
+                <a:solidFill>
+                  <a:srgbClr val="001F5F"/>
+                </a:solidFill>
+                <a:latin typeface="Arial MT"/>
+                <a:cs typeface="Arial MT"/>
+              </a:rPr>
+              <a:t> </a:t>
+            </a:r>
+            <a:r>
+              <a:rPr sz="1800" spc="105" dirty="0">
+                <a:solidFill>
+                  <a:srgbClr val="001F5F"/>
+                </a:solidFill>
+                <a:latin typeface="Arial MT"/>
+                <a:cs typeface="Arial MT"/>
+              </a:rPr>
+              <a:t>NECESARIAMENTE</a:t>
+            </a:r>
+            <a:r>
+              <a:rPr sz="1800" spc="229" dirty="0">
+                <a:solidFill>
+                  <a:srgbClr val="001F5F"/>
+                </a:solidFill>
+                <a:latin typeface="Arial MT"/>
+                <a:cs typeface="Arial MT"/>
+              </a:rPr>
+              <a:t> </a:t>
+            </a:r>
+            <a:r>
+              <a:rPr sz="1800" spc="105" dirty="0">
+                <a:solidFill>
+                  <a:srgbClr val="001F5F"/>
+                </a:solidFill>
+                <a:latin typeface="Arial MT"/>
+                <a:cs typeface="Arial MT"/>
+              </a:rPr>
+              <a:t>PATOLÓGICOS.</a:t>
+            </a:r>
+            <a:endParaRPr sz="1800" dirty="0">
+              <a:latin typeface="Arial MT"/>
+              <a:cs typeface="Arial MT"/>
             </a:endParaRPr>
           </a:p>
           <a:p>
-            <a:pPr marL="320675" indent="-308610">
+            <a:pPr marL="355600" indent="-342900">
               <a:lnSpc>
                 <a:spcPct val="100000"/>
               </a:lnSpc>
               <a:spcBef>
-                <a:spcPts val="600"/>
+                <a:spcPts val="1680"/>
               </a:spcBef>
-              <a:buAutoNum type="arabicParenR"/>
+              <a:buFont typeface="Wingdings"/>
+              <a:buChar char=""/>
               <a:tabLst>
-                <a:tab pos="321310" algn="l"/>
+                <a:tab pos="354965" algn="l"/>
+                <a:tab pos="355600" algn="l"/>
               </a:tabLst>
             </a:pPr>
             <a:r>
-              <a:rPr sz="2000" spc="90" dirty="0">
-                <a:solidFill>
-                  <a:srgbClr val="001F5F"/>
-                </a:solidFill>
-                <a:latin typeface="Calibri"/>
-                <a:cs typeface="Calibri"/>
-              </a:rPr>
-              <a:t>MODO</a:t>
-            </a:r>
-            <a:r>
-              <a:rPr sz="2000" spc="175" dirty="0">
-                <a:solidFill>
-                  <a:srgbClr val="001F5F"/>
-                </a:solidFill>
-                <a:latin typeface="Calibri"/>
-                <a:cs typeface="Calibri"/>
-              </a:rPr>
-              <a:t> </a:t>
-            </a:r>
-            <a:r>
-              <a:rPr sz="2000" spc="60" dirty="0">
-                <a:solidFill>
-                  <a:srgbClr val="001F5F"/>
-                </a:solidFill>
-                <a:latin typeface="Calibri"/>
-                <a:cs typeface="Calibri"/>
+              <a:rPr sz="1800" spc="110" dirty="0">
+                <a:solidFill>
+                  <a:srgbClr val="001F5F"/>
+                </a:solidFill>
+                <a:latin typeface="Arial MT"/>
+                <a:cs typeface="Arial MT"/>
+              </a:rPr>
+              <a:t>IDENTIFICACIÓN</a:t>
+            </a:r>
+            <a:r>
+              <a:rPr sz="1800" spc="200" dirty="0">
+                <a:solidFill>
+                  <a:srgbClr val="001F5F"/>
+                </a:solidFill>
+                <a:latin typeface="Arial MT"/>
+                <a:cs typeface="Arial MT"/>
+              </a:rPr>
+              <a:t> </a:t>
+            </a:r>
+            <a:r>
+              <a:rPr sz="1800" spc="55" dirty="0">
+                <a:solidFill>
+                  <a:srgbClr val="001F5F"/>
+                </a:solidFill>
+                <a:latin typeface="Arial MT"/>
+                <a:cs typeface="Arial MT"/>
               </a:rPr>
               <a:t>DE</a:t>
             </a:r>
             <a:r>
-              <a:rPr sz="2000" spc="185" dirty="0">
-                <a:solidFill>
-                  <a:srgbClr val="001F5F"/>
-                </a:solidFill>
-                <a:latin typeface="Calibri"/>
-                <a:cs typeface="Calibri"/>
-              </a:rPr>
-              <a:t> </a:t>
-            </a:r>
-            <a:r>
-              <a:rPr sz="2000" spc="110" dirty="0">
-                <a:solidFill>
-                  <a:srgbClr val="001F5F"/>
-                </a:solidFill>
-                <a:latin typeface="Calibri"/>
-                <a:cs typeface="Calibri"/>
-              </a:rPr>
-              <a:t>COMPORTARSE.</a:t>
-            </a:r>
-            <a:endParaRPr sz="2000" dirty="0">
-              <a:latin typeface="Calibri"/>
-              <a:cs typeface="Calibri"/>
+              <a:rPr sz="1800" spc="229" dirty="0">
+                <a:solidFill>
+                  <a:srgbClr val="001F5F"/>
+                </a:solidFill>
+                <a:latin typeface="Arial MT"/>
+                <a:cs typeface="Arial MT"/>
+              </a:rPr>
+              <a:t> </a:t>
+            </a:r>
+            <a:r>
+              <a:rPr sz="1800" spc="100" dirty="0">
+                <a:solidFill>
+                  <a:srgbClr val="001F5F"/>
+                </a:solidFill>
+                <a:latin typeface="Arial MT"/>
+                <a:cs typeface="Arial MT"/>
+              </a:rPr>
+              <a:t>ASPECTOS</a:t>
+            </a:r>
+            <a:r>
+              <a:rPr sz="1800" spc="204" dirty="0">
+                <a:solidFill>
+                  <a:srgbClr val="001F5F"/>
+                </a:solidFill>
+                <a:latin typeface="Arial MT"/>
+                <a:cs typeface="Arial MT"/>
+              </a:rPr>
+              <a:t> </a:t>
+            </a:r>
+            <a:r>
+              <a:rPr sz="1800" spc="55" dirty="0">
+                <a:solidFill>
+                  <a:srgbClr val="001F5F"/>
+                </a:solidFill>
+                <a:latin typeface="Arial MT"/>
+                <a:cs typeface="Arial MT"/>
+              </a:rPr>
+              <a:t>DE</a:t>
+            </a:r>
+            <a:r>
+              <a:rPr sz="1800" spc="225" dirty="0">
+                <a:solidFill>
+                  <a:srgbClr val="001F5F"/>
+                </a:solidFill>
+                <a:latin typeface="Arial MT"/>
+                <a:cs typeface="Arial MT"/>
+              </a:rPr>
+              <a:t> </a:t>
+            </a:r>
+            <a:r>
+              <a:rPr sz="1800" spc="55" dirty="0">
+                <a:solidFill>
+                  <a:srgbClr val="001F5F"/>
+                </a:solidFill>
+                <a:latin typeface="Arial MT"/>
+                <a:cs typeface="Arial MT"/>
+              </a:rPr>
+              <a:t>LA</a:t>
+            </a:r>
+            <a:r>
+              <a:rPr sz="1800" spc="229" dirty="0">
+                <a:solidFill>
+                  <a:srgbClr val="001F5F"/>
+                </a:solidFill>
+                <a:latin typeface="Arial MT"/>
+                <a:cs typeface="Arial MT"/>
+              </a:rPr>
+              <a:t> </a:t>
+            </a:r>
+            <a:r>
+              <a:rPr sz="1800" spc="105" dirty="0">
+                <a:solidFill>
+                  <a:srgbClr val="001F5F"/>
+                </a:solidFill>
+                <a:latin typeface="Arial MT"/>
+                <a:cs typeface="Arial MT"/>
+              </a:rPr>
+              <a:t>PERSONALIDAD.</a:t>
+            </a:r>
+            <a:endParaRPr sz="1800" dirty="0">
+              <a:latin typeface="Arial MT"/>
+              <a:cs typeface="Arial MT"/>
             </a:endParaRPr>
           </a:p>
           <a:p>
-            <a:pPr marL="320675" indent="-308610">
+            <a:pPr marL="355600" indent="-342900">
               <a:lnSpc>
                 <a:spcPct val="100000"/>
               </a:lnSpc>
               <a:spcBef>
-                <a:spcPts val="600"/>
+                <a:spcPts val="1680"/>
               </a:spcBef>
-              <a:buAutoNum type="arabicParenR"/>
+              <a:buFont typeface="Wingdings"/>
+              <a:buChar char=""/>
               <a:tabLst>
-                <a:tab pos="321310" algn="l"/>
+                <a:tab pos="354965" algn="l"/>
+                <a:tab pos="355600" algn="l"/>
               </a:tabLst>
             </a:pPr>
             <a:r>
-              <a:rPr sz="2000" spc="90" dirty="0">
-                <a:solidFill>
-                  <a:srgbClr val="001F5F"/>
-                </a:solidFill>
-                <a:latin typeface="Calibri"/>
-                <a:cs typeface="Calibri"/>
-              </a:rPr>
-              <a:t>MODO</a:t>
-            </a:r>
-            <a:r>
-              <a:rPr sz="2000" spc="185" dirty="0">
-                <a:solidFill>
-                  <a:srgbClr val="001F5F"/>
-                </a:solidFill>
-                <a:latin typeface="Calibri"/>
-                <a:cs typeface="Calibri"/>
-              </a:rPr>
-              <a:t> </a:t>
-            </a:r>
-            <a:r>
-              <a:rPr sz="2000" spc="60" dirty="0">
-                <a:solidFill>
-                  <a:srgbClr val="001F5F"/>
-                </a:solidFill>
-                <a:latin typeface="Calibri"/>
-                <a:cs typeface="Calibri"/>
-              </a:rPr>
-              <a:t>DE</a:t>
-            </a:r>
-            <a:r>
-              <a:rPr sz="2000" spc="200" dirty="0">
-                <a:solidFill>
-                  <a:srgbClr val="001F5F"/>
-                </a:solidFill>
-                <a:latin typeface="Calibri"/>
-                <a:cs typeface="Calibri"/>
-              </a:rPr>
-              <a:t> </a:t>
-            </a:r>
-            <a:r>
-              <a:rPr sz="2000" spc="105" dirty="0">
-                <a:solidFill>
-                  <a:srgbClr val="001F5F"/>
-                </a:solidFill>
-                <a:latin typeface="Calibri"/>
-                <a:cs typeface="Calibri"/>
-              </a:rPr>
-              <a:t>EXPRESAR.</a:t>
-            </a:r>
-            <a:endParaRPr sz="2000" dirty="0">
-              <a:latin typeface="Calibri"/>
-              <a:cs typeface="Calibri"/>
+              <a:rPr sz="1800" spc="105" dirty="0">
+                <a:solidFill>
+                  <a:srgbClr val="001F5F"/>
+                </a:solidFill>
+                <a:latin typeface="Arial MT"/>
+                <a:cs typeface="Arial MT"/>
+              </a:rPr>
+              <a:t>INTEGRACIÓN</a:t>
+            </a:r>
+            <a:r>
+              <a:rPr sz="1800" spc="204" dirty="0">
+                <a:solidFill>
+                  <a:srgbClr val="001F5F"/>
+                </a:solidFill>
+                <a:latin typeface="Arial MT"/>
+                <a:cs typeface="Arial MT"/>
+              </a:rPr>
+              <a:t> </a:t>
+            </a:r>
+            <a:r>
+              <a:rPr sz="1800" spc="75" dirty="0">
+                <a:solidFill>
+                  <a:srgbClr val="001F5F"/>
+                </a:solidFill>
+                <a:latin typeface="Arial MT"/>
+                <a:cs typeface="Arial MT"/>
+              </a:rPr>
+              <a:t>DEL</a:t>
+            </a:r>
+            <a:r>
+              <a:rPr sz="1800" spc="245" dirty="0">
+                <a:solidFill>
+                  <a:srgbClr val="001F5F"/>
+                </a:solidFill>
+                <a:latin typeface="Arial MT"/>
+                <a:cs typeface="Arial MT"/>
+              </a:rPr>
+              <a:t> </a:t>
+            </a:r>
+            <a:r>
+              <a:rPr sz="1800" spc="100" dirty="0">
+                <a:solidFill>
+                  <a:srgbClr val="001F5F"/>
+                </a:solidFill>
+                <a:latin typeface="Arial MT"/>
+                <a:cs typeface="Arial MT"/>
+              </a:rPr>
+              <a:t>MATERIAL</a:t>
+            </a:r>
+            <a:r>
+              <a:rPr sz="1800" spc="210" dirty="0">
+                <a:solidFill>
+                  <a:srgbClr val="001F5F"/>
+                </a:solidFill>
+                <a:latin typeface="Arial MT"/>
+                <a:cs typeface="Arial MT"/>
+              </a:rPr>
+              <a:t> </a:t>
+            </a:r>
+            <a:r>
+              <a:rPr sz="1800" spc="90" dirty="0">
+                <a:solidFill>
+                  <a:srgbClr val="001F5F"/>
+                </a:solidFill>
+                <a:latin typeface="Arial MT"/>
+                <a:cs typeface="Arial MT"/>
+              </a:rPr>
+              <a:t>LEÍDO</a:t>
+            </a:r>
+            <a:r>
+              <a:rPr sz="1800" spc="245" dirty="0">
+                <a:solidFill>
+                  <a:srgbClr val="001F5F"/>
+                </a:solidFill>
+                <a:latin typeface="Arial MT"/>
+                <a:cs typeface="Arial MT"/>
+              </a:rPr>
+              <a:t> </a:t>
+            </a:r>
+            <a:r>
+              <a:rPr sz="1800" spc="95" dirty="0">
+                <a:solidFill>
+                  <a:srgbClr val="001F5F"/>
+                </a:solidFill>
+                <a:latin typeface="Arial MT"/>
+                <a:cs typeface="Arial MT"/>
+              </a:rPr>
+              <a:t>HASTA</a:t>
+            </a:r>
+            <a:r>
+              <a:rPr sz="1800" spc="225" dirty="0">
+                <a:solidFill>
+                  <a:srgbClr val="001F5F"/>
+                </a:solidFill>
+                <a:latin typeface="Arial MT"/>
+                <a:cs typeface="Arial MT"/>
+              </a:rPr>
+              <a:t> </a:t>
+            </a:r>
+            <a:r>
+              <a:rPr sz="1800" spc="95" dirty="0">
+                <a:solidFill>
+                  <a:srgbClr val="001F5F"/>
+                </a:solidFill>
+                <a:latin typeface="Arial MT"/>
+                <a:cs typeface="Arial MT"/>
+              </a:rPr>
+              <a:t>AHORA.</a:t>
+            </a:r>
+            <a:endParaRPr sz="1800" dirty="0">
+              <a:latin typeface="Arial MT"/>
+              <a:cs typeface="Arial MT"/>
             </a:endParaRPr>
           </a:p>
           <a:p>
-            <a:pPr marL="320675" indent="-308610">
+            <a:pPr marL="355600" indent="-342900">
               <a:lnSpc>
                 <a:spcPct val="100000"/>
               </a:lnSpc>
               <a:spcBef>
-                <a:spcPts val="600"/>
+                <a:spcPts val="1680"/>
               </a:spcBef>
-              <a:buAutoNum type="arabicParenR"/>
+              <a:buFont typeface="Wingdings"/>
+              <a:buChar char=""/>
               <a:tabLst>
-                <a:tab pos="321310" algn="l"/>
+                <a:tab pos="354965" algn="l"/>
+                <a:tab pos="355600" algn="l"/>
               </a:tabLst>
             </a:pPr>
             <a:r>
-              <a:rPr sz="2000" spc="90" dirty="0">
-                <a:solidFill>
-                  <a:srgbClr val="001F5F"/>
-                </a:solidFill>
-                <a:latin typeface="Calibri"/>
-                <a:cs typeface="Calibri"/>
-              </a:rPr>
-              <a:t>MODO</a:t>
-            </a:r>
-            <a:r>
-              <a:rPr sz="2000" spc="180" dirty="0">
-                <a:solidFill>
-                  <a:srgbClr val="001F5F"/>
-                </a:solidFill>
-                <a:latin typeface="Calibri"/>
-                <a:cs typeface="Calibri"/>
-              </a:rPr>
-              <a:t> </a:t>
-            </a:r>
-            <a:r>
-              <a:rPr sz="2000" spc="60" dirty="0">
-                <a:solidFill>
-                  <a:srgbClr val="001F5F"/>
-                </a:solidFill>
-                <a:latin typeface="Calibri"/>
-                <a:cs typeface="Calibri"/>
+              <a:rPr sz="1800" spc="100" dirty="0">
+                <a:solidFill>
+                  <a:srgbClr val="001F5F"/>
+                </a:solidFill>
+                <a:latin typeface="Arial MT"/>
+                <a:cs typeface="Arial MT"/>
+              </a:rPr>
+              <a:t>REFLEXIÓN</a:t>
+            </a:r>
+            <a:r>
+              <a:rPr sz="1800" spc="240" dirty="0">
+                <a:solidFill>
+                  <a:srgbClr val="001F5F"/>
+                </a:solidFill>
+                <a:latin typeface="Arial MT"/>
+                <a:cs typeface="Arial MT"/>
+              </a:rPr>
+              <a:t> </a:t>
+            </a:r>
+            <a:r>
+              <a:rPr sz="1800" spc="55" dirty="0">
+                <a:solidFill>
+                  <a:srgbClr val="001F5F"/>
+                </a:solidFill>
+                <a:latin typeface="Arial MT"/>
+                <a:cs typeface="Arial MT"/>
               </a:rPr>
               <a:t>DE</a:t>
             </a:r>
             <a:r>
-              <a:rPr sz="2000" spc="200" dirty="0">
-                <a:solidFill>
-                  <a:srgbClr val="001F5F"/>
-                </a:solidFill>
-                <a:latin typeface="Calibri"/>
-                <a:cs typeface="Calibri"/>
-              </a:rPr>
-              <a:t> </a:t>
-            </a:r>
-            <a:r>
-              <a:rPr sz="2000" spc="100" dirty="0">
-                <a:solidFill>
-                  <a:srgbClr val="001F5F"/>
-                </a:solidFill>
-                <a:latin typeface="Calibri"/>
-                <a:cs typeface="Calibri"/>
-              </a:rPr>
-              <a:t>SENTIR.</a:t>
-            </a:r>
-            <a:endParaRPr sz="2000" dirty="0">
-              <a:latin typeface="Calibri"/>
-              <a:cs typeface="Calibri"/>
+              <a:rPr sz="1800" spc="229" dirty="0">
+                <a:solidFill>
+                  <a:srgbClr val="001F5F"/>
+                </a:solidFill>
+                <a:latin typeface="Arial MT"/>
+                <a:cs typeface="Arial MT"/>
+              </a:rPr>
+              <a:t> </a:t>
+            </a:r>
+            <a:r>
+              <a:rPr sz="1800" spc="85" dirty="0">
+                <a:solidFill>
+                  <a:srgbClr val="001F5F"/>
+                </a:solidFill>
+                <a:latin typeface="Arial MT"/>
+                <a:cs typeface="Arial MT"/>
+              </a:rPr>
+              <a:t>CÓMO</a:t>
+            </a:r>
+            <a:r>
+              <a:rPr sz="1800" spc="225" dirty="0">
+                <a:solidFill>
+                  <a:srgbClr val="001F5F"/>
+                </a:solidFill>
+                <a:latin typeface="Arial MT"/>
+                <a:cs typeface="Arial MT"/>
+              </a:rPr>
+              <a:t> </a:t>
+            </a:r>
+            <a:r>
+              <a:rPr sz="1800" spc="75" dirty="0">
+                <a:solidFill>
+                  <a:srgbClr val="001F5F"/>
+                </a:solidFill>
+                <a:latin typeface="Arial MT"/>
+                <a:cs typeface="Arial MT"/>
+              </a:rPr>
+              <a:t>UNA</a:t>
+            </a:r>
+            <a:r>
+              <a:rPr sz="1800" spc="229" dirty="0">
+                <a:solidFill>
+                  <a:srgbClr val="001F5F"/>
+                </a:solidFill>
+                <a:latin typeface="Arial MT"/>
+                <a:cs typeface="Arial MT"/>
+              </a:rPr>
+              <a:t> </a:t>
+            </a:r>
+            <a:r>
+              <a:rPr sz="1800" spc="100" dirty="0">
+                <a:solidFill>
+                  <a:srgbClr val="001F5F"/>
+                </a:solidFill>
+                <a:latin typeface="Arial MT"/>
+                <a:cs typeface="Arial MT"/>
+              </a:rPr>
+              <a:t>TEORÍA</a:t>
+            </a:r>
+            <a:r>
+              <a:rPr sz="1800" spc="210" dirty="0">
+                <a:solidFill>
+                  <a:srgbClr val="001F5F"/>
+                </a:solidFill>
+                <a:latin typeface="Arial MT"/>
+                <a:cs typeface="Arial MT"/>
+              </a:rPr>
+              <a:t> </a:t>
+            </a:r>
+            <a:r>
+              <a:rPr sz="1800" spc="55" dirty="0">
+                <a:solidFill>
+                  <a:srgbClr val="001F5F"/>
+                </a:solidFill>
+                <a:latin typeface="Arial MT"/>
+                <a:cs typeface="Arial MT"/>
+              </a:rPr>
+              <a:t>DE</a:t>
+            </a:r>
+            <a:r>
+              <a:rPr sz="1800" spc="229" dirty="0">
+                <a:solidFill>
+                  <a:srgbClr val="001F5F"/>
+                </a:solidFill>
+                <a:latin typeface="Arial MT"/>
+                <a:cs typeface="Arial MT"/>
+              </a:rPr>
+              <a:t> </a:t>
+            </a:r>
+            <a:r>
+              <a:rPr sz="1800" spc="50" dirty="0">
+                <a:solidFill>
+                  <a:srgbClr val="001F5F"/>
+                </a:solidFill>
+                <a:latin typeface="Arial MT"/>
+                <a:cs typeface="Arial MT"/>
+              </a:rPr>
+              <a:t>LA</a:t>
+            </a:r>
+            <a:r>
+              <a:rPr sz="1800" spc="229" dirty="0">
+                <a:solidFill>
+                  <a:srgbClr val="001F5F"/>
+                </a:solidFill>
+                <a:latin typeface="Arial MT"/>
+                <a:cs typeface="Arial MT"/>
+              </a:rPr>
+              <a:t> </a:t>
+            </a:r>
+            <a:r>
+              <a:rPr sz="1800" spc="105" dirty="0">
+                <a:solidFill>
+                  <a:srgbClr val="001F5F"/>
+                </a:solidFill>
+                <a:latin typeface="Arial MT"/>
+                <a:cs typeface="Arial MT"/>
+              </a:rPr>
+              <a:t>PERSONALIDAD</a:t>
+            </a:r>
+            <a:endParaRPr sz="1800" dirty="0">
+              <a:latin typeface="Arial MT"/>
+              <a:cs typeface="Arial MT"/>
             </a:endParaRPr>
           </a:p>
           <a:p>
-            <a:pPr marL="320675" indent="-308610">
+            <a:pPr marL="355600">
               <a:lnSpc>
                 <a:spcPct val="100000"/>
               </a:lnSpc>
               <a:spcBef>
-                <a:spcPts val="600"/>
+                <a:spcPts val="1080"/>
               </a:spcBef>
-              <a:buAutoNum type="arabicParenR"/>
-              <a:tabLst>
-                <a:tab pos="321310" algn="l"/>
-              </a:tabLst>
             </a:pPr>
             <a:r>
-              <a:rPr sz="2000" spc="90" dirty="0">
-                <a:solidFill>
-                  <a:srgbClr val="001F5F"/>
-                </a:solidFill>
-                <a:latin typeface="Calibri"/>
-                <a:cs typeface="Calibri"/>
-              </a:rPr>
-              <a:t>MODO</a:t>
-            </a:r>
-            <a:r>
-              <a:rPr sz="2000" spc="200" dirty="0">
-                <a:solidFill>
-                  <a:srgbClr val="001F5F"/>
-                </a:solidFill>
-                <a:latin typeface="Calibri"/>
-                <a:cs typeface="Calibri"/>
-              </a:rPr>
-              <a:t> </a:t>
-            </a:r>
-            <a:r>
-              <a:rPr sz="2000" spc="60" dirty="0">
-                <a:solidFill>
-                  <a:srgbClr val="001F5F"/>
-                </a:solidFill>
-                <a:latin typeface="Calibri"/>
-                <a:cs typeface="Calibri"/>
+              <a:rPr sz="1800" spc="95" dirty="0">
+                <a:solidFill>
+                  <a:srgbClr val="001F5F"/>
+                </a:solidFill>
+                <a:latin typeface="Arial MT"/>
+                <a:cs typeface="Arial MT"/>
+              </a:rPr>
+              <a:t>INFLUYE</a:t>
+            </a:r>
+            <a:r>
+              <a:rPr sz="1800" spc="235" dirty="0">
+                <a:solidFill>
+                  <a:srgbClr val="001F5F"/>
+                </a:solidFill>
+                <a:latin typeface="Arial MT"/>
+                <a:cs typeface="Arial MT"/>
+              </a:rPr>
+              <a:t> </a:t>
+            </a:r>
+            <a:r>
+              <a:rPr sz="1800" spc="55" dirty="0">
+                <a:solidFill>
+                  <a:srgbClr val="001F5F"/>
+                </a:solidFill>
+                <a:latin typeface="Arial MT"/>
+                <a:cs typeface="Arial MT"/>
+              </a:rPr>
+              <a:t>EN</a:t>
+            </a:r>
+            <a:r>
+              <a:rPr sz="1800" spc="235" dirty="0">
+                <a:solidFill>
+                  <a:srgbClr val="001F5F"/>
+                </a:solidFill>
+                <a:latin typeface="Arial MT"/>
+                <a:cs typeface="Arial MT"/>
+              </a:rPr>
+              <a:t> </a:t>
+            </a:r>
+            <a:r>
+              <a:rPr sz="1800" spc="55" dirty="0">
+                <a:solidFill>
+                  <a:srgbClr val="001F5F"/>
+                </a:solidFill>
+                <a:latin typeface="Arial MT"/>
+                <a:cs typeface="Arial MT"/>
+              </a:rPr>
+              <a:t>LA</a:t>
+            </a:r>
+            <a:r>
+              <a:rPr sz="1800" spc="235" dirty="0">
+                <a:solidFill>
+                  <a:srgbClr val="001F5F"/>
+                </a:solidFill>
+                <a:latin typeface="Arial MT"/>
+                <a:cs typeface="Arial MT"/>
+              </a:rPr>
+              <a:t> </a:t>
+            </a:r>
+            <a:r>
+              <a:rPr sz="1800" spc="100" dirty="0">
+                <a:solidFill>
+                  <a:srgbClr val="001F5F"/>
+                </a:solidFill>
+                <a:latin typeface="Arial MT"/>
+                <a:cs typeface="Arial MT"/>
+              </a:rPr>
+              <a:t>PERCEPCIÓN</a:t>
+            </a:r>
+            <a:r>
+              <a:rPr sz="1800" spc="235" dirty="0">
+                <a:solidFill>
+                  <a:srgbClr val="001F5F"/>
+                </a:solidFill>
+                <a:latin typeface="Arial MT"/>
+                <a:cs typeface="Arial MT"/>
+              </a:rPr>
+              <a:t> </a:t>
+            </a:r>
+            <a:r>
+              <a:rPr sz="1800" spc="55" dirty="0">
+                <a:solidFill>
+                  <a:srgbClr val="001F5F"/>
+                </a:solidFill>
+                <a:latin typeface="Arial MT"/>
+                <a:cs typeface="Arial MT"/>
               </a:rPr>
               <a:t>DE</a:t>
             </a:r>
             <a:r>
-              <a:rPr sz="2000" spc="220" dirty="0">
-                <a:solidFill>
-                  <a:srgbClr val="001F5F"/>
-                </a:solidFill>
-                <a:latin typeface="Calibri"/>
-                <a:cs typeface="Calibri"/>
-              </a:rPr>
-              <a:t> </a:t>
-            </a:r>
-            <a:r>
-              <a:rPr sz="2000" spc="105" dirty="0">
-                <a:solidFill>
-                  <a:srgbClr val="001F5F"/>
-                </a:solidFill>
-                <a:latin typeface="Calibri"/>
-                <a:cs typeface="Calibri"/>
-              </a:rPr>
-              <a:t>INTERACTUAR</a:t>
-            </a:r>
-            <a:r>
-              <a:rPr sz="2000" spc="200" dirty="0">
-                <a:solidFill>
-                  <a:srgbClr val="001F5F"/>
-                </a:solidFill>
-                <a:latin typeface="Calibri"/>
-                <a:cs typeface="Calibri"/>
-              </a:rPr>
-              <a:t> </a:t>
-            </a:r>
-            <a:r>
-              <a:rPr sz="2000" spc="80" dirty="0">
-                <a:solidFill>
-                  <a:srgbClr val="001F5F"/>
-                </a:solidFill>
-                <a:latin typeface="Calibri"/>
-                <a:cs typeface="Calibri"/>
-              </a:rPr>
-              <a:t>CON</a:t>
-            </a:r>
-            <a:r>
-              <a:rPr sz="2000" spc="215" dirty="0">
-                <a:solidFill>
-                  <a:srgbClr val="001F5F"/>
-                </a:solidFill>
-                <a:latin typeface="Calibri"/>
-                <a:cs typeface="Calibri"/>
-              </a:rPr>
-              <a:t> </a:t>
-            </a:r>
-            <a:r>
-              <a:rPr sz="2000" spc="95" dirty="0">
-                <a:solidFill>
-                  <a:srgbClr val="001F5F"/>
-                </a:solidFill>
-                <a:latin typeface="Calibri"/>
-                <a:cs typeface="Calibri"/>
-              </a:rPr>
-              <a:t>OTRAS</a:t>
-            </a:r>
-            <a:r>
-              <a:rPr sz="2000" spc="210" dirty="0">
-                <a:solidFill>
-                  <a:srgbClr val="001F5F"/>
-                </a:solidFill>
-                <a:latin typeface="Calibri"/>
-                <a:cs typeface="Calibri"/>
-              </a:rPr>
-              <a:t> </a:t>
-            </a:r>
-            <a:r>
-              <a:rPr sz="2000" spc="105" dirty="0">
-                <a:solidFill>
-                  <a:srgbClr val="001F5F"/>
-                </a:solidFill>
-                <a:latin typeface="Calibri"/>
-                <a:cs typeface="Calibri"/>
-              </a:rPr>
-              <a:t>PERSONAS.</a:t>
-            </a:r>
-            <a:endParaRPr sz="2000" dirty="0">
-              <a:latin typeface="Calibri"/>
-              <a:cs typeface="Calibri"/>
-            </a:endParaRPr>
-          </a:p>
-          <a:p>
-            <a:pPr marL="320675" indent="-308610">
-              <a:lnSpc>
-                <a:spcPct val="100000"/>
-              </a:lnSpc>
-              <a:spcBef>
-                <a:spcPts val="600"/>
-              </a:spcBef>
-              <a:buAutoNum type="arabicParenR"/>
-              <a:tabLst>
-                <a:tab pos="321310" algn="l"/>
-              </a:tabLst>
-            </a:pPr>
-            <a:r>
-              <a:rPr sz="2000" spc="90" dirty="0">
-                <a:solidFill>
-                  <a:srgbClr val="001F5F"/>
-                </a:solidFill>
-                <a:latin typeface="Calibri"/>
-                <a:cs typeface="Calibri"/>
-              </a:rPr>
-              <a:t>MODO</a:t>
-            </a:r>
-            <a:r>
-              <a:rPr sz="2000" spc="180" dirty="0">
-                <a:solidFill>
-                  <a:srgbClr val="001F5F"/>
-                </a:solidFill>
-                <a:latin typeface="Calibri"/>
-                <a:cs typeface="Calibri"/>
-              </a:rPr>
-              <a:t> </a:t>
-            </a:r>
-            <a:r>
-              <a:rPr sz="2000" spc="60" dirty="0">
-                <a:solidFill>
-                  <a:srgbClr val="001F5F"/>
-                </a:solidFill>
-                <a:latin typeface="Calibri"/>
-                <a:cs typeface="Calibri"/>
-              </a:rPr>
-              <a:t>DE</a:t>
-            </a:r>
-            <a:r>
-              <a:rPr sz="2000" spc="190" dirty="0">
-                <a:solidFill>
-                  <a:srgbClr val="001F5F"/>
-                </a:solidFill>
-                <a:latin typeface="Calibri"/>
-                <a:cs typeface="Calibri"/>
-              </a:rPr>
-              <a:t> </a:t>
-            </a:r>
-            <a:r>
-              <a:rPr sz="2000" spc="100" dirty="0">
-                <a:solidFill>
-                  <a:srgbClr val="001F5F"/>
-                </a:solidFill>
-                <a:latin typeface="Calibri"/>
-                <a:cs typeface="Calibri"/>
-              </a:rPr>
-              <a:t>PENSAR.</a:t>
-            </a:r>
-            <a:endParaRPr sz="2000" dirty="0">
-              <a:latin typeface="Calibri"/>
-              <a:cs typeface="Calibri"/>
-            </a:endParaRPr>
-          </a:p>
-          <a:p>
-            <a:pPr marL="320675" indent="-308610">
-              <a:lnSpc>
-                <a:spcPct val="100000"/>
-              </a:lnSpc>
-              <a:spcBef>
-                <a:spcPts val="605"/>
-              </a:spcBef>
-              <a:buAutoNum type="arabicParenR"/>
-              <a:tabLst>
-                <a:tab pos="321310" algn="l"/>
-              </a:tabLst>
-            </a:pPr>
-            <a:r>
-              <a:rPr sz="2000" spc="105" dirty="0">
-                <a:solidFill>
-                  <a:srgbClr val="001F5F"/>
-                </a:solidFill>
-                <a:latin typeface="Calibri"/>
-                <a:cs typeface="Calibri"/>
-              </a:rPr>
-              <a:t>INDICADORES</a:t>
-            </a:r>
-            <a:r>
-              <a:rPr sz="2000" spc="200" dirty="0">
-                <a:solidFill>
-                  <a:srgbClr val="001F5F"/>
-                </a:solidFill>
-                <a:latin typeface="Calibri"/>
-                <a:cs typeface="Calibri"/>
-              </a:rPr>
-              <a:t> </a:t>
-            </a:r>
-            <a:r>
-              <a:rPr sz="2000" spc="60" dirty="0">
-                <a:solidFill>
-                  <a:srgbClr val="001F5F"/>
-                </a:solidFill>
-                <a:latin typeface="Calibri"/>
-                <a:cs typeface="Calibri"/>
-              </a:rPr>
-              <a:t>DE</a:t>
-            </a:r>
-            <a:r>
-              <a:rPr sz="2000" spc="220" dirty="0">
-                <a:solidFill>
-                  <a:srgbClr val="001F5F"/>
-                </a:solidFill>
-                <a:latin typeface="Calibri"/>
-                <a:cs typeface="Calibri"/>
-              </a:rPr>
-              <a:t> </a:t>
-            </a:r>
-            <a:r>
-              <a:rPr sz="2000" spc="105" dirty="0">
-                <a:solidFill>
-                  <a:srgbClr val="001F5F"/>
-                </a:solidFill>
-                <a:latin typeface="Calibri"/>
-                <a:cs typeface="Calibri"/>
-              </a:rPr>
-              <a:t>ESTABILIDAD</a:t>
-            </a:r>
-            <a:r>
-              <a:rPr sz="2000" spc="190" dirty="0">
-                <a:solidFill>
-                  <a:srgbClr val="001F5F"/>
-                </a:solidFill>
-                <a:latin typeface="Calibri"/>
-                <a:cs typeface="Calibri"/>
-              </a:rPr>
-              <a:t> </a:t>
-            </a:r>
-            <a:r>
-              <a:rPr sz="2000" dirty="0">
-                <a:solidFill>
-                  <a:srgbClr val="001F5F"/>
-                </a:solidFill>
-                <a:latin typeface="Calibri"/>
-                <a:cs typeface="Calibri"/>
-              </a:rPr>
-              <a:t>A</a:t>
-            </a:r>
-            <a:r>
-              <a:rPr sz="2000" spc="229" dirty="0">
-                <a:solidFill>
-                  <a:srgbClr val="001F5F"/>
-                </a:solidFill>
-                <a:latin typeface="Calibri"/>
-                <a:cs typeface="Calibri"/>
-              </a:rPr>
-              <a:t> </a:t>
-            </a:r>
-            <a:r>
-              <a:rPr sz="2000" spc="55" dirty="0">
-                <a:solidFill>
-                  <a:srgbClr val="001F5F"/>
-                </a:solidFill>
-                <a:latin typeface="Calibri"/>
-                <a:cs typeface="Calibri"/>
-              </a:rPr>
-              <a:t>LO</a:t>
-            </a:r>
-            <a:r>
-              <a:rPr sz="2000" spc="229" dirty="0">
-                <a:solidFill>
-                  <a:srgbClr val="001F5F"/>
-                </a:solidFill>
-                <a:latin typeface="Calibri"/>
-                <a:cs typeface="Calibri"/>
-              </a:rPr>
-              <a:t> </a:t>
-            </a:r>
-            <a:r>
-              <a:rPr sz="2000" spc="95" dirty="0">
-                <a:solidFill>
-                  <a:srgbClr val="001F5F"/>
-                </a:solidFill>
-                <a:latin typeface="Calibri"/>
-                <a:cs typeface="Calibri"/>
-              </a:rPr>
-              <a:t>LARGO</a:t>
-            </a:r>
-            <a:r>
-              <a:rPr sz="2000" spc="220" dirty="0">
-                <a:solidFill>
-                  <a:srgbClr val="001F5F"/>
-                </a:solidFill>
-                <a:latin typeface="Calibri"/>
-                <a:cs typeface="Calibri"/>
-              </a:rPr>
-              <a:t> </a:t>
-            </a:r>
-            <a:r>
-              <a:rPr sz="2000" spc="80" dirty="0">
-                <a:solidFill>
-                  <a:srgbClr val="001F5F"/>
-                </a:solidFill>
-                <a:latin typeface="Calibri"/>
-                <a:cs typeface="Calibri"/>
-              </a:rPr>
-              <a:t>DEL</a:t>
-            </a:r>
-            <a:r>
-              <a:rPr sz="2000" spc="210" dirty="0">
-                <a:solidFill>
-                  <a:srgbClr val="001F5F"/>
-                </a:solidFill>
-                <a:latin typeface="Calibri"/>
-                <a:cs typeface="Calibri"/>
-              </a:rPr>
-              <a:t> </a:t>
-            </a:r>
-            <a:r>
-              <a:rPr sz="2000" spc="100" dirty="0">
-                <a:solidFill>
-                  <a:srgbClr val="001F5F"/>
-                </a:solidFill>
-                <a:latin typeface="Calibri"/>
-                <a:cs typeface="Calibri"/>
-              </a:rPr>
-              <a:t>TIEMPO.</a:t>
-            </a:r>
-            <a:endParaRPr sz="2000" dirty="0">
-              <a:latin typeface="Calibri"/>
-              <a:cs typeface="Calibri"/>
-            </a:endParaRPr>
-          </a:p>
-          <a:p>
-            <a:pPr marL="321945" indent="-309880">
-              <a:lnSpc>
-                <a:spcPct val="100000"/>
-              </a:lnSpc>
-              <a:spcBef>
-                <a:spcPts val="600"/>
-              </a:spcBef>
-              <a:buAutoNum type="arabicParenR"/>
-              <a:tabLst>
-                <a:tab pos="322580" algn="l"/>
-              </a:tabLst>
-            </a:pPr>
-            <a:r>
-              <a:rPr sz="2000" spc="110" dirty="0">
-                <a:solidFill>
-                  <a:srgbClr val="001F5F"/>
-                </a:solidFill>
-                <a:latin typeface="Calibri"/>
-                <a:cs typeface="Calibri"/>
-              </a:rPr>
-              <a:t>CARACTERISTICAS</a:t>
-            </a:r>
-            <a:r>
-              <a:rPr sz="2000" spc="225" dirty="0">
-                <a:solidFill>
-                  <a:srgbClr val="001F5F"/>
-                </a:solidFill>
-                <a:latin typeface="Calibri"/>
-                <a:cs typeface="Calibri"/>
-              </a:rPr>
-              <a:t> </a:t>
-            </a:r>
-            <a:r>
-              <a:rPr sz="2000" spc="110" dirty="0">
-                <a:solidFill>
-                  <a:srgbClr val="001F5F"/>
-                </a:solidFill>
-                <a:latin typeface="Calibri"/>
-                <a:cs typeface="Calibri"/>
-              </a:rPr>
-              <a:t>TRANS-SITUACIONALES.</a:t>
-            </a:r>
-            <a:endParaRPr sz="2000" dirty="0">
-              <a:latin typeface="Calibri"/>
-              <a:cs typeface="Calibri"/>
+              <a:rPr sz="1800" spc="235" dirty="0">
+                <a:solidFill>
+                  <a:srgbClr val="001F5F"/>
+                </a:solidFill>
+                <a:latin typeface="Arial MT"/>
+                <a:cs typeface="Arial MT"/>
+              </a:rPr>
+              <a:t> </a:t>
+            </a:r>
+            <a:r>
+              <a:rPr sz="1800" spc="55" dirty="0">
+                <a:solidFill>
+                  <a:srgbClr val="001F5F"/>
+                </a:solidFill>
+                <a:latin typeface="Arial MT"/>
+                <a:cs typeface="Arial MT"/>
+              </a:rPr>
+              <a:t>LA</a:t>
+            </a:r>
+            <a:r>
+              <a:rPr sz="1800" spc="235" dirty="0">
+                <a:solidFill>
+                  <a:srgbClr val="001F5F"/>
+                </a:solidFill>
+                <a:latin typeface="Arial MT"/>
+                <a:cs typeface="Arial MT"/>
+              </a:rPr>
+              <a:t> </a:t>
+            </a:r>
+            <a:r>
+              <a:rPr sz="1800" spc="100" dirty="0">
+                <a:solidFill>
+                  <a:srgbClr val="001F5F"/>
+                </a:solidFill>
+                <a:latin typeface="Arial MT"/>
+                <a:cs typeface="Arial MT"/>
+              </a:rPr>
+              <a:t>PERSONA.</a:t>
+            </a:r>
+            <a:endParaRPr sz="1800" dirty="0">
+              <a:latin typeface="Arial MT"/>
+              <a:cs typeface="Arial MT"/>
             </a:endParaRPr>
           </a:p>
         </p:txBody>
@@ -10086,10 +9290,6 @@
           </p:nvPr>
         </p:nvSpPr>
         <p:spPr>
-          <a:xfrm>
-            <a:off x="1752600" y="762000"/>
-            <a:ext cx="5528564" cy="443070"/>
-          </a:xfrm>
           <a:prstGeom prst="rect">
             <a:avLst/>
           </a:prstGeom>
@@ -10109,10 +9309,189 @@
               </a:spcBef>
             </a:pPr>
             <a:r>
-              <a:rPr lang="en-US" sz="2800" dirty="0"/>
-              <a:t>Caso D</a:t>
-            </a:r>
-            <a:endParaRPr sz="2800" dirty="0"/>
+              <a:rPr sz="2800" spc="-105" dirty="0"/>
+              <a:t>L</a:t>
+            </a:r>
+            <a:r>
+              <a:rPr sz="2800" spc="-100" dirty="0"/>
+              <a:t>E</a:t>
+            </a:r>
+            <a:r>
+              <a:rPr sz="2800" spc="-105" dirty="0"/>
+              <a:t>C</a:t>
+            </a:r>
+            <a:r>
+              <a:rPr sz="2800" spc="-100" dirty="0"/>
+              <a:t>T</a:t>
+            </a:r>
+            <a:r>
+              <a:rPr sz="2800" spc="-95" dirty="0"/>
+              <a:t>UR</a:t>
+            </a:r>
+            <a:r>
+              <a:rPr sz="2800" spc="-5" dirty="0"/>
+              <a:t>A</a:t>
+            </a:r>
+            <a:r>
+              <a:rPr sz="2800" spc="-225" dirty="0"/>
+              <a:t> </a:t>
+            </a:r>
+            <a:r>
+              <a:rPr sz="2800" spc="-5" dirty="0"/>
+              <a:t>Y</a:t>
+            </a:r>
+            <a:r>
+              <a:rPr sz="2800" spc="-200" dirty="0"/>
+              <a:t> </a:t>
+            </a:r>
+            <a:r>
+              <a:rPr sz="2800" spc="-100" dirty="0"/>
+              <a:t>A</a:t>
+            </a:r>
+            <a:r>
+              <a:rPr sz="2800" spc="-110" dirty="0"/>
+              <a:t>N</a:t>
+            </a:r>
+            <a:r>
+              <a:rPr sz="2800" spc="-100" dirty="0"/>
+              <a:t>A</a:t>
+            </a:r>
+            <a:r>
+              <a:rPr sz="2800" spc="-105" dirty="0"/>
+              <a:t>L</a:t>
+            </a:r>
+            <a:r>
+              <a:rPr sz="2800" spc="-100" dirty="0"/>
+              <a:t>I</a:t>
+            </a:r>
+            <a:r>
+              <a:rPr sz="2800" spc="-105" dirty="0"/>
+              <a:t>S</a:t>
+            </a:r>
+            <a:r>
+              <a:rPr sz="2800" spc="-100" dirty="0"/>
+              <a:t>I</a:t>
+            </a:r>
+            <a:r>
+              <a:rPr sz="2800" spc="-5" dirty="0"/>
+              <a:t>S</a:t>
+            </a:r>
+            <a:r>
+              <a:rPr sz="2800" spc="-210" dirty="0"/>
+              <a:t> </a:t>
+            </a:r>
+            <a:r>
+              <a:rPr sz="2800" spc="-110" dirty="0"/>
+              <a:t>D</a:t>
+            </a:r>
+            <a:r>
+              <a:rPr sz="2800" spc="-5" dirty="0"/>
+              <a:t>E</a:t>
+            </a:r>
+            <a:r>
+              <a:rPr sz="2800" spc="-190" dirty="0"/>
+              <a:t> </a:t>
+            </a:r>
+            <a:r>
+              <a:rPr sz="2800" spc="-105" dirty="0"/>
+              <a:t>C</a:t>
+            </a:r>
+            <a:r>
+              <a:rPr sz="2800" spc="-100" dirty="0"/>
+              <a:t>A</a:t>
+            </a:r>
+            <a:r>
+              <a:rPr sz="2800" spc="-105" dirty="0"/>
+              <a:t>SO</a:t>
+            </a:r>
+            <a:r>
+              <a:rPr sz="2800" spc="-5" dirty="0"/>
+              <a:t>S</a:t>
+            </a:r>
+            <a:endParaRPr sz="2800"/>
+          </a:p>
+          <a:p>
+            <a:pPr marL="14604" algn="ctr">
+              <a:lnSpc>
+                <a:spcPct val="100000"/>
+              </a:lnSpc>
+              <a:spcBef>
+                <a:spcPts val="50"/>
+              </a:spcBef>
+            </a:pPr>
+            <a:r>
+              <a:rPr sz="2100" spc="-95" dirty="0"/>
+              <a:t>O</a:t>
+            </a:r>
+            <a:r>
+              <a:rPr sz="2100" spc="-100" dirty="0"/>
+              <a:t>B</a:t>
+            </a:r>
+            <a:r>
+              <a:rPr sz="2100" spc="-95" dirty="0"/>
+              <a:t>J</a:t>
+            </a:r>
+            <a:r>
+              <a:rPr sz="2100" spc="-105" dirty="0"/>
+              <a:t>E</a:t>
+            </a:r>
+            <a:r>
+              <a:rPr sz="2100" spc="-100" dirty="0"/>
+              <a:t>TIV</a:t>
+            </a:r>
+            <a:r>
+              <a:rPr sz="2100" spc="-95" dirty="0"/>
+              <a:t>O</a:t>
+            </a:r>
+            <a:r>
+              <a:rPr sz="2100" dirty="0"/>
+              <a:t>S</a:t>
+            </a:r>
+            <a:r>
+              <a:rPr sz="2100" spc="-245" dirty="0"/>
+              <a:t> </a:t>
+            </a:r>
+            <a:r>
+              <a:rPr sz="2100" spc="-95" dirty="0"/>
+              <a:t>D</a:t>
+            </a:r>
+            <a:r>
+              <a:rPr sz="2100" dirty="0"/>
+              <a:t>E</a:t>
+            </a:r>
+            <a:r>
+              <a:rPr sz="2100" spc="-204" dirty="0"/>
+              <a:t> </a:t>
+            </a:r>
+            <a:r>
+              <a:rPr sz="2100" spc="-95" dirty="0"/>
+              <a:t>L</a:t>
+            </a:r>
+            <a:r>
+              <a:rPr sz="2100" dirty="0"/>
+              <a:t>A</a:t>
+            </a:r>
+            <a:r>
+              <a:rPr sz="2100" spc="-220" dirty="0"/>
+              <a:t> </a:t>
+            </a:r>
+            <a:r>
+              <a:rPr sz="2100" spc="-100" dirty="0"/>
+              <a:t>ACTIVI</a:t>
+            </a:r>
+            <a:r>
+              <a:rPr sz="2100" spc="-95" dirty="0"/>
+              <a:t>D</a:t>
+            </a:r>
+            <a:r>
+              <a:rPr sz="2100" spc="-100" dirty="0"/>
+              <a:t>A</a:t>
+            </a:r>
+            <a:r>
+              <a:rPr sz="2100" dirty="0"/>
+              <a:t>D</a:t>
+            </a:r>
+            <a:endParaRPr sz="2100"/>
           </a:p>
         </p:txBody>
       </p:sp>
@@ -10162,260 +9541,727 @@
       </p:sp>
       <p:sp>
         <p:nvSpPr>
-          <p:cNvPr id="7" name="object 3">
-            <a:extLst>
-              <a:ext uri="{FF2B5EF4-FFF2-40B4-BE49-F238E27FC236}">
-                <a16:creationId xmlns:a16="http://schemas.microsoft.com/office/drawing/2014/main" id="{1FF109C2-C9A5-DCF3-B5FE-600F3D359C83}"/>
-              </a:ext>
-            </a:extLst>
-          </p:cNvPr>
+          <p:cNvPr id="3" name="object 3"/>
           <p:cNvSpPr txBox="1"/>
           <p:nvPr/>
         </p:nvSpPr>
         <p:spPr>
           <a:xfrm>
-            <a:off x="464616" y="2204464"/>
-            <a:ext cx="8298384" cy="2885405"/>
+            <a:off x="464616" y="2031734"/>
+            <a:ext cx="6932295" cy="3074035"/>
           </a:xfrm>
           <a:prstGeom prst="rect">
             <a:avLst/>
           </a:prstGeom>
         </p:spPr>
         <p:txBody>
-          <a:bodyPr vert="horz" wrap="square" lIns="0" tIns="12700" rIns="0" bIns="0" rtlCol="0">
+          <a:bodyPr vert="horz" wrap="square" lIns="0" tIns="88265" rIns="0" bIns="0" rtlCol="0">
             <a:spAutoFit/>
           </a:bodyPr>
           <a:lstStyle/>
-          <a:p>
-            <a:pPr marL="355600" indent="-342900">
-              <a:lnSpc>
-                <a:spcPct val="100000"/>
-              </a:lnSpc>
-              <a:spcBef>
-                <a:spcPts val="100"/>
-              </a:spcBef>
-              <a:buFont typeface="Wingdings"/>
-              <a:buChar char=""/>
-              <a:tabLst>
-                <a:tab pos="354965" algn="l"/>
-                <a:tab pos="355600" algn="l"/>
-              </a:tabLst>
-            </a:pPr>
-            <a:r>
-              <a:rPr lang="es-ES" sz="2000" spc="100" dirty="0">
-                <a:solidFill>
-                  <a:srgbClr val="001F5F"/>
-                </a:solidFill>
-                <a:latin typeface="Arial MT"/>
-                <a:cs typeface="Arial MT"/>
-              </a:rPr>
-              <a:t>Hombre de unos 40 años de edad, vive con su mujer y </a:t>
-            </a:r>
-          </a:p>
           <a:p>
             <a:pPr marL="12700">
               <a:lnSpc>
                 <a:spcPct val="100000"/>
               </a:lnSpc>
               <a:spcBef>
-                <a:spcPts val="100"/>
+                <a:spcPts val="695"/>
               </a:spcBef>
-              <a:tabLst>
-                <a:tab pos="354965" algn="l"/>
-                <a:tab pos="355600" algn="l"/>
-              </a:tabLst>
             </a:pPr>
             <a:r>
-              <a:rPr lang="es-ES" sz="2000" spc="100" dirty="0">
-                <a:solidFill>
-                  <a:srgbClr val="001F5F"/>
-                </a:solidFill>
-                <a:latin typeface="Arial MT"/>
-                <a:cs typeface="Arial MT"/>
-              </a:rPr>
-              <a:t>su hija de apenas 5 años. Ocupa un cargo de trabajo </a:t>
-            </a:r>
+              <a:rPr sz="2000" dirty="0">
+                <a:solidFill>
+                  <a:srgbClr val="001F5F"/>
+                </a:solidFill>
+                <a:latin typeface="Calibri"/>
+                <a:cs typeface="Calibri"/>
+              </a:rPr>
+              <a:t>7</a:t>
+            </a:r>
+            <a:r>
+              <a:rPr sz="2000" spc="210" dirty="0">
+                <a:solidFill>
+                  <a:srgbClr val="001F5F"/>
+                </a:solidFill>
+                <a:latin typeface="Calibri"/>
+                <a:cs typeface="Calibri"/>
+              </a:rPr>
+              <a:t> </a:t>
+            </a:r>
+            <a:r>
+              <a:rPr sz="2000" spc="85" dirty="0">
+                <a:solidFill>
+                  <a:srgbClr val="001F5F"/>
+                </a:solidFill>
+                <a:latin typeface="Calibri"/>
+                <a:cs typeface="Calibri"/>
+              </a:rPr>
+              <a:t>EJES</a:t>
+            </a:r>
+            <a:r>
+              <a:rPr sz="2000" spc="200" dirty="0">
+                <a:solidFill>
+                  <a:srgbClr val="001F5F"/>
+                </a:solidFill>
+                <a:latin typeface="Calibri"/>
+                <a:cs typeface="Calibri"/>
+              </a:rPr>
+              <a:t> </a:t>
+            </a:r>
+            <a:r>
+              <a:rPr sz="2000" dirty="0">
+                <a:solidFill>
+                  <a:srgbClr val="001F5F"/>
+                </a:solidFill>
+                <a:latin typeface="Calibri"/>
+                <a:cs typeface="Calibri"/>
+              </a:rPr>
+              <a:t>A</a:t>
+            </a:r>
+            <a:r>
+              <a:rPr sz="2000" spc="210" dirty="0">
+                <a:solidFill>
+                  <a:srgbClr val="001F5F"/>
+                </a:solidFill>
+                <a:latin typeface="Calibri"/>
+                <a:cs typeface="Calibri"/>
+              </a:rPr>
+              <a:t> </a:t>
+            </a:r>
+            <a:r>
+              <a:rPr sz="2000" spc="110" dirty="0">
+                <a:solidFill>
+                  <a:srgbClr val="001F5F"/>
+                </a:solidFill>
+                <a:latin typeface="Calibri"/>
+                <a:cs typeface="Calibri"/>
+              </a:rPr>
+              <a:t>DESARROLLAR:</a:t>
+            </a:r>
+            <a:endParaRPr sz="2000" dirty="0">
+              <a:latin typeface="Calibri"/>
+              <a:cs typeface="Calibri"/>
+            </a:endParaRPr>
           </a:p>
           <a:p>
-            <a:pPr marL="12700">
+            <a:pPr marL="320675" indent="-308610">
               <a:lnSpc>
                 <a:spcPct val="100000"/>
               </a:lnSpc>
               <a:spcBef>
-                <a:spcPts val="100"/>
+                <a:spcPts val="600"/>
               </a:spcBef>
+              <a:buAutoNum type="arabicParenR"/>
               <a:tabLst>
-                <a:tab pos="354965" algn="l"/>
-                <a:tab pos="355600" algn="l"/>
+                <a:tab pos="321310" algn="l"/>
               </a:tabLst>
             </a:pPr>
             <a:r>
-              <a:rPr lang="es-ES" sz="2000" spc="100" dirty="0">
-                <a:solidFill>
-                  <a:srgbClr val="001F5F"/>
-                </a:solidFill>
-                <a:latin typeface="Arial MT"/>
-                <a:cs typeface="Arial MT"/>
-              </a:rPr>
-              <a:t>importante en la gerencia comercial de una empresa. Se </a:t>
-            </a:r>
+              <a:rPr sz="2000" spc="90" dirty="0">
+                <a:solidFill>
+                  <a:srgbClr val="001F5F"/>
+                </a:solidFill>
+                <a:latin typeface="Calibri"/>
+                <a:cs typeface="Calibri"/>
+              </a:rPr>
+              <a:t>MODO</a:t>
+            </a:r>
+            <a:r>
+              <a:rPr sz="2000" spc="175" dirty="0">
+                <a:solidFill>
+                  <a:srgbClr val="001F5F"/>
+                </a:solidFill>
+                <a:latin typeface="Calibri"/>
+                <a:cs typeface="Calibri"/>
+              </a:rPr>
+              <a:t> </a:t>
+            </a:r>
+            <a:r>
+              <a:rPr sz="2000" spc="60" dirty="0">
+                <a:solidFill>
+                  <a:srgbClr val="001F5F"/>
+                </a:solidFill>
+                <a:latin typeface="Calibri"/>
+                <a:cs typeface="Calibri"/>
+              </a:rPr>
+              <a:t>DE</a:t>
+            </a:r>
+            <a:r>
+              <a:rPr sz="2000" spc="185" dirty="0">
+                <a:solidFill>
+                  <a:srgbClr val="001F5F"/>
+                </a:solidFill>
+                <a:latin typeface="Calibri"/>
+                <a:cs typeface="Calibri"/>
+              </a:rPr>
+              <a:t> </a:t>
+            </a:r>
+            <a:r>
+              <a:rPr sz="2000" spc="110" dirty="0">
+                <a:solidFill>
+                  <a:srgbClr val="001F5F"/>
+                </a:solidFill>
+                <a:latin typeface="Calibri"/>
+                <a:cs typeface="Calibri"/>
+              </a:rPr>
+              <a:t>COMPORTARSE.</a:t>
+            </a:r>
+            <a:endParaRPr sz="2000" dirty="0">
+              <a:latin typeface="Calibri"/>
+              <a:cs typeface="Calibri"/>
+            </a:endParaRPr>
           </a:p>
           <a:p>
-            <a:pPr marL="12700">
+            <a:pPr marL="320675" indent="-308610">
               <a:lnSpc>
                 <a:spcPct val="100000"/>
               </a:lnSpc>
               <a:spcBef>
-                <a:spcPts val="100"/>
+                <a:spcPts val="600"/>
               </a:spcBef>
+              <a:buAutoNum type="arabicParenR"/>
               <a:tabLst>
-                <a:tab pos="354965" algn="l"/>
-                <a:tab pos="355600" algn="l"/>
+                <a:tab pos="321310" algn="l"/>
               </a:tabLst>
             </a:pPr>
             <a:r>
-              <a:rPr lang="es-ES" sz="2000" spc="100" dirty="0">
-                <a:solidFill>
-                  <a:srgbClr val="001F5F"/>
-                </a:solidFill>
-                <a:latin typeface="Arial MT"/>
-                <a:cs typeface="Arial MT"/>
-              </a:rPr>
-              <a:t>lo describe como alguien extrovertido y divertido con </a:t>
-            </a:r>
+              <a:rPr sz="2000" spc="90" dirty="0">
+                <a:solidFill>
+                  <a:srgbClr val="001F5F"/>
+                </a:solidFill>
+                <a:latin typeface="Calibri"/>
+                <a:cs typeface="Calibri"/>
+              </a:rPr>
+              <a:t>MODO</a:t>
+            </a:r>
+            <a:r>
+              <a:rPr sz="2000" spc="185" dirty="0">
+                <a:solidFill>
+                  <a:srgbClr val="001F5F"/>
+                </a:solidFill>
+                <a:latin typeface="Calibri"/>
+                <a:cs typeface="Calibri"/>
+              </a:rPr>
+              <a:t> </a:t>
+            </a:r>
+            <a:r>
+              <a:rPr sz="2000" spc="60" dirty="0">
+                <a:solidFill>
+                  <a:srgbClr val="001F5F"/>
+                </a:solidFill>
+                <a:latin typeface="Calibri"/>
+                <a:cs typeface="Calibri"/>
+              </a:rPr>
+              <a:t>DE</a:t>
+            </a:r>
+            <a:r>
+              <a:rPr sz="2000" spc="200" dirty="0">
+                <a:solidFill>
+                  <a:srgbClr val="001F5F"/>
+                </a:solidFill>
+                <a:latin typeface="Calibri"/>
+                <a:cs typeface="Calibri"/>
+              </a:rPr>
+              <a:t> </a:t>
+            </a:r>
+            <a:r>
+              <a:rPr sz="2000" spc="105" dirty="0">
+                <a:solidFill>
+                  <a:srgbClr val="001F5F"/>
+                </a:solidFill>
+                <a:latin typeface="Calibri"/>
+                <a:cs typeface="Calibri"/>
+              </a:rPr>
+              <a:t>EXPRESAR.</a:t>
+            </a:r>
+            <a:endParaRPr sz="2000" dirty="0">
+              <a:latin typeface="Calibri"/>
+              <a:cs typeface="Calibri"/>
+            </a:endParaRPr>
           </a:p>
           <a:p>
-            <a:pPr marL="12700">
+            <a:pPr marL="320675" indent="-308610">
               <a:lnSpc>
                 <a:spcPct val="100000"/>
               </a:lnSpc>
               <a:spcBef>
-                <a:spcPts val="100"/>
+                <a:spcPts val="600"/>
               </a:spcBef>
+              <a:buAutoNum type="arabicParenR"/>
               <a:tabLst>
-                <a:tab pos="354965" algn="l"/>
-                <a:tab pos="355600" algn="l"/>
+                <a:tab pos="321310" algn="l"/>
               </a:tabLst>
             </a:pPr>
             <a:r>
-              <a:rPr lang="es-ES" sz="2000" spc="100" dirty="0">
-                <a:solidFill>
-                  <a:srgbClr val="001F5F"/>
-                </a:solidFill>
-                <a:latin typeface="Arial MT"/>
-                <a:cs typeface="Arial MT"/>
-              </a:rPr>
-              <a:t>extraños pero cuando algo no ocurre en relación a sus </a:t>
-            </a:r>
+              <a:rPr sz="2000" spc="90" dirty="0">
+                <a:solidFill>
+                  <a:srgbClr val="001F5F"/>
+                </a:solidFill>
+                <a:latin typeface="Calibri"/>
+                <a:cs typeface="Calibri"/>
+              </a:rPr>
+              <a:t>MODO</a:t>
+            </a:r>
+            <a:r>
+              <a:rPr sz="2000" spc="180" dirty="0">
+                <a:solidFill>
+                  <a:srgbClr val="001F5F"/>
+                </a:solidFill>
+                <a:latin typeface="Calibri"/>
+                <a:cs typeface="Calibri"/>
+              </a:rPr>
+              <a:t> </a:t>
+            </a:r>
+            <a:r>
+              <a:rPr sz="2000" spc="60" dirty="0">
+                <a:solidFill>
+                  <a:srgbClr val="001F5F"/>
+                </a:solidFill>
+                <a:latin typeface="Calibri"/>
+                <a:cs typeface="Calibri"/>
+              </a:rPr>
+              <a:t>DE</a:t>
+            </a:r>
+            <a:r>
+              <a:rPr sz="2000" spc="200" dirty="0">
+                <a:solidFill>
+                  <a:srgbClr val="001F5F"/>
+                </a:solidFill>
+                <a:latin typeface="Calibri"/>
+                <a:cs typeface="Calibri"/>
+              </a:rPr>
+              <a:t> </a:t>
+            </a:r>
+            <a:r>
+              <a:rPr sz="2000" spc="100" dirty="0">
+                <a:solidFill>
+                  <a:srgbClr val="001F5F"/>
+                </a:solidFill>
+                <a:latin typeface="Calibri"/>
+                <a:cs typeface="Calibri"/>
+              </a:rPr>
+              <a:t>SENTIR.</a:t>
+            </a:r>
+            <a:endParaRPr sz="2000" dirty="0">
+              <a:latin typeface="Calibri"/>
+              <a:cs typeface="Calibri"/>
+            </a:endParaRPr>
           </a:p>
           <a:p>
-            <a:pPr marL="12700">
+            <a:pPr marL="320675" indent="-308610">
               <a:lnSpc>
                 <a:spcPct val="100000"/>
               </a:lnSpc>
               <a:spcBef>
-                <a:spcPts val="100"/>
+                <a:spcPts val="600"/>
               </a:spcBef>
+              <a:buAutoNum type="arabicParenR"/>
               <a:tabLst>
-                <a:tab pos="354965" algn="l"/>
-                <a:tab pos="355600" algn="l"/>
+                <a:tab pos="321310" algn="l"/>
               </a:tabLst>
             </a:pPr>
             <a:r>
-              <a:rPr lang="es-ES" sz="2000" spc="100" dirty="0">
-                <a:solidFill>
-                  <a:srgbClr val="001F5F"/>
-                </a:solidFill>
-                <a:latin typeface="Arial MT"/>
-                <a:cs typeface="Arial MT"/>
-              </a:rPr>
-              <a:t>expectativas, se comporta de un modo rígido. Si tiene </a:t>
-            </a:r>
+              <a:rPr sz="2000" spc="90" dirty="0">
+                <a:solidFill>
+                  <a:srgbClr val="001F5F"/>
+                </a:solidFill>
+                <a:latin typeface="Calibri"/>
+                <a:cs typeface="Calibri"/>
+              </a:rPr>
+              <a:t>MODO</a:t>
+            </a:r>
+            <a:r>
+              <a:rPr sz="2000" spc="200" dirty="0">
+                <a:solidFill>
+                  <a:srgbClr val="001F5F"/>
+                </a:solidFill>
+                <a:latin typeface="Calibri"/>
+                <a:cs typeface="Calibri"/>
+              </a:rPr>
+              <a:t> </a:t>
+            </a:r>
+            <a:r>
+              <a:rPr sz="2000" spc="60" dirty="0">
+                <a:solidFill>
+                  <a:srgbClr val="001F5F"/>
+                </a:solidFill>
+                <a:latin typeface="Calibri"/>
+                <a:cs typeface="Calibri"/>
+              </a:rPr>
+              <a:t>DE</a:t>
+            </a:r>
+            <a:r>
+              <a:rPr sz="2000" spc="220" dirty="0">
+                <a:solidFill>
+                  <a:srgbClr val="001F5F"/>
+                </a:solidFill>
+                <a:latin typeface="Calibri"/>
+                <a:cs typeface="Calibri"/>
+              </a:rPr>
+              <a:t> </a:t>
+            </a:r>
+            <a:r>
+              <a:rPr sz="2000" spc="105" dirty="0">
+                <a:solidFill>
+                  <a:srgbClr val="001F5F"/>
+                </a:solidFill>
+                <a:latin typeface="Calibri"/>
+                <a:cs typeface="Calibri"/>
+              </a:rPr>
+              <a:t>INTERACTUAR</a:t>
+            </a:r>
+            <a:r>
+              <a:rPr sz="2000" spc="200" dirty="0">
+                <a:solidFill>
+                  <a:srgbClr val="001F5F"/>
+                </a:solidFill>
+                <a:latin typeface="Calibri"/>
+                <a:cs typeface="Calibri"/>
+              </a:rPr>
+              <a:t> </a:t>
+            </a:r>
+            <a:r>
+              <a:rPr sz="2000" spc="80" dirty="0">
+                <a:solidFill>
+                  <a:srgbClr val="001F5F"/>
+                </a:solidFill>
+                <a:latin typeface="Calibri"/>
+                <a:cs typeface="Calibri"/>
+              </a:rPr>
+              <a:t>CON</a:t>
+            </a:r>
+            <a:r>
+              <a:rPr sz="2000" spc="215" dirty="0">
+                <a:solidFill>
+                  <a:srgbClr val="001F5F"/>
+                </a:solidFill>
+                <a:latin typeface="Calibri"/>
+                <a:cs typeface="Calibri"/>
+              </a:rPr>
+              <a:t> </a:t>
+            </a:r>
+            <a:r>
+              <a:rPr sz="2000" spc="95" dirty="0">
+                <a:solidFill>
+                  <a:srgbClr val="001F5F"/>
+                </a:solidFill>
+                <a:latin typeface="Calibri"/>
+                <a:cs typeface="Calibri"/>
+              </a:rPr>
+              <a:t>OTRAS</a:t>
+            </a:r>
+            <a:r>
+              <a:rPr sz="2000" spc="210" dirty="0">
+                <a:solidFill>
+                  <a:srgbClr val="001F5F"/>
+                </a:solidFill>
+                <a:latin typeface="Calibri"/>
+                <a:cs typeface="Calibri"/>
+              </a:rPr>
+              <a:t> </a:t>
+            </a:r>
+            <a:r>
+              <a:rPr sz="2000" spc="105" dirty="0">
+                <a:solidFill>
+                  <a:srgbClr val="001F5F"/>
+                </a:solidFill>
+                <a:latin typeface="Calibri"/>
+                <a:cs typeface="Calibri"/>
+              </a:rPr>
+              <a:t>PERSONAS.</a:t>
+            </a:r>
+            <a:endParaRPr sz="2000" dirty="0">
+              <a:latin typeface="Calibri"/>
+              <a:cs typeface="Calibri"/>
+            </a:endParaRPr>
           </a:p>
           <a:p>
-            <a:pPr marL="12700">
+            <a:pPr marL="320675" indent="-308610">
               <a:lnSpc>
                 <a:spcPct val="100000"/>
               </a:lnSpc>
               <a:spcBef>
-                <a:spcPts val="100"/>
+                <a:spcPts val="600"/>
               </a:spcBef>
+              <a:buAutoNum type="arabicParenR"/>
               <a:tabLst>
-                <a:tab pos="354965" algn="l"/>
-                <a:tab pos="355600" algn="l"/>
+                <a:tab pos="321310" algn="l"/>
               </a:tabLst>
             </a:pPr>
             <a:r>
-              <a:rPr lang="es-ES" sz="2000" spc="100" dirty="0">
-                <a:solidFill>
-                  <a:srgbClr val="001F5F"/>
-                </a:solidFill>
-                <a:latin typeface="Arial MT"/>
-                <a:cs typeface="Arial MT"/>
-              </a:rPr>
-              <a:t>que delegar una tarea en el trabajo, pero no confía en la </a:t>
-            </a:r>
+              <a:rPr sz="2000" spc="90" dirty="0">
+                <a:solidFill>
+                  <a:srgbClr val="001F5F"/>
+                </a:solidFill>
+                <a:latin typeface="Calibri"/>
+                <a:cs typeface="Calibri"/>
+              </a:rPr>
+              <a:t>MODO</a:t>
+            </a:r>
+            <a:r>
+              <a:rPr sz="2000" spc="180" dirty="0">
+                <a:solidFill>
+                  <a:srgbClr val="001F5F"/>
+                </a:solidFill>
+                <a:latin typeface="Calibri"/>
+                <a:cs typeface="Calibri"/>
+              </a:rPr>
+              <a:t> </a:t>
+            </a:r>
+            <a:r>
+              <a:rPr sz="2000" spc="60" dirty="0">
+                <a:solidFill>
+                  <a:srgbClr val="001F5F"/>
+                </a:solidFill>
+                <a:latin typeface="Calibri"/>
+                <a:cs typeface="Calibri"/>
+              </a:rPr>
+              <a:t>DE</a:t>
+            </a:r>
+            <a:r>
+              <a:rPr sz="2000" spc="190" dirty="0">
+                <a:solidFill>
+                  <a:srgbClr val="001F5F"/>
+                </a:solidFill>
+                <a:latin typeface="Calibri"/>
+                <a:cs typeface="Calibri"/>
+              </a:rPr>
+              <a:t> </a:t>
+            </a:r>
+            <a:r>
+              <a:rPr sz="2000" spc="100" dirty="0">
+                <a:solidFill>
+                  <a:srgbClr val="001F5F"/>
+                </a:solidFill>
+                <a:latin typeface="Calibri"/>
+                <a:cs typeface="Calibri"/>
+              </a:rPr>
+              <a:t>PENSAR.</a:t>
+            </a:r>
+            <a:endParaRPr sz="2000" dirty="0">
+              <a:latin typeface="Calibri"/>
+              <a:cs typeface="Calibri"/>
+            </a:endParaRPr>
           </a:p>
           <a:p>
-            <a:pPr marL="12700">
+            <a:pPr marL="320675" indent="-308610">
               <a:lnSpc>
                 <a:spcPct val="100000"/>
               </a:lnSpc>
               <a:spcBef>
-                <a:spcPts val="100"/>
+                <a:spcPts val="605"/>
               </a:spcBef>
+              <a:buAutoNum type="arabicParenR"/>
               <a:tabLst>
-                <a:tab pos="354965" algn="l"/>
-                <a:tab pos="355600" algn="l"/>
+                <a:tab pos="321310" algn="l"/>
               </a:tabLst>
             </a:pPr>
             <a:r>
-              <a:rPr lang="es-ES" sz="2000" spc="100" dirty="0">
-                <a:solidFill>
-                  <a:srgbClr val="001F5F"/>
-                </a:solidFill>
-                <a:latin typeface="Arial MT"/>
-                <a:cs typeface="Arial MT"/>
-              </a:rPr>
-              <a:t>capacidad de otra persona para hacerlo, interviene </a:t>
-            </a:r>
+              <a:rPr sz="2000" spc="105" dirty="0">
+                <a:solidFill>
+                  <a:srgbClr val="001F5F"/>
+                </a:solidFill>
+                <a:latin typeface="Calibri"/>
+                <a:cs typeface="Calibri"/>
+              </a:rPr>
+              <a:t>INDICADORES</a:t>
+            </a:r>
+            <a:r>
+              <a:rPr sz="2000" spc="200" dirty="0">
+                <a:solidFill>
+                  <a:srgbClr val="001F5F"/>
+                </a:solidFill>
+                <a:latin typeface="Calibri"/>
+                <a:cs typeface="Calibri"/>
+              </a:rPr>
+              <a:t> </a:t>
+            </a:r>
+            <a:r>
+              <a:rPr sz="2000" spc="60" dirty="0">
+                <a:solidFill>
+                  <a:srgbClr val="001F5F"/>
+                </a:solidFill>
+                <a:latin typeface="Calibri"/>
+                <a:cs typeface="Calibri"/>
+              </a:rPr>
+              <a:t>DE</a:t>
+            </a:r>
+            <a:r>
+              <a:rPr sz="2000" spc="220" dirty="0">
+                <a:solidFill>
+                  <a:srgbClr val="001F5F"/>
+                </a:solidFill>
+                <a:latin typeface="Calibri"/>
+                <a:cs typeface="Calibri"/>
+              </a:rPr>
+              <a:t> </a:t>
+            </a:r>
+            <a:r>
+              <a:rPr sz="2000" spc="105" dirty="0">
+                <a:solidFill>
+                  <a:srgbClr val="001F5F"/>
+                </a:solidFill>
+                <a:latin typeface="Calibri"/>
+                <a:cs typeface="Calibri"/>
+              </a:rPr>
+              <a:t>ESTABILIDAD</a:t>
+            </a:r>
+            <a:r>
+              <a:rPr sz="2000" spc="190" dirty="0">
+                <a:solidFill>
+                  <a:srgbClr val="001F5F"/>
+                </a:solidFill>
+                <a:latin typeface="Calibri"/>
+                <a:cs typeface="Calibri"/>
+              </a:rPr>
+              <a:t> </a:t>
+            </a:r>
+            <a:r>
+              <a:rPr sz="2000" dirty="0">
+                <a:solidFill>
+                  <a:srgbClr val="001F5F"/>
+                </a:solidFill>
+                <a:latin typeface="Calibri"/>
+                <a:cs typeface="Calibri"/>
+              </a:rPr>
+              <a:t>A</a:t>
+            </a:r>
+            <a:r>
+              <a:rPr sz="2000" spc="229" dirty="0">
+                <a:solidFill>
+                  <a:srgbClr val="001F5F"/>
+                </a:solidFill>
+                <a:latin typeface="Calibri"/>
+                <a:cs typeface="Calibri"/>
+              </a:rPr>
+              <a:t> </a:t>
+            </a:r>
+            <a:r>
+              <a:rPr sz="2000" spc="55" dirty="0">
+                <a:solidFill>
+                  <a:srgbClr val="001F5F"/>
+                </a:solidFill>
+                <a:latin typeface="Calibri"/>
+                <a:cs typeface="Calibri"/>
+              </a:rPr>
+              <a:t>LO</a:t>
+            </a:r>
+            <a:r>
+              <a:rPr sz="2000" spc="229" dirty="0">
+                <a:solidFill>
+                  <a:srgbClr val="001F5F"/>
+                </a:solidFill>
+                <a:latin typeface="Calibri"/>
+                <a:cs typeface="Calibri"/>
+              </a:rPr>
+              <a:t> </a:t>
+            </a:r>
+            <a:r>
+              <a:rPr sz="2000" spc="95" dirty="0">
+                <a:solidFill>
+                  <a:srgbClr val="001F5F"/>
+                </a:solidFill>
+                <a:latin typeface="Calibri"/>
+                <a:cs typeface="Calibri"/>
+              </a:rPr>
+              <a:t>LARGO</a:t>
+            </a:r>
+            <a:r>
+              <a:rPr sz="2000" spc="220" dirty="0">
+                <a:solidFill>
+                  <a:srgbClr val="001F5F"/>
+                </a:solidFill>
+                <a:latin typeface="Calibri"/>
+                <a:cs typeface="Calibri"/>
+              </a:rPr>
+              <a:t> </a:t>
+            </a:r>
+            <a:r>
+              <a:rPr sz="2000" spc="80" dirty="0">
+                <a:solidFill>
+                  <a:srgbClr val="001F5F"/>
+                </a:solidFill>
+                <a:latin typeface="Calibri"/>
+                <a:cs typeface="Calibri"/>
+              </a:rPr>
+              <a:t>DEL</a:t>
+            </a:r>
+            <a:r>
+              <a:rPr sz="2000" spc="210" dirty="0">
+                <a:solidFill>
+                  <a:srgbClr val="001F5F"/>
+                </a:solidFill>
+                <a:latin typeface="Calibri"/>
+                <a:cs typeface="Calibri"/>
+              </a:rPr>
+              <a:t> </a:t>
+            </a:r>
+            <a:r>
+              <a:rPr sz="2000" spc="100" dirty="0">
+                <a:solidFill>
+                  <a:srgbClr val="001F5F"/>
+                </a:solidFill>
+                <a:latin typeface="Calibri"/>
+                <a:cs typeface="Calibri"/>
+              </a:rPr>
+              <a:t>TIEMPO.</a:t>
+            </a:r>
+            <a:endParaRPr sz="2000" dirty="0">
+              <a:latin typeface="Calibri"/>
+              <a:cs typeface="Calibri"/>
+            </a:endParaRPr>
           </a:p>
           <a:p>
-            <a:pPr marL="12700">
+            <a:pPr marL="321945" indent="-309880">
               <a:lnSpc>
                 <a:spcPct val="100000"/>
               </a:lnSpc>
               <a:spcBef>
-                <a:spcPts val="100"/>
+                <a:spcPts val="600"/>
               </a:spcBef>
+              <a:buAutoNum type="arabicParenR"/>
               <a:tabLst>
-                <a:tab pos="354965" algn="l"/>
-                <a:tab pos="355600" algn="l"/>
+                <a:tab pos="322580" algn="l"/>
               </a:tabLst>
             </a:pPr>
             <a:r>
-              <a:rPr lang="es-ES" sz="2000" spc="100" dirty="0">
-                <a:solidFill>
-                  <a:srgbClr val="001F5F"/>
-                </a:solidFill>
-                <a:latin typeface="Arial MT"/>
-                <a:cs typeface="Arial MT"/>
-              </a:rPr>
-              <a:t>haciéndolo el mismo</a:t>
-            </a:r>
-            <a:endParaRPr lang="es-ES" sz="2000" dirty="0">
-              <a:latin typeface="Arial MT"/>
-              <a:cs typeface="Arial MT"/>
+              <a:rPr sz="2000" spc="110" dirty="0">
+                <a:solidFill>
+                  <a:srgbClr val="001F5F"/>
+                </a:solidFill>
+                <a:latin typeface="Calibri"/>
+                <a:cs typeface="Calibri"/>
+              </a:rPr>
+              <a:t>CARACTERISTICAS</a:t>
+            </a:r>
+            <a:r>
+              <a:rPr sz="2000" spc="225" dirty="0">
+                <a:solidFill>
+                  <a:srgbClr val="001F5F"/>
+                </a:solidFill>
+                <a:latin typeface="Calibri"/>
+                <a:cs typeface="Calibri"/>
+              </a:rPr>
+              <a:t> </a:t>
+            </a:r>
+            <a:r>
+              <a:rPr sz="2000" spc="110" dirty="0">
+                <a:solidFill>
+                  <a:srgbClr val="001F5F"/>
+                </a:solidFill>
+                <a:latin typeface="Calibri"/>
+                <a:cs typeface="Calibri"/>
+              </a:rPr>
+              <a:t>TRANS-SITUACIONALES.</a:t>
+            </a:r>
+            <a:endParaRPr sz="2000" dirty="0">
+              <a:latin typeface="Calibri"/>
+              <a:cs typeface="Calibri"/>
             </a:endParaRPr>
           </a:p>
         </p:txBody>
       </p:sp>
     </p:spTree>
-    <p:extLst>
-      <p:ext uri="{BB962C8B-B14F-4D97-AF65-F5344CB8AC3E}">
-        <p14:creationId xmlns:p14="http://schemas.microsoft.com/office/powerpoint/2010/main" val="1173331864"/>
-      </p:ext>
-    </p:extLst>
   </p:cSld>
   <p:clrMapOvr>
     <a:masterClrMapping/>
@@ -10585,7 +10431,7 @@
         <p:spPr>
           <a:xfrm>
             <a:off x="833119" y="1932812"/>
-            <a:ext cx="4952365" cy="3169457"/>
+            <a:ext cx="4952365" cy="2405146"/>
           </a:xfrm>
           <a:prstGeom prst="rect">
             <a:avLst/>
@@ -11013,211 +10859,6 @@
               </a:spcBef>
             </a:pPr>
             <a:endParaRPr sz="2350" dirty="0">
-              <a:latin typeface="Arial MT"/>
-              <a:cs typeface="Arial MT"/>
-            </a:endParaRPr>
-          </a:p>
-          <a:p>
-            <a:pPr marL="12700">
-              <a:lnSpc>
-                <a:spcPct val="100000"/>
-              </a:lnSpc>
-            </a:pPr>
-            <a:r>
-              <a:rPr sz="1900" spc="-5" dirty="0">
-                <a:solidFill>
-                  <a:srgbClr val="41568E"/>
-                </a:solidFill>
-                <a:latin typeface="Arial MT"/>
-                <a:cs typeface="Arial MT"/>
-              </a:rPr>
-              <a:t>Clase</a:t>
-            </a:r>
-            <a:r>
-              <a:rPr sz="1900" spc="15" dirty="0">
-                <a:solidFill>
-                  <a:srgbClr val="41568E"/>
-                </a:solidFill>
-                <a:latin typeface="Arial MT"/>
-                <a:cs typeface="Arial MT"/>
-              </a:rPr>
-              <a:t> </a:t>
-            </a:r>
-            <a:r>
-              <a:rPr sz="1900" spc="-5" dirty="0" err="1">
-                <a:solidFill>
-                  <a:srgbClr val="41568E"/>
-                </a:solidFill>
-                <a:latin typeface="Arial MT"/>
-                <a:cs typeface="Arial MT"/>
-              </a:rPr>
-              <a:t>asincrónica</a:t>
-            </a:r>
-            <a:r>
-              <a:rPr sz="1900" spc="45" dirty="0">
-                <a:solidFill>
-                  <a:srgbClr val="41568E"/>
-                </a:solidFill>
-                <a:latin typeface="Arial MT"/>
-                <a:cs typeface="Arial MT"/>
-              </a:rPr>
-              <a:t> </a:t>
-            </a:r>
-            <a:r>
-              <a:rPr sz="1900" spc="-5" dirty="0">
-                <a:solidFill>
-                  <a:srgbClr val="41568E"/>
-                </a:solidFill>
-                <a:latin typeface="Arial MT"/>
-                <a:cs typeface="Arial MT"/>
-              </a:rPr>
-              <a:t>(</a:t>
-            </a:r>
-            <a:r>
-              <a:rPr lang="es-AR" sz="1900" spc="-5" dirty="0">
-                <a:solidFill>
-                  <a:srgbClr val="41568E"/>
-                </a:solidFill>
-                <a:latin typeface="Arial MT"/>
-                <a:cs typeface="Arial MT"/>
-              </a:rPr>
-              <a:t>9</a:t>
-            </a:r>
-            <a:r>
-              <a:rPr sz="1900" spc="-5" dirty="0">
-                <a:solidFill>
-                  <a:srgbClr val="41568E"/>
-                </a:solidFill>
-                <a:latin typeface="Arial MT"/>
-                <a:cs typeface="Arial MT"/>
-              </a:rPr>
-              <a:t>-1</a:t>
-            </a:r>
-            <a:r>
-              <a:rPr lang="es-AR" sz="1900" spc="-5" dirty="0">
-                <a:solidFill>
-                  <a:srgbClr val="41568E"/>
-                </a:solidFill>
-                <a:latin typeface="Arial MT"/>
-                <a:cs typeface="Arial MT"/>
-              </a:rPr>
-              <a:t>0 pm</a:t>
-            </a:r>
-            <a:r>
-              <a:rPr sz="1900" spc="-5" dirty="0">
-                <a:solidFill>
-                  <a:srgbClr val="41568E"/>
-                </a:solidFill>
-                <a:latin typeface="Arial MT"/>
-                <a:cs typeface="Arial MT"/>
-              </a:rPr>
-              <a:t>)</a:t>
-            </a:r>
-            <a:endParaRPr sz="1900" dirty="0">
-              <a:latin typeface="Arial MT"/>
-              <a:cs typeface="Arial MT"/>
-            </a:endParaRPr>
-          </a:p>
-          <a:p>
-            <a:pPr marL="12700">
-              <a:lnSpc>
-                <a:spcPct val="100000"/>
-              </a:lnSpc>
-              <a:spcBef>
-                <a:spcPts val="1415"/>
-              </a:spcBef>
-            </a:pPr>
-            <a:r>
-              <a:rPr sz="1900" spc="-5" dirty="0">
-                <a:solidFill>
-                  <a:srgbClr val="41568E"/>
-                </a:solidFill>
-                <a:latin typeface="Arial MT"/>
-                <a:cs typeface="Arial MT"/>
-              </a:rPr>
-              <a:t>4)</a:t>
-            </a:r>
-            <a:r>
-              <a:rPr sz="1900" dirty="0">
-                <a:solidFill>
-                  <a:srgbClr val="41568E"/>
-                </a:solidFill>
-                <a:latin typeface="Arial MT"/>
-                <a:cs typeface="Arial MT"/>
-              </a:rPr>
-              <a:t> </a:t>
-            </a:r>
-            <a:r>
-              <a:rPr sz="1900" spc="-5" dirty="0">
-                <a:solidFill>
-                  <a:srgbClr val="41568E"/>
-                </a:solidFill>
-                <a:latin typeface="Arial MT"/>
-                <a:cs typeface="Arial MT"/>
-              </a:rPr>
-              <a:t>Ejercicio</a:t>
-            </a:r>
-            <a:r>
-              <a:rPr sz="1900" spc="35" dirty="0">
-                <a:solidFill>
-                  <a:srgbClr val="41568E"/>
-                </a:solidFill>
-                <a:latin typeface="Arial MT"/>
-                <a:cs typeface="Arial MT"/>
-              </a:rPr>
-              <a:t> </a:t>
-            </a:r>
-            <a:r>
-              <a:rPr sz="1900" spc="-5" dirty="0">
-                <a:solidFill>
-                  <a:srgbClr val="41568E"/>
-                </a:solidFill>
-                <a:latin typeface="Arial MT"/>
-                <a:cs typeface="Arial MT"/>
-              </a:rPr>
-              <a:t>sobre</a:t>
-            </a:r>
-            <a:r>
-              <a:rPr sz="1900" spc="25" dirty="0">
-                <a:solidFill>
-                  <a:srgbClr val="41568E"/>
-                </a:solidFill>
-                <a:latin typeface="Arial MT"/>
-                <a:cs typeface="Arial MT"/>
-              </a:rPr>
-              <a:t> </a:t>
-            </a:r>
-            <a:r>
-              <a:rPr sz="1900" spc="-5" dirty="0">
-                <a:solidFill>
-                  <a:srgbClr val="41568E"/>
-                </a:solidFill>
-                <a:latin typeface="Arial MT"/>
-                <a:cs typeface="Arial MT"/>
-              </a:rPr>
-              <a:t>artículos</a:t>
-            </a:r>
-            <a:r>
-              <a:rPr sz="1900" spc="25" dirty="0">
-                <a:solidFill>
-                  <a:srgbClr val="41568E"/>
-                </a:solidFill>
-                <a:latin typeface="Arial MT"/>
-                <a:cs typeface="Arial MT"/>
-              </a:rPr>
-              <a:t> </a:t>
-            </a:r>
-            <a:r>
-              <a:rPr sz="1900" spc="-5" dirty="0">
-                <a:solidFill>
-                  <a:srgbClr val="41568E"/>
-                </a:solidFill>
-                <a:latin typeface="Arial MT"/>
-                <a:cs typeface="Arial MT"/>
-              </a:rPr>
-              <a:t>de lectura</a:t>
-            </a:r>
-            <a:endParaRPr sz="1900" dirty="0">
               <a:latin typeface="Arial MT"/>
               <a:cs typeface="Arial MT"/>
             </a:endParaRPr>
@@ -11393,6 +11034,371 @@
         <p:spPr>
           <a:xfrm>
             <a:off x="464616" y="2204464"/>
+            <a:ext cx="8298384" cy="2885405"/>
+          </a:xfrm>
+          <a:prstGeom prst="rect">
+            <a:avLst/>
+          </a:prstGeom>
+        </p:spPr>
+        <p:txBody>
+          <a:bodyPr vert="horz" wrap="square" lIns="0" tIns="12700" rIns="0" bIns="0" rtlCol="0">
+            <a:spAutoFit/>
+          </a:bodyPr>
+          <a:lstStyle/>
+          <a:p>
+            <a:pPr marL="355600" indent="-342900">
+              <a:lnSpc>
+                <a:spcPct val="100000"/>
+              </a:lnSpc>
+              <a:spcBef>
+                <a:spcPts val="100"/>
+              </a:spcBef>
+              <a:buFont typeface="Wingdings"/>
+              <a:buChar char=""/>
+              <a:tabLst>
+                <a:tab pos="354965" algn="l"/>
+                <a:tab pos="355600" algn="l"/>
+              </a:tabLst>
+            </a:pPr>
+            <a:r>
+              <a:rPr lang="es-ES" sz="2000" spc="100" dirty="0">
+                <a:solidFill>
+                  <a:srgbClr val="001F5F"/>
+                </a:solidFill>
+                <a:latin typeface="Arial MT"/>
+                <a:cs typeface="Arial MT"/>
+              </a:rPr>
+              <a:t>Hombre de unos 40 años de edad, vive con su mujer y </a:t>
+            </a:r>
+          </a:p>
+          <a:p>
+            <a:pPr marL="12700">
+              <a:lnSpc>
+                <a:spcPct val="100000"/>
+              </a:lnSpc>
+              <a:spcBef>
+                <a:spcPts val="100"/>
+              </a:spcBef>
+              <a:tabLst>
+                <a:tab pos="354965" algn="l"/>
+                <a:tab pos="355600" algn="l"/>
+              </a:tabLst>
+            </a:pPr>
+            <a:r>
+              <a:rPr lang="es-ES" sz="2000" spc="100" dirty="0">
+                <a:solidFill>
+                  <a:srgbClr val="001F5F"/>
+                </a:solidFill>
+                <a:latin typeface="Arial MT"/>
+                <a:cs typeface="Arial MT"/>
+              </a:rPr>
+              <a:t>su hija de apenas 5 años. Ocupa un cargo de trabajo </a:t>
+            </a:r>
+          </a:p>
+          <a:p>
+            <a:pPr marL="12700">
+              <a:lnSpc>
+                <a:spcPct val="100000"/>
+              </a:lnSpc>
+              <a:spcBef>
+                <a:spcPts val="100"/>
+              </a:spcBef>
+              <a:tabLst>
+                <a:tab pos="354965" algn="l"/>
+                <a:tab pos="355600" algn="l"/>
+              </a:tabLst>
+            </a:pPr>
+            <a:r>
+              <a:rPr lang="es-ES" sz="2000" spc="100" dirty="0">
+                <a:solidFill>
+                  <a:srgbClr val="001F5F"/>
+                </a:solidFill>
+                <a:latin typeface="Arial MT"/>
+                <a:cs typeface="Arial MT"/>
+              </a:rPr>
+              <a:t>importante en la gerencia comercial de una empresa. Se </a:t>
+            </a:r>
+          </a:p>
+          <a:p>
+            <a:pPr marL="12700">
+              <a:lnSpc>
+                <a:spcPct val="100000"/>
+              </a:lnSpc>
+              <a:spcBef>
+                <a:spcPts val="100"/>
+              </a:spcBef>
+              <a:tabLst>
+                <a:tab pos="354965" algn="l"/>
+                <a:tab pos="355600" algn="l"/>
+              </a:tabLst>
+            </a:pPr>
+            <a:r>
+              <a:rPr lang="es-ES" sz="2000" spc="100" dirty="0">
+                <a:solidFill>
+                  <a:srgbClr val="001F5F"/>
+                </a:solidFill>
+                <a:latin typeface="Arial MT"/>
+                <a:cs typeface="Arial MT"/>
+              </a:rPr>
+              <a:t>lo describe como alguien extrovertido y divertido con </a:t>
+            </a:r>
+          </a:p>
+          <a:p>
+            <a:pPr marL="12700">
+              <a:lnSpc>
+                <a:spcPct val="100000"/>
+              </a:lnSpc>
+              <a:spcBef>
+                <a:spcPts val="100"/>
+              </a:spcBef>
+              <a:tabLst>
+                <a:tab pos="354965" algn="l"/>
+                <a:tab pos="355600" algn="l"/>
+              </a:tabLst>
+            </a:pPr>
+            <a:r>
+              <a:rPr lang="es-ES" sz="2000" spc="100" dirty="0">
+                <a:solidFill>
+                  <a:srgbClr val="001F5F"/>
+                </a:solidFill>
+                <a:latin typeface="Arial MT"/>
+                <a:cs typeface="Arial MT"/>
+              </a:rPr>
+              <a:t>extraños pero cuando algo no ocurre en relación a sus </a:t>
+            </a:r>
+          </a:p>
+          <a:p>
+            <a:pPr marL="12700">
+              <a:lnSpc>
+                <a:spcPct val="100000"/>
+              </a:lnSpc>
+              <a:spcBef>
+                <a:spcPts val="100"/>
+              </a:spcBef>
+              <a:tabLst>
+                <a:tab pos="354965" algn="l"/>
+                <a:tab pos="355600" algn="l"/>
+              </a:tabLst>
+            </a:pPr>
+            <a:r>
+              <a:rPr lang="es-ES" sz="2000" spc="100" dirty="0">
+                <a:solidFill>
+                  <a:srgbClr val="001F5F"/>
+                </a:solidFill>
+                <a:latin typeface="Arial MT"/>
+                <a:cs typeface="Arial MT"/>
+              </a:rPr>
+              <a:t>expectativas, se comporta de un modo rígido. Si tiene </a:t>
+            </a:r>
+          </a:p>
+          <a:p>
+            <a:pPr marL="12700">
+              <a:lnSpc>
+                <a:spcPct val="100000"/>
+              </a:lnSpc>
+              <a:spcBef>
+                <a:spcPts val="100"/>
+              </a:spcBef>
+              <a:tabLst>
+                <a:tab pos="354965" algn="l"/>
+                <a:tab pos="355600" algn="l"/>
+              </a:tabLst>
+            </a:pPr>
+            <a:r>
+              <a:rPr lang="es-ES" sz="2000" spc="100" dirty="0">
+                <a:solidFill>
+                  <a:srgbClr val="001F5F"/>
+                </a:solidFill>
+                <a:latin typeface="Arial MT"/>
+                <a:cs typeface="Arial MT"/>
+              </a:rPr>
+              <a:t>que delegar una tarea en el trabajo, pero no confía en la </a:t>
+            </a:r>
+          </a:p>
+          <a:p>
+            <a:pPr marL="12700">
+              <a:lnSpc>
+                <a:spcPct val="100000"/>
+              </a:lnSpc>
+              <a:spcBef>
+                <a:spcPts val="100"/>
+              </a:spcBef>
+              <a:tabLst>
+                <a:tab pos="354965" algn="l"/>
+                <a:tab pos="355600" algn="l"/>
+              </a:tabLst>
+            </a:pPr>
+            <a:r>
+              <a:rPr lang="es-ES" sz="2000" spc="100" dirty="0">
+                <a:solidFill>
+                  <a:srgbClr val="001F5F"/>
+                </a:solidFill>
+                <a:latin typeface="Arial MT"/>
+                <a:cs typeface="Arial MT"/>
+              </a:rPr>
+              <a:t>capacidad de otra persona para hacerlo, interviene </a:t>
+            </a:r>
+          </a:p>
+          <a:p>
+            <a:pPr marL="12700">
+              <a:lnSpc>
+                <a:spcPct val="100000"/>
+              </a:lnSpc>
+              <a:spcBef>
+                <a:spcPts val="100"/>
+              </a:spcBef>
+              <a:tabLst>
+                <a:tab pos="354965" algn="l"/>
+                <a:tab pos="355600" algn="l"/>
+              </a:tabLst>
+            </a:pPr>
+            <a:r>
+              <a:rPr lang="es-ES" sz="2000" spc="100" dirty="0">
+                <a:solidFill>
+                  <a:srgbClr val="001F5F"/>
+                </a:solidFill>
+                <a:latin typeface="Arial MT"/>
+                <a:cs typeface="Arial MT"/>
+              </a:rPr>
+              <a:t>haciéndolo el mismo</a:t>
+            </a:r>
+            <a:endParaRPr lang="es-ES" sz="2000" dirty="0">
+              <a:latin typeface="Arial MT"/>
+              <a:cs typeface="Arial MT"/>
+            </a:endParaRPr>
+          </a:p>
+        </p:txBody>
+      </p:sp>
+    </p:spTree>
+    <p:extLst>
+      <p:ext uri="{BB962C8B-B14F-4D97-AF65-F5344CB8AC3E}">
+        <p14:creationId xmlns:p14="http://schemas.microsoft.com/office/powerpoint/2010/main" val="1173331864"/>
+      </p:ext>
+    </p:extLst>
+  </p:cSld>
+  <p:clrMapOvr>
+    <a:masterClrMapping/>
+  </p:clrMapOvr>
+</p:sld>
+</file>
+
+<file path=ppt/slides/slide21.xml><?xml version="1.0" encoding="utf-8"?>
+<p:sld xmlns:a="http://schemas.openxmlformats.org/drawingml/2006/main" xmlns:r="http://schemas.openxmlformats.org/officeDocument/2006/relationships" xmlns:p="http://schemas.openxmlformats.org/presentationml/2006/main">
+  <p:cSld>
+    <p:spTree>
+      <p:nvGrpSpPr>
+        <p:cNvPr id="1" name=""/>
+        <p:cNvGrpSpPr/>
+        <p:nvPr/>
+      </p:nvGrpSpPr>
+      <p:grpSpPr>
+        <a:xfrm>
+          <a:off x="0" y="0"/>
+          <a:ext cx="0" cy="0"/>
+          <a:chOff x="0" y="0"/>
+          <a:chExt cx="0" cy="0"/>
+        </a:xfrm>
+      </p:grpSpPr>
+      <p:sp>
+        <p:nvSpPr>
+          <p:cNvPr id="2" name="object 2"/>
+          <p:cNvSpPr txBox="1">
+            <a:spLocks noGrp="1"/>
+          </p:cNvSpPr>
+          <p:nvPr>
+            <p:ph type="title"/>
+          </p:nvPr>
+        </p:nvSpPr>
+        <p:spPr>
+          <a:xfrm>
+            <a:off x="1752600" y="762000"/>
+            <a:ext cx="5528564" cy="443070"/>
+          </a:xfrm>
+          <a:prstGeom prst="rect">
+            <a:avLst/>
+          </a:prstGeom>
+        </p:spPr>
+        <p:txBody>
+          <a:bodyPr vert="horz" wrap="square" lIns="0" tIns="12065" rIns="0" bIns="0" rtlCol="0">
+            <a:spAutoFit/>
+          </a:bodyPr>
+          <a:lstStyle/>
+          <a:p>
+            <a:pPr marL="14604" algn="ctr">
+              <a:lnSpc>
+                <a:spcPct val="100000"/>
+              </a:lnSpc>
+              <a:spcBef>
+                <a:spcPts val="95"/>
+              </a:spcBef>
+            </a:pPr>
+            <a:r>
+              <a:rPr lang="en-US" sz="2800" dirty="0"/>
+              <a:t>Caso D</a:t>
+            </a:r>
+            <a:endParaRPr sz="2800" dirty="0"/>
+          </a:p>
+        </p:txBody>
+      </p:sp>
+      <p:sp>
+        <p:nvSpPr>
+          <p:cNvPr id="4" name="object 4"/>
+          <p:cNvSpPr txBox="1"/>
+          <p:nvPr/>
+        </p:nvSpPr>
+        <p:spPr>
+          <a:xfrm>
+            <a:off x="2576829" y="6427750"/>
+            <a:ext cx="3178810" cy="252729"/>
+          </a:xfrm>
+          <a:prstGeom prst="rect">
+            <a:avLst/>
+          </a:prstGeom>
+        </p:spPr>
+        <p:txBody>
+          <a:bodyPr vert="horz" wrap="square" lIns="0" tIns="0" rIns="0" bIns="0" rtlCol="0">
+            <a:spAutoFit/>
+          </a:bodyPr>
+          <a:lstStyle/>
+          <a:p>
+            <a:pPr marL="12700" algn="ctr">
+              <a:lnSpc>
+                <a:spcPts val="1864"/>
+              </a:lnSpc>
+            </a:pPr>
+            <a:r>
+              <a:rPr lang="en-US" sz="1600" spc="-5" dirty="0">
+                <a:solidFill>
+                  <a:srgbClr val="41568E"/>
+                </a:solidFill>
+                <a:latin typeface="Arial MT"/>
+                <a:cs typeface="Arial MT"/>
+                <a:hlinkClick r:id="rId2"/>
+              </a:rPr>
+              <a:t>lipe.aguirre@gmail.com</a:t>
+            </a:r>
+            <a:endParaRPr lang="en-US" sz="1600" dirty="0">
+              <a:latin typeface="Arial MT"/>
+              <a:cs typeface="Arial MT"/>
+            </a:endParaRPr>
+          </a:p>
+        </p:txBody>
+      </p:sp>
+      <p:sp>
+        <p:nvSpPr>
+          <p:cNvPr id="7" name="object 3">
+            <a:extLst>
+              <a:ext uri="{FF2B5EF4-FFF2-40B4-BE49-F238E27FC236}">
+                <a16:creationId xmlns:a16="http://schemas.microsoft.com/office/drawing/2014/main" id="{1FF109C2-C9A5-DCF3-B5FE-600F3D359C83}"/>
+              </a:ext>
+            </a:extLst>
+          </p:cNvPr>
+          <p:cNvSpPr txBox="1"/>
+          <p:nvPr/>
+        </p:nvSpPr>
+        <p:spPr>
+          <a:xfrm>
+            <a:off x="464616" y="2204464"/>
             <a:ext cx="8298384" cy="2564805"/>
           </a:xfrm>
           <a:prstGeom prst="rect">
@@ -11617,7 +11623,180 @@
 </p:sld>
 </file>
 
-<file path=ppt/slides/slide21.xml><?xml version="1.0" encoding="utf-8"?>
+<file path=ppt/slides/slide22.xml><?xml version="1.0" encoding="utf-8"?>
+<p:sld xmlns:a="http://schemas.openxmlformats.org/drawingml/2006/main" xmlns:r="http://schemas.openxmlformats.org/officeDocument/2006/relationships" xmlns:p="http://schemas.openxmlformats.org/presentationml/2006/main">
+  <p:cSld>
+    <p:spTree>
+      <p:nvGrpSpPr>
+        <p:cNvPr id="1" name=""/>
+        <p:cNvGrpSpPr/>
+        <p:nvPr/>
+      </p:nvGrpSpPr>
+      <p:grpSpPr>
+        <a:xfrm>
+          <a:off x="0" y="0"/>
+          <a:ext cx="0" cy="0"/>
+          <a:chOff x="0" y="0"/>
+          <a:chExt cx="0" cy="0"/>
+        </a:xfrm>
+      </p:grpSpPr>
+      <p:sp>
+        <p:nvSpPr>
+          <p:cNvPr id="2" name="object 2"/>
+          <p:cNvSpPr txBox="1">
+            <a:spLocks noGrp="1"/>
+          </p:cNvSpPr>
+          <p:nvPr>
+            <p:ph type="title"/>
+          </p:nvPr>
+        </p:nvSpPr>
+        <p:spPr>
+          <a:xfrm>
+            <a:off x="1752600" y="762000"/>
+            <a:ext cx="5528564" cy="443070"/>
+          </a:xfrm>
+          <a:prstGeom prst="rect">
+            <a:avLst/>
+          </a:prstGeom>
+        </p:spPr>
+        <p:txBody>
+          <a:bodyPr vert="horz" wrap="square" lIns="0" tIns="12065" rIns="0" bIns="0" rtlCol="0">
+            <a:spAutoFit/>
+          </a:bodyPr>
+          <a:lstStyle/>
+          <a:p>
+            <a:pPr marL="14604" algn="ctr">
+              <a:lnSpc>
+                <a:spcPct val="100000"/>
+              </a:lnSpc>
+              <a:spcBef>
+                <a:spcPts val="95"/>
+              </a:spcBef>
+            </a:pPr>
+            <a:r>
+              <a:rPr lang="en-US" sz="2800" dirty="0"/>
+              <a:t>Casos</a:t>
+            </a:r>
+            <a:endParaRPr sz="2800" dirty="0"/>
+          </a:p>
+        </p:txBody>
+      </p:sp>
+      <p:sp>
+        <p:nvSpPr>
+          <p:cNvPr id="4" name="object 4"/>
+          <p:cNvSpPr txBox="1"/>
+          <p:nvPr/>
+        </p:nvSpPr>
+        <p:spPr>
+          <a:xfrm>
+            <a:off x="2576829" y="6427750"/>
+            <a:ext cx="3178810" cy="252729"/>
+          </a:xfrm>
+          <a:prstGeom prst="rect">
+            <a:avLst/>
+          </a:prstGeom>
+        </p:spPr>
+        <p:txBody>
+          <a:bodyPr vert="horz" wrap="square" lIns="0" tIns="0" rIns="0" bIns="0" rtlCol="0">
+            <a:spAutoFit/>
+          </a:bodyPr>
+          <a:lstStyle/>
+          <a:p>
+            <a:pPr marL="12700" algn="ctr">
+              <a:lnSpc>
+                <a:spcPts val="1864"/>
+              </a:lnSpc>
+            </a:pPr>
+            <a:r>
+              <a:rPr lang="en-US" sz="1600" spc="-5" dirty="0">
+                <a:solidFill>
+                  <a:srgbClr val="41568E"/>
+                </a:solidFill>
+                <a:latin typeface="Arial MT"/>
+                <a:cs typeface="Arial MT"/>
+                <a:hlinkClick r:id="rId2"/>
+              </a:rPr>
+              <a:t>lipe.aguirre@gmail.com</a:t>
+            </a:r>
+            <a:endParaRPr lang="en-US" sz="1600" dirty="0">
+              <a:latin typeface="Arial MT"/>
+              <a:cs typeface="Arial MT"/>
+            </a:endParaRPr>
+          </a:p>
+        </p:txBody>
+      </p:sp>
+      <p:sp>
+        <p:nvSpPr>
+          <p:cNvPr id="7" name="object 3">
+            <a:extLst>
+              <a:ext uri="{FF2B5EF4-FFF2-40B4-BE49-F238E27FC236}">
+                <a16:creationId xmlns:a16="http://schemas.microsoft.com/office/drawing/2014/main" id="{1FF109C2-C9A5-DCF3-B5FE-600F3D359C83}"/>
+              </a:ext>
+            </a:extLst>
+          </p:cNvPr>
+          <p:cNvSpPr txBox="1"/>
+          <p:nvPr/>
+        </p:nvSpPr>
+        <p:spPr>
+          <a:xfrm>
+            <a:off x="464616" y="2204464"/>
+            <a:ext cx="8298384" cy="320601"/>
+          </a:xfrm>
+          <a:prstGeom prst="rect">
+            <a:avLst/>
+          </a:prstGeom>
+        </p:spPr>
+        <p:txBody>
+          <a:bodyPr vert="horz" wrap="square" lIns="0" tIns="12700" rIns="0" bIns="0" rtlCol="0">
+            <a:spAutoFit/>
+          </a:bodyPr>
+          <a:lstStyle/>
+          <a:p>
+            <a:pPr marL="355600" indent="-342900">
+              <a:lnSpc>
+                <a:spcPct val="100000"/>
+              </a:lnSpc>
+              <a:spcBef>
+                <a:spcPts val="100"/>
+              </a:spcBef>
+              <a:buFont typeface="Wingdings"/>
+              <a:buChar char=""/>
+              <a:tabLst>
+                <a:tab pos="354965" algn="l"/>
+                <a:tab pos="355600" algn="l"/>
+              </a:tabLst>
+            </a:pPr>
+            <a:r>
+              <a:rPr lang="es-ES" sz="2000" spc="100" dirty="0">
+                <a:solidFill>
+                  <a:srgbClr val="001F5F"/>
+                </a:solidFill>
+                <a:latin typeface="Arial MT"/>
+                <a:cs typeface="Arial MT"/>
+              </a:rPr>
+              <a:t>Otros casos en campus</a:t>
+            </a:r>
+            <a:endParaRPr lang="es-ES" sz="2000" dirty="0">
+              <a:latin typeface="Arial MT"/>
+              <a:cs typeface="Arial MT"/>
+            </a:endParaRPr>
+          </a:p>
+        </p:txBody>
+      </p:sp>
+    </p:spTree>
+    <p:extLst>
+      <p:ext uri="{BB962C8B-B14F-4D97-AF65-F5344CB8AC3E}">
+        <p14:creationId xmlns:p14="http://schemas.microsoft.com/office/powerpoint/2010/main" val="3046253189"/>
+      </p:ext>
+    </p:extLst>
+  </p:cSld>
+  <p:clrMapOvr>
+    <a:masterClrMapping/>
+  </p:clrMapOvr>
+</p:sld>
+</file>
+
+<file path=ppt/slides/slide23.xml><?xml version="1.0" encoding="utf-8"?>
 <p:sld xmlns:a="http://schemas.openxmlformats.org/drawingml/2006/main" xmlns:r="http://schemas.openxmlformats.org/officeDocument/2006/relationships" xmlns:p="http://schemas.openxmlformats.org/presentationml/2006/main">
   <p:cSld>
     <p:spTree>
@@ -12004,1356 +12183,6 @@
             <a:endParaRPr lang="en-US" sz="1600" dirty="0">
               <a:latin typeface="Arial MT"/>
               <a:cs typeface="Arial MT"/>
-            </a:endParaRPr>
-          </a:p>
-        </p:txBody>
-      </p:sp>
-    </p:spTree>
-  </p:cSld>
-  <p:clrMapOvr>
-    <a:masterClrMapping/>
-  </p:clrMapOvr>
-</p:sld>
-</file>
-
-<file path=ppt/slides/slide22.xml><?xml version="1.0" encoding="utf-8"?>
-<p:sld xmlns:a="http://schemas.openxmlformats.org/drawingml/2006/main" xmlns:r="http://schemas.openxmlformats.org/officeDocument/2006/relationships" xmlns:p="http://schemas.openxmlformats.org/presentationml/2006/main">
-  <p:cSld>
-    <p:spTree>
-      <p:nvGrpSpPr>
-        <p:cNvPr id="1" name=""/>
-        <p:cNvGrpSpPr/>
-        <p:nvPr/>
-      </p:nvGrpSpPr>
-      <p:grpSpPr>
-        <a:xfrm>
-          <a:off x="0" y="0"/>
-          <a:ext cx="0" cy="0"/>
-          <a:chOff x="0" y="0"/>
-          <a:chExt cx="0" cy="0"/>
-        </a:xfrm>
-      </p:grpSpPr>
-      <p:sp>
-        <p:nvSpPr>
-          <p:cNvPr id="2" name="object 2"/>
-          <p:cNvSpPr txBox="1">
-            <a:spLocks noGrp="1"/>
-          </p:cNvSpPr>
-          <p:nvPr>
-            <p:ph type="title"/>
-          </p:nvPr>
-        </p:nvSpPr>
-        <p:spPr>
-          <a:prstGeom prst="rect">
-            <a:avLst/>
-          </a:prstGeom>
-        </p:spPr>
-        <p:txBody>
-          <a:bodyPr vert="horz" wrap="square" lIns="0" tIns="12065" rIns="0" bIns="0" rtlCol="0">
-            <a:spAutoFit/>
-          </a:bodyPr>
-          <a:lstStyle/>
-          <a:p>
-            <a:pPr marL="14604" algn="ctr">
-              <a:lnSpc>
-                <a:spcPct val="100000"/>
-              </a:lnSpc>
-              <a:spcBef>
-                <a:spcPts val="95"/>
-              </a:spcBef>
-            </a:pPr>
-            <a:r>
-              <a:rPr sz="2800" spc="-105" dirty="0"/>
-              <a:t>L</a:t>
-            </a:r>
-            <a:r>
-              <a:rPr sz="2800" spc="-100" dirty="0"/>
-              <a:t>E</a:t>
-            </a:r>
-            <a:r>
-              <a:rPr sz="2800" spc="-105" dirty="0"/>
-              <a:t>C</a:t>
-            </a:r>
-            <a:r>
-              <a:rPr sz="2800" spc="-100" dirty="0"/>
-              <a:t>T</a:t>
-            </a:r>
-            <a:r>
-              <a:rPr sz="2800" spc="-95" dirty="0"/>
-              <a:t>UR</a:t>
-            </a:r>
-            <a:r>
-              <a:rPr sz="2800" spc="-5" dirty="0"/>
-              <a:t>A</a:t>
-            </a:r>
-            <a:r>
-              <a:rPr sz="2800" spc="-225" dirty="0"/>
-              <a:t> </a:t>
-            </a:r>
-            <a:r>
-              <a:rPr sz="2800" spc="-5" dirty="0"/>
-              <a:t>Y</a:t>
-            </a:r>
-            <a:r>
-              <a:rPr sz="2800" spc="-200" dirty="0"/>
-              <a:t> </a:t>
-            </a:r>
-            <a:r>
-              <a:rPr sz="2800" spc="-100" dirty="0"/>
-              <a:t>A</a:t>
-            </a:r>
-            <a:r>
-              <a:rPr sz="2800" spc="-110" dirty="0"/>
-              <a:t>N</a:t>
-            </a:r>
-            <a:r>
-              <a:rPr sz="2800" spc="-100" dirty="0"/>
-              <a:t>A</a:t>
-            </a:r>
-            <a:r>
-              <a:rPr sz="2800" spc="-105" dirty="0"/>
-              <a:t>L</a:t>
-            </a:r>
-            <a:r>
-              <a:rPr sz="2800" spc="-100" dirty="0"/>
-              <a:t>I</a:t>
-            </a:r>
-            <a:r>
-              <a:rPr sz="2800" spc="-105" dirty="0"/>
-              <a:t>S</a:t>
-            </a:r>
-            <a:r>
-              <a:rPr sz="2800" spc="-100" dirty="0"/>
-              <a:t>I</a:t>
-            </a:r>
-            <a:r>
-              <a:rPr sz="2800" spc="-5" dirty="0"/>
-              <a:t>S</a:t>
-            </a:r>
-            <a:r>
-              <a:rPr sz="2800" spc="-210" dirty="0"/>
-              <a:t> </a:t>
-            </a:r>
-            <a:r>
-              <a:rPr sz="2800" spc="-110" dirty="0"/>
-              <a:t>D</a:t>
-            </a:r>
-            <a:r>
-              <a:rPr sz="2800" spc="-5" dirty="0"/>
-              <a:t>E</a:t>
-            </a:r>
-            <a:r>
-              <a:rPr sz="2800" spc="-190" dirty="0"/>
-              <a:t> </a:t>
-            </a:r>
-            <a:r>
-              <a:rPr sz="2800" spc="-105" dirty="0"/>
-              <a:t>C</a:t>
-            </a:r>
-            <a:r>
-              <a:rPr sz="2800" spc="-100" dirty="0"/>
-              <a:t>A</a:t>
-            </a:r>
-            <a:r>
-              <a:rPr sz="2800" spc="-105" dirty="0"/>
-              <a:t>SO</a:t>
-            </a:r>
-            <a:r>
-              <a:rPr sz="2800" spc="-5" dirty="0"/>
-              <a:t>S</a:t>
-            </a:r>
-            <a:endParaRPr sz="2800"/>
-          </a:p>
-          <a:p>
-            <a:pPr marL="14604" algn="ctr">
-              <a:lnSpc>
-                <a:spcPct val="100000"/>
-              </a:lnSpc>
-              <a:spcBef>
-                <a:spcPts val="50"/>
-              </a:spcBef>
-            </a:pPr>
-            <a:r>
-              <a:rPr sz="2100" spc="-95" dirty="0"/>
-              <a:t>O</a:t>
-            </a:r>
-            <a:r>
-              <a:rPr sz="2100" spc="-100" dirty="0"/>
-              <a:t>B</a:t>
-            </a:r>
-            <a:r>
-              <a:rPr sz="2100" spc="-95" dirty="0"/>
-              <a:t>J</a:t>
-            </a:r>
-            <a:r>
-              <a:rPr sz="2100" spc="-105" dirty="0"/>
-              <a:t>E</a:t>
-            </a:r>
-            <a:r>
-              <a:rPr sz="2100" spc="-100" dirty="0"/>
-              <a:t>TIV</a:t>
-            </a:r>
-            <a:r>
-              <a:rPr sz="2100" spc="-95" dirty="0"/>
-              <a:t>O</a:t>
-            </a:r>
-            <a:r>
-              <a:rPr sz="2100" dirty="0"/>
-              <a:t>S</a:t>
-            </a:r>
-            <a:r>
-              <a:rPr sz="2100" spc="-245" dirty="0"/>
-              <a:t> </a:t>
-            </a:r>
-            <a:r>
-              <a:rPr sz="2100" spc="-95" dirty="0"/>
-              <a:t>D</a:t>
-            </a:r>
-            <a:r>
-              <a:rPr sz="2100" dirty="0"/>
-              <a:t>E</a:t>
-            </a:r>
-            <a:r>
-              <a:rPr sz="2100" spc="-204" dirty="0"/>
-              <a:t> </a:t>
-            </a:r>
-            <a:r>
-              <a:rPr sz="2100" spc="-95" dirty="0"/>
-              <a:t>L</a:t>
-            </a:r>
-            <a:r>
-              <a:rPr sz="2100" dirty="0"/>
-              <a:t>A</a:t>
-            </a:r>
-            <a:r>
-              <a:rPr sz="2100" spc="-220" dirty="0"/>
-              <a:t> </a:t>
-            </a:r>
-            <a:r>
-              <a:rPr sz="2100" spc="-100" dirty="0"/>
-              <a:t>ACTIVI</a:t>
-            </a:r>
-            <a:r>
-              <a:rPr sz="2100" spc="-95" dirty="0"/>
-              <a:t>D</a:t>
-            </a:r>
-            <a:r>
-              <a:rPr sz="2100" spc="-100" dirty="0"/>
-              <a:t>A</a:t>
-            </a:r>
-            <a:r>
-              <a:rPr sz="2100" dirty="0"/>
-              <a:t>D</a:t>
-            </a:r>
-            <a:endParaRPr sz="2100"/>
-          </a:p>
-        </p:txBody>
-      </p:sp>
-      <p:sp>
-        <p:nvSpPr>
-          <p:cNvPr id="3" name="object 3"/>
-          <p:cNvSpPr txBox="1"/>
-          <p:nvPr/>
-        </p:nvSpPr>
-        <p:spPr>
-          <a:xfrm>
-            <a:off x="464616" y="2106930"/>
-            <a:ext cx="5358130" cy="330835"/>
-          </a:xfrm>
-          <a:prstGeom prst="rect">
-            <a:avLst/>
-          </a:prstGeom>
-        </p:spPr>
-        <p:txBody>
-          <a:bodyPr vert="horz" wrap="square" lIns="0" tIns="13335" rIns="0" bIns="0" rtlCol="0">
-            <a:spAutoFit/>
-          </a:bodyPr>
-          <a:lstStyle/>
-          <a:p>
-            <a:pPr marL="355600" indent="-342900">
-              <a:lnSpc>
-                <a:spcPct val="100000"/>
-              </a:lnSpc>
-              <a:spcBef>
-                <a:spcPts val="105"/>
-              </a:spcBef>
-              <a:buFont typeface="Arial MT"/>
-              <a:buChar char="•"/>
-              <a:tabLst>
-                <a:tab pos="354965" algn="l"/>
-                <a:tab pos="355600" algn="l"/>
-              </a:tabLst>
-            </a:pPr>
-            <a:r>
-              <a:rPr sz="2000" spc="80" dirty="0">
-                <a:solidFill>
-                  <a:srgbClr val="001F5F"/>
-                </a:solidFill>
-                <a:latin typeface="Calibri"/>
-                <a:cs typeface="Calibri"/>
-              </a:rPr>
-              <a:t>LOS</a:t>
-            </a:r>
-            <a:r>
-              <a:rPr sz="2000" spc="220" dirty="0">
-                <a:solidFill>
-                  <a:srgbClr val="001F5F"/>
-                </a:solidFill>
-                <a:latin typeface="Calibri"/>
-                <a:cs typeface="Calibri"/>
-              </a:rPr>
-              <a:t> </a:t>
-            </a:r>
-            <a:r>
-              <a:rPr sz="2000" dirty="0">
-                <a:solidFill>
-                  <a:srgbClr val="001F5F"/>
-                </a:solidFill>
-                <a:latin typeface="Calibri"/>
-                <a:cs typeface="Calibri"/>
-              </a:rPr>
-              <a:t>7</a:t>
-            </a:r>
-            <a:r>
-              <a:rPr sz="2000" spc="225" dirty="0">
-                <a:solidFill>
-                  <a:srgbClr val="001F5F"/>
-                </a:solidFill>
-                <a:latin typeface="Calibri"/>
-                <a:cs typeface="Calibri"/>
-              </a:rPr>
-              <a:t> </a:t>
-            </a:r>
-            <a:r>
-              <a:rPr sz="2000" spc="85" dirty="0">
-                <a:solidFill>
-                  <a:srgbClr val="001F5F"/>
-                </a:solidFill>
-                <a:latin typeface="Calibri"/>
-                <a:cs typeface="Calibri"/>
-              </a:rPr>
-              <a:t>EJES</a:t>
-            </a:r>
-            <a:r>
-              <a:rPr sz="2000" spc="210" dirty="0">
-                <a:solidFill>
-                  <a:srgbClr val="001F5F"/>
-                </a:solidFill>
-                <a:latin typeface="Calibri"/>
-                <a:cs typeface="Calibri"/>
-              </a:rPr>
-              <a:t> </a:t>
-            </a:r>
-            <a:r>
-              <a:rPr sz="2000" spc="60" dirty="0">
-                <a:solidFill>
-                  <a:srgbClr val="001F5F"/>
-                </a:solidFill>
-                <a:latin typeface="Calibri"/>
-                <a:cs typeface="Calibri"/>
-              </a:rPr>
-              <a:t>EN</a:t>
-            </a:r>
-            <a:r>
-              <a:rPr sz="2000" spc="210" dirty="0">
-                <a:solidFill>
-                  <a:srgbClr val="001F5F"/>
-                </a:solidFill>
-                <a:latin typeface="Calibri"/>
-                <a:cs typeface="Calibri"/>
-              </a:rPr>
-              <a:t> </a:t>
-            </a:r>
-            <a:r>
-              <a:rPr sz="2000" spc="85" dirty="0">
-                <a:solidFill>
-                  <a:srgbClr val="001F5F"/>
-                </a:solidFill>
-                <a:latin typeface="Calibri"/>
-                <a:cs typeface="Calibri"/>
-              </a:rPr>
-              <a:t>ESTE</a:t>
-            </a:r>
-            <a:r>
-              <a:rPr sz="2000" spc="220" dirty="0">
-                <a:solidFill>
-                  <a:srgbClr val="001F5F"/>
-                </a:solidFill>
-                <a:latin typeface="Calibri"/>
-                <a:cs typeface="Calibri"/>
-              </a:rPr>
-              <a:t> </a:t>
-            </a:r>
-            <a:r>
-              <a:rPr sz="2000" spc="95" dirty="0">
-                <a:solidFill>
-                  <a:srgbClr val="001F5F"/>
-                </a:solidFill>
-                <a:latin typeface="Calibri"/>
-                <a:cs typeface="Calibri"/>
-              </a:rPr>
-              <a:t>CASO…</a:t>
-            </a:r>
-            <a:r>
-              <a:rPr sz="2000" spc="204" dirty="0">
-                <a:solidFill>
-                  <a:srgbClr val="001F5F"/>
-                </a:solidFill>
-                <a:latin typeface="Calibri"/>
-                <a:cs typeface="Calibri"/>
-              </a:rPr>
-              <a:t> </a:t>
-            </a:r>
-            <a:r>
-              <a:rPr sz="2000" spc="95" dirty="0">
-                <a:solidFill>
-                  <a:srgbClr val="001F5F"/>
-                </a:solidFill>
-                <a:latin typeface="Calibri"/>
-                <a:cs typeface="Calibri"/>
-              </a:rPr>
-              <a:t>DONDE</a:t>
-            </a:r>
-            <a:r>
-              <a:rPr sz="2000" spc="190" dirty="0">
-                <a:solidFill>
-                  <a:srgbClr val="001F5F"/>
-                </a:solidFill>
-                <a:latin typeface="Calibri"/>
-                <a:cs typeface="Calibri"/>
-              </a:rPr>
-              <a:t> </a:t>
-            </a:r>
-            <a:r>
-              <a:rPr sz="2000" spc="100" dirty="0">
-                <a:solidFill>
-                  <a:srgbClr val="001F5F"/>
-                </a:solidFill>
-                <a:latin typeface="Calibri"/>
-                <a:cs typeface="Calibri"/>
-              </a:rPr>
-              <a:t>ESTÁN?</a:t>
-            </a:r>
-            <a:endParaRPr sz="2000">
-              <a:latin typeface="Calibri"/>
-              <a:cs typeface="Calibri"/>
-            </a:endParaRPr>
-          </a:p>
-        </p:txBody>
-      </p:sp>
-      <p:pic>
-        <p:nvPicPr>
-          <p:cNvPr id="4" name="object 4"/>
-          <p:cNvPicPr/>
-          <p:nvPr/>
-        </p:nvPicPr>
-        <p:blipFill>
-          <a:blip r:embed="rId2" cstate="print"/>
-          <a:stretch>
-            <a:fillRect/>
-          </a:stretch>
-        </p:blipFill>
-        <p:spPr>
-          <a:xfrm>
-            <a:off x="1859279" y="2714244"/>
-            <a:ext cx="4643628" cy="3040379"/>
-          </a:xfrm>
-          <a:prstGeom prst="rect">
-            <a:avLst/>
-          </a:prstGeom>
-        </p:spPr>
-      </p:pic>
-      <p:sp>
-        <p:nvSpPr>
-          <p:cNvPr id="5" name="object 5"/>
-          <p:cNvSpPr txBox="1"/>
-          <p:nvPr/>
-        </p:nvSpPr>
-        <p:spPr>
-          <a:xfrm>
-            <a:off x="2576829" y="6427750"/>
-            <a:ext cx="3178810" cy="252729"/>
-          </a:xfrm>
-          <a:prstGeom prst="rect">
-            <a:avLst/>
-          </a:prstGeom>
-        </p:spPr>
-        <p:txBody>
-          <a:bodyPr vert="horz" wrap="square" lIns="0" tIns="0" rIns="0" bIns="0" rtlCol="0">
-            <a:spAutoFit/>
-          </a:bodyPr>
-          <a:lstStyle/>
-          <a:p>
-            <a:pPr marL="12700" algn="ctr">
-              <a:lnSpc>
-                <a:spcPts val="1864"/>
-              </a:lnSpc>
-            </a:pPr>
-            <a:r>
-              <a:rPr lang="en-US" sz="1600" spc="-5" dirty="0">
-                <a:solidFill>
-                  <a:srgbClr val="41568E"/>
-                </a:solidFill>
-                <a:latin typeface="Arial MT"/>
-                <a:cs typeface="Arial MT"/>
-                <a:hlinkClick r:id="rId3"/>
-              </a:rPr>
-              <a:t>lipe.aguirre@gmail.com</a:t>
-            </a:r>
-            <a:endParaRPr lang="en-US" sz="1600" dirty="0">
-              <a:latin typeface="Arial MT"/>
-              <a:cs typeface="Arial MT"/>
-            </a:endParaRPr>
-          </a:p>
-        </p:txBody>
-      </p:sp>
-    </p:spTree>
-  </p:cSld>
-  <p:clrMapOvr>
-    <a:masterClrMapping/>
-  </p:clrMapOvr>
-</p:sld>
-</file>
-
-<file path=ppt/slides/slide23.xml><?xml version="1.0" encoding="utf-8"?>
-<p:sld xmlns:a="http://schemas.openxmlformats.org/drawingml/2006/main" xmlns:r="http://schemas.openxmlformats.org/officeDocument/2006/relationships" xmlns:p="http://schemas.openxmlformats.org/presentationml/2006/main">
-  <p:cSld>
-    <p:spTree>
-      <p:nvGrpSpPr>
-        <p:cNvPr id="1" name=""/>
-        <p:cNvGrpSpPr/>
-        <p:nvPr/>
-      </p:nvGrpSpPr>
-      <p:grpSpPr>
-        <a:xfrm>
-          <a:off x="0" y="0"/>
-          <a:ext cx="0" cy="0"/>
-          <a:chOff x="0" y="0"/>
-          <a:chExt cx="0" cy="0"/>
-        </a:xfrm>
-      </p:grpSpPr>
-      <p:sp>
-        <p:nvSpPr>
-          <p:cNvPr id="2" name="object 2"/>
-          <p:cNvSpPr txBox="1">
-            <a:spLocks noGrp="1"/>
-          </p:cNvSpPr>
-          <p:nvPr>
-            <p:ph type="title"/>
-          </p:nvPr>
-        </p:nvSpPr>
-        <p:spPr>
-          <a:prstGeom prst="rect">
-            <a:avLst/>
-          </a:prstGeom>
-        </p:spPr>
-        <p:txBody>
-          <a:bodyPr vert="horz" wrap="square" lIns="0" tIns="12065" rIns="0" bIns="0" rtlCol="0">
-            <a:spAutoFit/>
-          </a:bodyPr>
-          <a:lstStyle/>
-          <a:p>
-            <a:pPr marL="13335" algn="ctr">
-              <a:lnSpc>
-                <a:spcPct val="100000"/>
-              </a:lnSpc>
-              <a:spcBef>
-                <a:spcPts val="95"/>
-              </a:spcBef>
-            </a:pPr>
-            <a:r>
-              <a:rPr spc="-105" dirty="0"/>
-              <a:t>C</a:t>
-            </a:r>
-            <a:r>
-              <a:rPr spc="-110" dirty="0"/>
-              <a:t>U</a:t>
-            </a:r>
-            <a:r>
-              <a:rPr spc="-100" dirty="0"/>
-              <a:t>ES</a:t>
-            </a:r>
-            <a:r>
-              <a:rPr spc="-110" dirty="0"/>
-              <a:t>T</a:t>
-            </a:r>
-            <a:r>
-              <a:rPr spc="-105" dirty="0"/>
-              <a:t>I</a:t>
-            </a:r>
-            <a:r>
-              <a:rPr spc="-100" dirty="0"/>
-              <a:t>O</a:t>
-            </a:r>
-            <a:r>
-              <a:rPr spc="-105" dirty="0"/>
-              <a:t>N</a:t>
-            </a:r>
-            <a:r>
-              <a:rPr spc="-110" dirty="0"/>
-              <a:t>A</a:t>
-            </a:r>
-            <a:r>
-              <a:rPr spc="-100" dirty="0"/>
-              <a:t>R</a:t>
-            </a:r>
-            <a:r>
-              <a:rPr spc="-105" dirty="0"/>
-              <a:t>I</a:t>
-            </a:r>
-            <a:r>
-              <a:rPr spc="-5" dirty="0"/>
-              <a:t>O</a:t>
-            </a:r>
-            <a:r>
-              <a:rPr spc="-229" dirty="0"/>
-              <a:t> </a:t>
-            </a:r>
-            <a:r>
-              <a:rPr spc="-110" dirty="0"/>
-              <a:t>16P</a:t>
-            </a:r>
-            <a:r>
-              <a:rPr spc="-5" dirty="0"/>
-              <a:t>F</a:t>
-            </a:r>
-          </a:p>
-          <a:p>
-            <a:pPr marL="13335" algn="ctr">
-              <a:lnSpc>
-                <a:spcPct val="100000"/>
-              </a:lnSpc>
-            </a:pPr>
-            <a:r>
-              <a:rPr spc="-95" dirty="0"/>
-              <a:t>ARTÍCULOS</a:t>
-            </a:r>
-            <a:r>
-              <a:rPr spc="-200" dirty="0"/>
-              <a:t> </a:t>
-            </a:r>
-            <a:r>
-              <a:rPr spc="-95" dirty="0"/>
-              <a:t>CIENTÍFICOS</a:t>
-            </a:r>
-            <a:r>
-              <a:rPr spc="-240" dirty="0"/>
-              <a:t> </a:t>
-            </a:r>
-            <a:r>
-              <a:rPr spc="-70" dirty="0"/>
-              <a:t>QUE</a:t>
-            </a:r>
-            <a:r>
-              <a:rPr spc="-185" dirty="0"/>
-              <a:t> </a:t>
-            </a:r>
-            <a:r>
-              <a:rPr spc="-95" dirty="0"/>
-              <a:t>APLICAN</a:t>
-            </a:r>
-            <a:r>
-              <a:rPr spc="-185" dirty="0"/>
-              <a:t> </a:t>
-            </a:r>
-            <a:r>
-              <a:rPr spc="-50" dirty="0"/>
-              <a:t>EL</a:t>
-            </a:r>
-            <a:r>
-              <a:rPr spc="-204" dirty="0"/>
-              <a:t> </a:t>
-            </a:r>
-            <a:r>
-              <a:rPr spc="-80" dirty="0"/>
-              <a:t>TEST</a:t>
-            </a:r>
-          </a:p>
-        </p:txBody>
-      </p:sp>
-      <p:sp>
-        <p:nvSpPr>
-          <p:cNvPr id="4" name="object 4"/>
-          <p:cNvSpPr txBox="1"/>
-          <p:nvPr/>
-        </p:nvSpPr>
-        <p:spPr>
-          <a:xfrm>
-            <a:off x="2576829" y="6427750"/>
-            <a:ext cx="3178810" cy="252729"/>
-          </a:xfrm>
-          <a:prstGeom prst="rect">
-            <a:avLst/>
-          </a:prstGeom>
-        </p:spPr>
-        <p:txBody>
-          <a:bodyPr vert="horz" wrap="square" lIns="0" tIns="0" rIns="0" bIns="0" rtlCol="0">
-            <a:spAutoFit/>
-          </a:bodyPr>
-          <a:lstStyle/>
-          <a:p>
-            <a:pPr marL="12700" algn="ctr">
-              <a:lnSpc>
-                <a:spcPts val="1864"/>
-              </a:lnSpc>
-            </a:pPr>
-            <a:r>
-              <a:rPr lang="en-US" sz="1600" spc="-5" dirty="0">
-                <a:solidFill>
-                  <a:srgbClr val="41568E"/>
-                </a:solidFill>
-                <a:latin typeface="Arial MT"/>
-                <a:cs typeface="Arial MT"/>
-                <a:hlinkClick r:id="rId2"/>
-              </a:rPr>
-              <a:t>lipe.aguirre@gmail.com</a:t>
-            </a:r>
-            <a:endParaRPr lang="en-US" sz="1600" dirty="0">
-              <a:latin typeface="Arial MT"/>
-              <a:cs typeface="Arial MT"/>
-            </a:endParaRPr>
-          </a:p>
-        </p:txBody>
-      </p:sp>
-      <p:sp>
-        <p:nvSpPr>
-          <p:cNvPr id="3" name="object 3"/>
-          <p:cNvSpPr txBox="1"/>
-          <p:nvPr/>
-        </p:nvSpPr>
-        <p:spPr>
-          <a:xfrm>
-            <a:off x="464616" y="2507107"/>
-            <a:ext cx="7779384" cy="1322070"/>
-          </a:xfrm>
-          <a:prstGeom prst="rect">
-            <a:avLst/>
-          </a:prstGeom>
-        </p:spPr>
-        <p:txBody>
-          <a:bodyPr vert="horz" wrap="square" lIns="0" tIns="13335" rIns="0" bIns="0" rtlCol="0">
-            <a:spAutoFit/>
-          </a:bodyPr>
-          <a:lstStyle/>
-          <a:p>
-            <a:pPr marL="355600" marR="426720" indent="-342900">
-              <a:lnSpc>
-                <a:spcPct val="100000"/>
-              </a:lnSpc>
-              <a:spcBef>
-                <a:spcPts val="105"/>
-              </a:spcBef>
-              <a:buFont typeface="Arial MT"/>
-              <a:buChar char="•"/>
-              <a:tabLst>
-                <a:tab pos="354965" algn="l"/>
-                <a:tab pos="355600" algn="l"/>
-              </a:tabLst>
-            </a:pPr>
-            <a:r>
-              <a:rPr sz="2000" spc="105" dirty="0">
-                <a:solidFill>
-                  <a:srgbClr val="001F5F"/>
-                </a:solidFill>
-                <a:latin typeface="Calibri"/>
-                <a:cs typeface="Calibri"/>
-              </a:rPr>
-              <a:t>“DIFERENCIAS</a:t>
-            </a:r>
-            <a:r>
-              <a:rPr sz="2000" spc="210" dirty="0">
-                <a:solidFill>
-                  <a:srgbClr val="001F5F"/>
-                </a:solidFill>
-                <a:latin typeface="Calibri"/>
-                <a:cs typeface="Calibri"/>
-              </a:rPr>
-              <a:t> </a:t>
-            </a:r>
-            <a:r>
-              <a:rPr sz="2000" spc="60" dirty="0">
-                <a:solidFill>
-                  <a:srgbClr val="001F5F"/>
-                </a:solidFill>
-                <a:latin typeface="Calibri"/>
-                <a:cs typeface="Calibri"/>
-              </a:rPr>
-              <a:t>DE</a:t>
-            </a:r>
-            <a:r>
-              <a:rPr sz="2000" spc="225" dirty="0">
-                <a:solidFill>
-                  <a:srgbClr val="001F5F"/>
-                </a:solidFill>
-                <a:latin typeface="Calibri"/>
-                <a:cs typeface="Calibri"/>
-              </a:rPr>
-              <a:t> </a:t>
-            </a:r>
-            <a:r>
-              <a:rPr sz="2000" spc="105" dirty="0">
-                <a:solidFill>
-                  <a:srgbClr val="001F5F"/>
-                </a:solidFill>
-                <a:latin typeface="Calibri"/>
-                <a:cs typeface="Calibri"/>
-              </a:rPr>
-              <a:t>PERSONALIDAD</a:t>
-            </a:r>
-            <a:r>
-              <a:rPr sz="2000" spc="200" dirty="0">
-                <a:solidFill>
-                  <a:srgbClr val="001F5F"/>
-                </a:solidFill>
-                <a:latin typeface="Calibri"/>
-                <a:cs typeface="Calibri"/>
-              </a:rPr>
-              <a:t> </a:t>
-            </a:r>
-            <a:r>
-              <a:rPr sz="2000" spc="95" dirty="0">
-                <a:solidFill>
-                  <a:srgbClr val="001F5F"/>
-                </a:solidFill>
-                <a:latin typeface="Calibri"/>
-                <a:cs typeface="Calibri"/>
-              </a:rPr>
-              <a:t>ENTRE</a:t>
-            </a:r>
-            <a:r>
-              <a:rPr sz="2000" spc="210" dirty="0">
-                <a:solidFill>
-                  <a:srgbClr val="001F5F"/>
-                </a:solidFill>
-                <a:latin typeface="Calibri"/>
-                <a:cs typeface="Calibri"/>
-              </a:rPr>
-              <a:t> </a:t>
-            </a:r>
-            <a:r>
-              <a:rPr sz="2000" spc="105" dirty="0">
-                <a:solidFill>
-                  <a:srgbClr val="001F5F"/>
-                </a:solidFill>
-                <a:latin typeface="Calibri"/>
-                <a:cs typeface="Calibri"/>
-              </a:rPr>
-              <a:t>DEPORTISTAS</a:t>
-            </a:r>
-            <a:r>
-              <a:rPr sz="2000" spc="210" dirty="0">
-                <a:solidFill>
-                  <a:srgbClr val="001F5F"/>
-                </a:solidFill>
-                <a:latin typeface="Calibri"/>
-                <a:cs typeface="Calibri"/>
-              </a:rPr>
-              <a:t> </a:t>
-            </a:r>
-            <a:r>
-              <a:rPr sz="2000" dirty="0">
-                <a:solidFill>
-                  <a:srgbClr val="001F5F"/>
-                </a:solidFill>
-                <a:latin typeface="Calibri"/>
-                <a:cs typeface="Calibri"/>
-              </a:rPr>
-              <a:t>Y</a:t>
-            </a:r>
-            <a:r>
-              <a:rPr sz="2000" spc="240" dirty="0">
-                <a:solidFill>
-                  <a:srgbClr val="001F5F"/>
-                </a:solidFill>
-                <a:latin typeface="Calibri"/>
-                <a:cs typeface="Calibri"/>
-              </a:rPr>
-              <a:t> </a:t>
-            </a:r>
-            <a:r>
-              <a:rPr sz="2000" spc="60" dirty="0">
-                <a:solidFill>
-                  <a:srgbClr val="001F5F"/>
-                </a:solidFill>
-                <a:latin typeface="Calibri"/>
-                <a:cs typeface="Calibri"/>
-              </a:rPr>
-              <a:t>NO </a:t>
-            </a:r>
-            <a:r>
-              <a:rPr sz="2000" spc="-434" dirty="0">
-                <a:solidFill>
-                  <a:srgbClr val="001F5F"/>
-                </a:solidFill>
-                <a:latin typeface="Calibri"/>
-                <a:cs typeface="Calibri"/>
-              </a:rPr>
-              <a:t> </a:t>
-            </a:r>
-            <a:r>
-              <a:rPr sz="2000" spc="105" dirty="0">
-                <a:solidFill>
-                  <a:srgbClr val="001F5F"/>
-                </a:solidFill>
-                <a:latin typeface="Calibri"/>
-                <a:cs typeface="Calibri"/>
-              </a:rPr>
-              <a:t>DEPORTISTAS,</a:t>
-            </a:r>
-            <a:r>
-              <a:rPr sz="2000" spc="200" dirty="0">
-                <a:solidFill>
-                  <a:srgbClr val="001F5F"/>
-                </a:solidFill>
-                <a:latin typeface="Calibri"/>
-                <a:cs typeface="Calibri"/>
-              </a:rPr>
-              <a:t> </a:t>
-            </a:r>
-            <a:r>
-              <a:rPr sz="2000" dirty="0">
-                <a:solidFill>
-                  <a:srgbClr val="001F5F"/>
-                </a:solidFill>
-                <a:latin typeface="Calibri"/>
-                <a:cs typeface="Calibri"/>
-              </a:rPr>
-              <a:t>A</a:t>
-            </a:r>
-            <a:r>
-              <a:rPr sz="2000" spc="245" dirty="0">
-                <a:solidFill>
-                  <a:srgbClr val="001F5F"/>
-                </a:solidFill>
-                <a:latin typeface="Calibri"/>
-                <a:cs typeface="Calibri"/>
-              </a:rPr>
-              <a:t> </a:t>
-            </a:r>
-            <a:r>
-              <a:rPr sz="2000" spc="100" dirty="0">
-                <a:solidFill>
-                  <a:srgbClr val="001F5F"/>
-                </a:solidFill>
-                <a:latin typeface="Calibri"/>
-                <a:cs typeface="Calibri"/>
-              </a:rPr>
-              <a:t>TRAVÉS</a:t>
-            </a:r>
-            <a:r>
-              <a:rPr sz="2000" spc="215" dirty="0">
-                <a:solidFill>
-                  <a:srgbClr val="001F5F"/>
-                </a:solidFill>
-                <a:latin typeface="Calibri"/>
-                <a:cs typeface="Calibri"/>
-              </a:rPr>
-              <a:t> </a:t>
-            </a:r>
-            <a:r>
-              <a:rPr sz="2000" spc="80" dirty="0">
-                <a:solidFill>
-                  <a:srgbClr val="001F5F"/>
-                </a:solidFill>
-                <a:latin typeface="Calibri"/>
-                <a:cs typeface="Calibri"/>
-              </a:rPr>
-              <a:t>DEL</a:t>
-            </a:r>
-            <a:r>
-              <a:rPr sz="2000" spc="210" dirty="0">
-                <a:solidFill>
-                  <a:srgbClr val="001F5F"/>
-                </a:solidFill>
-                <a:latin typeface="Calibri"/>
-                <a:cs typeface="Calibri"/>
-              </a:rPr>
-              <a:t> </a:t>
-            </a:r>
-            <a:r>
-              <a:rPr sz="2000" spc="100" dirty="0">
-                <a:solidFill>
-                  <a:srgbClr val="001F5F"/>
-                </a:solidFill>
-                <a:latin typeface="Calibri"/>
-                <a:cs typeface="Calibri"/>
-              </a:rPr>
-              <a:t>16PF”,</a:t>
-            </a:r>
-            <a:r>
-              <a:rPr sz="2000" spc="215" dirty="0">
-                <a:solidFill>
-                  <a:srgbClr val="001F5F"/>
-                </a:solidFill>
-                <a:latin typeface="Calibri"/>
-                <a:cs typeface="Calibri"/>
-              </a:rPr>
-              <a:t> </a:t>
-            </a:r>
-            <a:r>
-              <a:rPr sz="2000" spc="95" dirty="0">
-                <a:solidFill>
-                  <a:srgbClr val="001F5F"/>
-                </a:solidFill>
-                <a:latin typeface="Calibri"/>
-                <a:cs typeface="Calibri"/>
-              </a:rPr>
-              <a:t>FÉLIX</a:t>
-            </a:r>
-            <a:r>
-              <a:rPr sz="2000" spc="215" dirty="0">
-                <a:solidFill>
-                  <a:srgbClr val="001F5F"/>
-                </a:solidFill>
-                <a:latin typeface="Calibri"/>
-                <a:cs typeface="Calibri"/>
-              </a:rPr>
-              <a:t> </a:t>
-            </a:r>
-            <a:r>
-              <a:rPr sz="2000" spc="100" dirty="0">
-                <a:solidFill>
-                  <a:srgbClr val="001F5F"/>
-                </a:solidFill>
-                <a:latin typeface="Calibri"/>
-                <a:cs typeface="Calibri"/>
-              </a:rPr>
-              <a:t>GARCÍA,</a:t>
-            </a:r>
-            <a:r>
-              <a:rPr sz="2000" spc="210" dirty="0">
-                <a:solidFill>
-                  <a:srgbClr val="001F5F"/>
-                </a:solidFill>
-                <a:latin typeface="Calibri"/>
-                <a:cs typeface="Calibri"/>
-              </a:rPr>
-              <a:t> </a:t>
-            </a:r>
-            <a:r>
-              <a:rPr sz="2000" spc="95" dirty="0">
-                <a:solidFill>
-                  <a:srgbClr val="001F5F"/>
-                </a:solidFill>
-                <a:latin typeface="Calibri"/>
-                <a:cs typeface="Calibri"/>
-              </a:rPr>
-              <a:t>2007.</a:t>
-            </a:r>
-            <a:endParaRPr sz="2000">
-              <a:latin typeface="Calibri"/>
-              <a:cs typeface="Calibri"/>
-            </a:endParaRPr>
-          </a:p>
-          <a:p>
-            <a:pPr marL="355600" indent="-342900">
-              <a:lnSpc>
-                <a:spcPct val="100000"/>
-              </a:lnSpc>
-              <a:spcBef>
-                <a:spcPts val="600"/>
-              </a:spcBef>
-              <a:buFont typeface="Arial MT"/>
-              <a:buChar char="•"/>
-              <a:tabLst>
-                <a:tab pos="354965" algn="l"/>
-                <a:tab pos="355600" algn="l"/>
-              </a:tabLst>
-            </a:pPr>
-            <a:r>
-              <a:rPr sz="2000" spc="105" dirty="0">
-                <a:solidFill>
-                  <a:srgbClr val="001F5F"/>
-                </a:solidFill>
-                <a:latin typeface="Calibri"/>
-                <a:cs typeface="Calibri"/>
-              </a:rPr>
-              <a:t>“ANÁLISIS</a:t>
-            </a:r>
-            <a:r>
-              <a:rPr sz="2000" spc="215" dirty="0">
-                <a:solidFill>
-                  <a:srgbClr val="001F5F"/>
-                </a:solidFill>
-                <a:latin typeface="Calibri"/>
-                <a:cs typeface="Calibri"/>
-              </a:rPr>
-              <a:t> </a:t>
-            </a:r>
-            <a:r>
-              <a:rPr sz="2000" spc="105" dirty="0">
-                <a:solidFill>
-                  <a:srgbClr val="001F5F"/>
-                </a:solidFill>
-                <a:latin typeface="Calibri"/>
-                <a:cs typeface="Calibri"/>
-              </a:rPr>
-              <a:t>DESCRIPTIVO</a:t>
-            </a:r>
-            <a:r>
-              <a:rPr sz="2000" spc="195" dirty="0">
-                <a:solidFill>
-                  <a:srgbClr val="001F5F"/>
-                </a:solidFill>
-                <a:latin typeface="Calibri"/>
-                <a:cs typeface="Calibri"/>
-              </a:rPr>
-              <a:t> </a:t>
-            </a:r>
-            <a:r>
-              <a:rPr sz="2000" dirty="0">
-                <a:solidFill>
-                  <a:srgbClr val="001F5F"/>
-                </a:solidFill>
-                <a:latin typeface="Calibri"/>
-                <a:cs typeface="Calibri"/>
-              </a:rPr>
-              <a:t>Y</a:t>
-            </a:r>
-            <a:r>
-              <a:rPr sz="2000" spc="235" dirty="0">
-                <a:solidFill>
-                  <a:srgbClr val="001F5F"/>
-                </a:solidFill>
-                <a:latin typeface="Calibri"/>
-                <a:cs typeface="Calibri"/>
-              </a:rPr>
-              <a:t> </a:t>
-            </a:r>
-            <a:r>
-              <a:rPr sz="2000" spc="105" dirty="0">
-                <a:solidFill>
-                  <a:srgbClr val="001F5F"/>
-                </a:solidFill>
-                <a:latin typeface="Calibri"/>
-                <a:cs typeface="Calibri"/>
-              </a:rPr>
-              <a:t>COMPARATIVO</a:t>
-            </a:r>
-            <a:r>
-              <a:rPr sz="2000" spc="204" dirty="0">
-                <a:solidFill>
-                  <a:srgbClr val="001F5F"/>
-                </a:solidFill>
-                <a:latin typeface="Calibri"/>
-                <a:cs typeface="Calibri"/>
-              </a:rPr>
-              <a:t> </a:t>
-            </a:r>
-            <a:r>
-              <a:rPr sz="2000" spc="80" dirty="0">
-                <a:solidFill>
-                  <a:srgbClr val="001F5F"/>
-                </a:solidFill>
-                <a:latin typeface="Calibri"/>
-                <a:cs typeface="Calibri"/>
-              </a:rPr>
-              <a:t>DEL</a:t>
-            </a:r>
-            <a:r>
-              <a:rPr sz="2000" spc="195" dirty="0">
-                <a:solidFill>
-                  <a:srgbClr val="001F5F"/>
-                </a:solidFill>
-                <a:latin typeface="Calibri"/>
-                <a:cs typeface="Calibri"/>
-              </a:rPr>
-              <a:t> </a:t>
-            </a:r>
-            <a:r>
-              <a:rPr sz="2000" spc="114" dirty="0">
-                <a:solidFill>
-                  <a:srgbClr val="001F5F"/>
-                </a:solidFill>
-                <a:latin typeface="Calibri"/>
-                <a:cs typeface="Calibri"/>
-              </a:rPr>
-              <a:t>16PF-5</a:t>
-            </a:r>
-            <a:r>
-              <a:rPr sz="2000" spc="229" dirty="0">
-                <a:solidFill>
-                  <a:srgbClr val="001F5F"/>
-                </a:solidFill>
-                <a:latin typeface="Calibri"/>
-                <a:cs typeface="Calibri"/>
-              </a:rPr>
-              <a:t> </a:t>
-            </a:r>
-            <a:r>
-              <a:rPr sz="2000" spc="60" dirty="0">
-                <a:solidFill>
-                  <a:srgbClr val="001F5F"/>
-                </a:solidFill>
-                <a:latin typeface="Calibri"/>
-                <a:cs typeface="Calibri"/>
-              </a:rPr>
-              <a:t>EN</a:t>
-            </a:r>
-            <a:endParaRPr sz="2000">
-              <a:latin typeface="Calibri"/>
-              <a:cs typeface="Calibri"/>
-            </a:endParaRPr>
-          </a:p>
-          <a:p>
-            <a:pPr marL="355600">
-              <a:lnSpc>
-                <a:spcPct val="100000"/>
-              </a:lnSpc>
-            </a:pPr>
-            <a:r>
-              <a:rPr sz="2000" spc="105" dirty="0">
-                <a:solidFill>
-                  <a:srgbClr val="001F5F"/>
-                </a:solidFill>
-                <a:latin typeface="Calibri"/>
-                <a:cs typeface="Calibri"/>
-              </a:rPr>
-              <a:t>MUESTRAS</a:t>
-            </a:r>
-            <a:r>
-              <a:rPr sz="2000" spc="229" dirty="0">
-                <a:solidFill>
-                  <a:srgbClr val="001F5F"/>
-                </a:solidFill>
-                <a:latin typeface="Calibri"/>
-                <a:cs typeface="Calibri"/>
-              </a:rPr>
-              <a:t> </a:t>
-            </a:r>
-            <a:r>
-              <a:rPr sz="2000" spc="105" dirty="0">
-                <a:solidFill>
-                  <a:srgbClr val="001F5F"/>
-                </a:solidFill>
-                <a:latin typeface="Calibri"/>
-                <a:cs typeface="Calibri"/>
-              </a:rPr>
-              <a:t>AMERICANAS</a:t>
-            </a:r>
-            <a:r>
-              <a:rPr sz="2000" spc="204" dirty="0">
-                <a:solidFill>
-                  <a:srgbClr val="001F5F"/>
-                </a:solidFill>
-                <a:latin typeface="Calibri"/>
-                <a:cs typeface="Calibri"/>
-              </a:rPr>
-              <a:t> </a:t>
-            </a:r>
-            <a:r>
-              <a:rPr sz="2000" dirty="0">
-                <a:solidFill>
-                  <a:srgbClr val="001F5F"/>
-                </a:solidFill>
-                <a:latin typeface="Calibri"/>
-                <a:cs typeface="Calibri"/>
-              </a:rPr>
-              <a:t>Y</a:t>
-            </a:r>
-            <a:r>
-              <a:rPr sz="2000" spc="240" dirty="0">
-                <a:solidFill>
-                  <a:srgbClr val="001F5F"/>
-                </a:solidFill>
-                <a:latin typeface="Calibri"/>
-                <a:cs typeface="Calibri"/>
-              </a:rPr>
-              <a:t> </a:t>
-            </a:r>
-            <a:r>
-              <a:rPr sz="2000" spc="105" dirty="0">
-                <a:solidFill>
-                  <a:srgbClr val="001F5F"/>
-                </a:solidFill>
-                <a:latin typeface="Calibri"/>
-                <a:cs typeface="Calibri"/>
-              </a:rPr>
-              <a:t>ESPAÑOLA”,</a:t>
-            </a:r>
-            <a:r>
-              <a:rPr sz="2000" spc="204" dirty="0">
-                <a:solidFill>
-                  <a:srgbClr val="001F5F"/>
-                </a:solidFill>
-                <a:latin typeface="Calibri"/>
-                <a:cs typeface="Calibri"/>
-              </a:rPr>
-              <a:t> </a:t>
-            </a:r>
-            <a:r>
-              <a:rPr sz="2000" spc="90" dirty="0">
-                <a:solidFill>
-                  <a:srgbClr val="001F5F"/>
-                </a:solidFill>
-                <a:latin typeface="Calibri"/>
-                <a:cs typeface="Calibri"/>
-              </a:rPr>
-              <a:t>ALUJA</a:t>
-            </a:r>
-            <a:r>
-              <a:rPr sz="2000" spc="235" dirty="0">
-                <a:solidFill>
-                  <a:srgbClr val="001F5F"/>
-                </a:solidFill>
-                <a:latin typeface="Calibri"/>
-                <a:cs typeface="Calibri"/>
-              </a:rPr>
-              <a:t> </a:t>
-            </a:r>
-            <a:r>
-              <a:rPr sz="2000" dirty="0">
-                <a:solidFill>
-                  <a:srgbClr val="001F5F"/>
-                </a:solidFill>
-                <a:latin typeface="Calibri"/>
-                <a:cs typeface="Calibri"/>
-              </a:rPr>
-              <a:t>Y</a:t>
-            </a:r>
-            <a:r>
-              <a:rPr sz="2000" spc="235" dirty="0">
-                <a:solidFill>
-                  <a:srgbClr val="001F5F"/>
-                </a:solidFill>
-                <a:latin typeface="Calibri"/>
-                <a:cs typeface="Calibri"/>
-              </a:rPr>
-              <a:t> </a:t>
-            </a:r>
-            <a:r>
-              <a:rPr sz="2000" spc="100" dirty="0">
-                <a:solidFill>
-                  <a:srgbClr val="001F5F"/>
-                </a:solidFill>
-                <a:latin typeface="Calibri"/>
-                <a:cs typeface="Calibri"/>
-              </a:rPr>
-              <a:t>BLANCH,</a:t>
-            </a:r>
-            <a:r>
-              <a:rPr sz="2000" spc="210" dirty="0">
-                <a:solidFill>
-                  <a:srgbClr val="001F5F"/>
-                </a:solidFill>
-                <a:latin typeface="Calibri"/>
-                <a:cs typeface="Calibri"/>
-              </a:rPr>
-              <a:t> </a:t>
-            </a:r>
-            <a:r>
-              <a:rPr sz="2000" spc="95" dirty="0">
-                <a:solidFill>
-                  <a:srgbClr val="001F5F"/>
-                </a:solidFill>
-                <a:latin typeface="Calibri"/>
-                <a:cs typeface="Calibri"/>
-              </a:rPr>
-              <a:t>2002.</a:t>
-            </a:r>
-            <a:endParaRPr sz="2000">
-              <a:latin typeface="Calibri"/>
-              <a:cs typeface="Calibri"/>
             </a:endParaRPr>
           </a:p>
         </p:txBody>
@@ -13412,6 +12241,1356 @@
                 <a:spcPts val="95"/>
               </a:spcBef>
             </a:pPr>
+            <a:r>
+              <a:rPr sz="2800" spc="-105" dirty="0"/>
+              <a:t>L</a:t>
+            </a:r>
+            <a:r>
+              <a:rPr sz="2800" spc="-100" dirty="0"/>
+              <a:t>E</a:t>
+            </a:r>
+            <a:r>
+              <a:rPr sz="2800" spc="-105" dirty="0"/>
+              <a:t>C</a:t>
+            </a:r>
+            <a:r>
+              <a:rPr sz="2800" spc="-100" dirty="0"/>
+              <a:t>T</a:t>
+            </a:r>
+            <a:r>
+              <a:rPr sz="2800" spc="-95" dirty="0"/>
+              <a:t>UR</a:t>
+            </a:r>
+            <a:r>
+              <a:rPr sz="2800" spc="-5" dirty="0"/>
+              <a:t>A</a:t>
+            </a:r>
+            <a:r>
+              <a:rPr sz="2800" spc="-225" dirty="0"/>
+              <a:t> </a:t>
+            </a:r>
+            <a:r>
+              <a:rPr sz="2800" spc="-5" dirty="0"/>
+              <a:t>Y</a:t>
+            </a:r>
+            <a:r>
+              <a:rPr sz="2800" spc="-200" dirty="0"/>
+              <a:t> </a:t>
+            </a:r>
+            <a:r>
+              <a:rPr sz="2800" spc="-100" dirty="0"/>
+              <a:t>A</a:t>
+            </a:r>
+            <a:r>
+              <a:rPr sz="2800" spc="-110" dirty="0"/>
+              <a:t>N</a:t>
+            </a:r>
+            <a:r>
+              <a:rPr sz="2800" spc="-100" dirty="0"/>
+              <a:t>A</a:t>
+            </a:r>
+            <a:r>
+              <a:rPr sz="2800" spc="-105" dirty="0"/>
+              <a:t>L</a:t>
+            </a:r>
+            <a:r>
+              <a:rPr sz="2800" spc="-100" dirty="0"/>
+              <a:t>I</a:t>
+            </a:r>
+            <a:r>
+              <a:rPr sz="2800" spc="-105" dirty="0"/>
+              <a:t>S</a:t>
+            </a:r>
+            <a:r>
+              <a:rPr sz="2800" spc="-100" dirty="0"/>
+              <a:t>I</a:t>
+            </a:r>
+            <a:r>
+              <a:rPr sz="2800" spc="-5" dirty="0"/>
+              <a:t>S</a:t>
+            </a:r>
+            <a:r>
+              <a:rPr sz="2800" spc="-210" dirty="0"/>
+              <a:t> </a:t>
+            </a:r>
+            <a:r>
+              <a:rPr sz="2800" spc="-110" dirty="0"/>
+              <a:t>D</a:t>
+            </a:r>
+            <a:r>
+              <a:rPr sz="2800" spc="-5" dirty="0"/>
+              <a:t>E</a:t>
+            </a:r>
+            <a:r>
+              <a:rPr sz="2800" spc="-190" dirty="0"/>
+              <a:t> </a:t>
+            </a:r>
+            <a:r>
+              <a:rPr sz="2800" spc="-105" dirty="0"/>
+              <a:t>C</a:t>
+            </a:r>
+            <a:r>
+              <a:rPr sz="2800" spc="-100" dirty="0"/>
+              <a:t>A</a:t>
+            </a:r>
+            <a:r>
+              <a:rPr sz="2800" spc="-105" dirty="0"/>
+              <a:t>SO</a:t>
+            </a:r>
+            <a:r>
+              <a:rPr sz="2800" spc="-5" dirty="0"/>
+              <a:t>S</a:t>
+            </a:r>
+            <a:endParaRPr sz="2800"/>
+          </a:p>
+          <a:p>
+            <a:pPr marL="14604" algn="ctr">
+              <a:lnSpc>
+                <a:spcPct val="100000"/>
+              </a:lnSpc>
+              <a:spcBef>
+                <a:spcPts val="50"/>
+              </a:spcBef>
+            </a:pPr>
+            <a:r>
+              <a:rPr sz="2100" spc="-95" dirty="0"/>
+              <a:t>O</a:t>
+            </a:r>
+            <a:r>
+              <a:rPr sz="2100" spc="-100" dirty="0"/>
+              <a:t>B</a:t>
+            </a:r>
+            <a:r>
+              <a:rPr sz="2100" spc="-95" dirty="0"/>
+              <a:t>J</a:t>
+            </a:r>
+            <a:r>
+              <a:rPr sz="2100" spc="-105" dirty="0"/>
+              <a:t>E</a:t>
+            </a:r>
+            <a:r>
+              <a:rPr sz="2100" spc="-100" dirty="0"/>
+              <a:t>TIV</a:t>
+            </a:r>
+            <a:r>
+              <a:rPr sz="2100" spc="-95" dirty="0"/>
+              <a:t>O</a:t>
+            </a:r>
+            <a:r>
+              <a:rPr sz="2100" dirty="0"/>
+              <a:t>S</a:t>
+            </a:r>
+            <a:r>
+              <a:rPr sz="2100" spc="-245" dirty="0"/>
+              <a:t> </a:t>
+            </a:r>
+            <a:r>
+              <a:rPr sz="2100" spc="-95" dirty="0"/>
+              <a:t>D</a:t>
+            </a:r>
+            <a:r>
+              <a:rPr sz="2100" dirty="0"/>
+              <a:t>E</a:t>
+            </a:r>
+            <a:r>
+              <a:rPr sz="2100" spc="-204" dirty="0"/>
+              <a:t> </a:t>
+            </a:r>
+            <a:r>
+              <a:rPr sz="2100" spc="-95" dirty="0"/>
+              <a:t>L</a:t>
+            </a:r>
+            <a:r>
+              <a:rPr sz="2100" dirty="0"/>
+              <a:t>A</a:t>
+            </a:r>
+            <a:r>
+              <a:rPr sz="2100" spc="-220" dirty="0"/>
+              <a:t> </a:t>
+            </a:r>
+            <a:r>
+              <a:rPr sz="2100" spc="-100" dirty="0"/>
+              <a:t>ACTIVI</a:t>
+            </a:r>
+            <a:r>
+              <a:rPr sz="2100" spc="-95" dirty="0"/>
+              <a:t>D</a:t>
+            </a:r>
+            <a:r>
+              <a:rPr sz="2100" spc="-100" dirty="0"/>
+              <a:t>A</a:t>
+            </a:r>
+            <a:r>
+              <a:rPr sz="2100" dirty="0"/>
+              <a:t>D</a:t>
+            </a:r>
+            <a:endParaRPr sz="2100"/>
+          </a:p>
+        </p:txBody>
+      </p:sp>
+      <p:sp>
+        <p:nvSpPr>
+          <p:cNvPr id="3" name="object 3"/>
+          <p:cNvSpPr txBox="1"/>
+          <p:nvPr/>
+        </p:nvSpPr>
+        <p:spPr>
+          <a:xfrm>
+            <a:off x="464616" y="2106930"/>
+            <a:ext cx="5358130" cy="330835"/>
+          </a:xfrm>
+          <a:prstGeom prst="rect">
+            <a:avLst/>
+          </a:prstGeom>
+        </p:spPr>
+        <p:txBody>
+          <a:bodyPr vert="horz" wrap="square" lIns="0" tIns="13335" rIns="0" bIns="0" rtlCol="0">
+            <a:spAutoFit/>
+          </a:bodyPr>
+          <a:lstStyle/>
+          <a:p>
+            <a:pPr marL="355600" indent="-342900">
+              <a:lnSpc>
+                <a:spcPct val="100000"/>
+              </a:lnSpc>
+              <a:spcBef>
+                <a:spcPts val="105"/>
+              </a:spcBef>
+              <a:buFont typeface="Arial MT"/>
+              <a:buChar char="•"/>
+              <a:tabLst>
+                <a:tab pos="354965" algn="l"/>
+                <a:tab pos="355600" algn="l"/>
+              </a:tabLst>
+            </a:pPr>
+            <a:r>
+              <a:rPr sz="2000" spc="80" dirty="0">
+                <a:solidFill>
+                  <a:srgbClr val="001F5F"/>
+                </a:solidFill>
+                <a:latin typeface="Calibri"/>
+                <a:cs typeface="Calibri"/>
+              </a:rPr>
+              <a:t>LOS</a:t>
+            </a:r>
+            <a:r>
+              <a:rPr sz="2000" spc="220" dirty="0">
+                <a:solidFill>
+                  <a:srgbClr val="001F5F"/>
+                </a:solidFill>
+                <a:latin typeface="Calibri"/>
+                <a:cs typeface="Calibri"/>
+              </a:rPr>
+              <a:t> </a:t>
+            </a:r>
+            <a:r>
+              <a:rPr sz="2000" dirty="0">
+                <a:solidFill>
+                  <a:srgbClr val="001F5F"/>
+                </a:solidFill>
+                <a:latin typeface="Calibri"/>
+                <a:cs typeface="Calibri"/>
+              </a:rPr>
+              <a:t>7</a:t>
+            </a:r>
+            <a:r>
+              <a:rPr sz="2000" spc="225" dirty="0">
+                <a:solidFill>
+                  <a:srgbClr val="001F5F"/>
+                </a:solidFill>
+                <a:latin typeface="Calibri"/>
+                <a:cs typeface="Calibri"/>
+              </a:rPr>
+              <a:t> </a:t>
+            </a:r>
+            <a:r>
+              <a:rPr sz="2000" spc="85" dirty="0">
+                <a:solidFill>
+                  <a:srgbClr val="001F5F"/>
+                </a:solidFill>
+                <a:latin typeface="Calibri"/>
+                <a:cs typeface="Calibri"/>
+              </a:rPr>
+              <a:t>EJES</a:t>
+            </a:r>
+            <a:r>
+              <a:rPr sz="2000" spc="210" dirty="0">
+                <a:solidFill>
+                  <a:srgbClr val="001F5F"/>
+                </a:solidFill>
+                <a:latin typeface="Calibri"/>
+                <a:cs typeface="Calibri"/>
+              </a:rPr>
+              <a:t> </a:t>
+            </a:r>
+            <a:r>
+              <a:rPr sz="2000" spc="60" dirty="0">
+                <a:solidFill>
+                  <a:srgbClr val="001F5F"/>
+                </a:solidFill>
+                <a:latin typeface="Calibri"/>
+                <a:cs typeface="Calibri"/>
+              </a:rPr>
+              <a:t>EN</a:t>
+            </a:r>
+            <a:r>
+              <a:rPr sz="2000" spc="210" dirty="0">
+                <a:solidFill>
+                  <a:srgbClr val="001F5F"/>
+                </a:solidFill>
+                <a:latin typeface="Calibri"/>
+                <a:cs typeface="Calibri"/>
+              </a:rPr>
+              <a:t> </a:t>
+            </a:r>
+            <a:r>
+              <a:rPr sz="2000" spc="85" dirty="0">
+                <a:solidFill>
+                  <a:srgbClr val="001F5F"/>
+                </a:solidFill>
+                <a:latin typeface="Calibri"/>
+                <a:cs typeface="Calibri"/>
+              </a:rPr>
+              <a:t>ESTE</a:t>
+            </a:r>
+            <a:r>
+              <a:rPr sz="2000" spc="220" dirty="0">
+                <a:solidFill>
+                  <a:srgbClr val="001F5F"/>
+                </a:solidFill>
+                <a:latin typeface="Calibri"/>
+                <a:cs typeface="Calibri"/>
+              </a:rPr>
+              <a:t> </a:t>
+            </a:r>
+            <a:r>
+              <a:rPr sz="2000" spc="95" dirty="0">
+                <a:solidFill>
+                  <a:srgbClr val="001F5F"/>
+                </a:solidFill>
+                <a:latin typeface="Calibri"/>
+                <a:cs typeface="Calibri"/>
+              </a:rPr>
+              <a:t>CASO…</a:t>
+            </a:r>
+            <a:r>
+              <a:rPr sz="2000" spc="204" dirty="0">
+                <a:solidFill>
+                  <a:srgbClr val="001F5F"/>
+                </a:solidFill>
+                <a:latin typeface="Calibri"/>
+                <a:cs typeface="Calibri"/>
+              </a:rPr>
+              <a:t> </a:t>
+            </a:r>
+            <a:r>
+              <a:rPr sz="2000" spc="95" dirty="0">
+                <a:solidFill>
+                  <a:srgbClr val="001F5F"/>
+                </a:solidFill>
+                <a:latin typeface="Calibri"/>
+                <a:cs typeface="Calibri"/>
+              </a:rPr>
+              <a:t>DONDE</a:t>
+            </a:r>
+            <a:r>
+              <a:rPr sz="2000" spc="190" dirty="0">
+                <a:solidFill>
+                  <a:srgbClr val="001F5F"/>
+                </a:solidFill>
+                <a:latin typeface="Calibri"/>
+                <a:cs typeface="Calibri"/>
+              </a:rPr>
+              <a:t> </a:t>
+            </a:r>
+            <a:r>
+              <a:rPr sz="2000" spc="100" dirty="0">
+                <a:solidFill>
+                  <a:srgbClr val="001F5F"/>
+                </a:solidFill>
+                <a:latin typeface="Calibri"/>
+                <a:cs typeface="Calibri"/>
+              </a:rPr>
+              <a:t>ESTÁN?</a:t>
+            </a:r>
+            <a:endParaRPr sz="2000">
+              <a:latin typeface="Calibri"/>
+              <a:cs typeface="Calibri"/>
+            </a:endParaRPr>
+          </a:p>
+        </p:txBody>
+      </p:sp>
+      <p:pic>
+        <p:nvPicPr>
+          <p:cNvPr id="4" name="object 4"/>
+          <p:cNvPicPr/>
+          <p:nvPr/>
+        </p:nvPicPr>
+        <p:blipFill>
+          <a:blip r:embed="rId2" cstate="print"/>
+          <a:stretch>
+            <a:fillRect/>
+          </a:stretch>
+        </p:blipFill>
+        <p:spPr>
+          <a:xfrm>
+            <a:off x="1859279" y="2714244"/>
+            <a:ext cx="4643628" cy="3040379"/>
+          </a:xfrm>
+          <a:prstGeom prst="rect">
+            <a:avLst/>
+          </a:prstGeom>
+        </p:spPr>
+      </p:pic>
+      <p:sp>
+        <p:nvSpPr>
+          <p:cNvPr id="5" name="object 5"/>
+          <p:cNvSpPr txBox="1"/>
+          <p:nvPr/>
+        </p:nvSpPr>
+        <p:spPr>
+          <a:xfrm>
+            <a:off x="2576829" y="6427750"/>
+            <a:ext cx="3178810" cy="252729"/>
+          </a:xfrm>
+          <a:prstGeom prst="rect">
+            <a:avLst/>
+          </a:prstGeom>
+        </p:spPr>
+        <p:txBody>
+          <a:bodyPr vert="horz" wrap="square" lIns="0" tIns="0" rIns="0" bIns="0" rtlCol="0">
+            <a:spAutoFit/>
+          </a:bodyPr>
+          <a:lstStyle/>
+          <a:p>
+            <a:pPr marL="12700" algn="ctr">
+              <a:lnSpc>
+                <a:spcPts val="1864"/>
+              </a:lnSpc>
+            </a:pPr>
+            <a:r>
+              <a:rPr lang="en-US" sz="1600" spc="-5" dirty="0">
+                <a:solidFill>
+                  <a:srgbClr val="41568E"/>
+                </a:solidFill>
+                <a:latin typeface="Arial MT"/>
+                <a:cs typeface="Arial MT"/>
+                <a:hlinkClick r:id="rId3"/>
+              </a:rPr>
+              <a:t>lipe.aguirre@gmail.com</a:t>
+            </a:r>
+            <a:endParaRPr lang="en-US" sz="1600" dirty="0">
+              <a:latin typeface="Arial MT"/>
+              <a:cs typeface="Arial MT"/>
+            </a:endParaRPr>
+          </a:p>
+        </p:txBody>
+      </p:sp>
+    </p:spTree>
+  </p:cSld>
+  <p:clrMapOvr>
+    <a:masterClrMapping/>
+  </p:clrMapOvr>
+</p:sld>
+</file>
+
+<file path=ppt/slides/slide25.xml><?xml version="1.0" encoding="utf-8"?>
+<p:sld xmlns:a="http://schemas.openxmlformats.org/drawingml/2006/main" xmlns:r="http://schemas.openxmlformats.org/officeDocument/2006/relationships" xmlns:p="http://schemas.openxmlformats.org/presentationml/2006/main">
+  <p:cSld>
+    <p:spTree>
+      <p:nvGrpSpPr>
+        <p:cNvPr id="1" name=""/>
+        <p:cNvGrpSpPr/>
+        <p:nvPr/>
+      </p:nvGrpSpPr>
+      <p:grpSpPr>
+        <a:xfrm>
+          <a:off x="0" y="0"/>
+          <a:ext cx="0" cy="0"/>
+          <a:chOff x="0" y="0"/>
+          <a:chExt cx="0" cy="0"/>
+        </a:xfrm>
+      </p:grpSpPr>
+      <p:sp>
+        <p:nvSpPr>
+          <p:cNvPr id="2" name="object 2"/>
+          <p:cNvSpPr txBox="1">
+            <a:spLocks noGrp="1"/>
+          </p:cNvSpPr>
+          <p:nvPr>
+            <p:ph type="title"/>
+          </p:nvPr>
+        </p:nvSpPr>
+        <p:spPr>
+          <a:prstGeom prst="rect">
+            <a:avLst/>
+          </a:prstGeom>
+        </p:spPr>
+        <p:txBody>
+          <a:bodyPr vert="horz" wrap="square" lIns="0" tIns="12065" rIns="0" bIns="0" rtlCol="0">
+            <a:spAutoFit/>
+          </a:bodyPr>
+          <a:lstStyle/>
+          <a:p>
+            <a:pPr marL="13335" algn="ctr">
+              <a:lnSpc>
+                <a:spcPct val="100000"/>
+              </a:lnSpc>
+              <a:spcBef>
+                <a:spcPts val="95"/>
+              </a:spcBef>
+            </a:pPr>
+            <a:r>
+              <a:rPr spc="-105" dirty="0"/>
+              <a:t>C</a:t>
+            </a:r>
+            <a:r>
+              <a:rPr spc="-110" dirty="0"/>
+              <a:t>U</a:t>
+            </a:r>
+            <a:r>
+              <a:rPr spc="-100" dirty="0"/>
+              <a:t>ES</a:t>
+            </a:r>
+            <a:r>
+              <a:rPr spc="-110" dirty="0"/>
+              <a:t>T</a:t>
+            </a:r>
+            <a:r>
+              <a:rPr spc="-105" dirty="0"/>
+              <a:t>I</a:t>
+            </a:r>
+            <a:r>
+              <a:rPr spc="-100" dirty="0"/>
+              <a:t>O</a:t>
+            </a:r>
+            <a:r>
+              <a:rPr spc="-105" dirty="0"/>
+              <a:t>N</a:t>
+            </a:r>
+            <a:r>
+              <a:rPr spc="-110" dirty="0"/>
+              <a:t>A</a:t>
+            </a:r>
+            <a:r>
+              <a:rPr spc="-100" dirty="0"/>
+              <a:t>R</a:t>
+            </a:r>
+            <a:r>
+              <a:rPr spc="-105" dirty="0"/>
+              <a:t>I</a:t>
+            </a:r>
+            <a:r>
+              <a:rPr spc="-5" dirty="0"/>
+              <a:t>O</a:t>
+            </a:r>
+            <a:r>
+              <a:rPr spc="-229" dirty="0"/>
+              <a:t> </a:t>
+            </a:r>
+            <a:r>
+              <a:rPr spc="-110" dirty="0"/>
+              <a:t>16P</a:t>
+            </a:r>
+            <a:r>
+              <a:rPr spc="-5" dirty="0"/>
+              <a:t>F</a:t>
+            </a:r>
+          </a:p>
+          <a:p>
+            <a:pPr marL="13335" algn="ctr">
+              <a:lnSpc>
+                <a:spcPct val="100000"/>
+              </a:lnSpc>
+            </a:pPr>
+            <a:r>
+              <a:rPr spc="-95" dirty="0"/>
+              <a:t>ARTÍCULOS</a:t>
+            </a:r>
+            <a:r>
+              <a:rPr spc="-200" dirty="0"/>
+              <a:t> </a:t>
+            </a:r>
+            <a:r>
+              <a:rPr spc="-95" dirty="0"/>
+              <a:t>CIENTÍFICOS</a:t>
+            </a:r>
+            <a:r>
+              <a:rPr spc="-240" dirty="0"/>
+              <a:t> </a:t>
+            </a:r>
+            <a:r>
+              <a:rPr spc="-70" dirty="0"/>
+              <a:t>QUE</a:t>
+            </a:r>
+            <a:r>
+              <a:rPr spc="-185" dirty="0"/>
+              <a:t> </a:t>
+            </a:r>
+            <a:r>
+              <a:rPr spc="-95" dirty="0"/>
+              <a:t>APLICAN</a:t>
+            </a:r>
+            <a:r>
+              <a:rPr spc="-185" dirty="0"/>
+              <a:t> </a:t>
+            </a:r>
+            <a:r>
+              <a:rPr spc="-50" dirty="0"/>
+              <a:t>EL</a:t>
+            </a:r>
+            <a:r>
+              <a:rPr spc="-204" dirty="0"/>
+              <a:t> </a:t>
+            </a:r>
+            <a:r>
+              <a:rPr spc="-80" dirty="0"/>
+              <a:t>TEST</a:t>
+            </a:r>
+          </a:p>
+        </p:txBody>
+      </p:sp>
+      <p:sp>
+        <p:nvSpPr>
+          <p:cNvPr id="4" name="object 4"/>
+          <p:cNvSpPr txBox="1"/>
+          <p:nvPr/>
+        </p:nvSpPr>
+        <p:spPr>
+          <a:xfrm>
+            <a:off x="2576829" y="6427750"/>
+            <a:ext cx="3178810" cy="252729"/>
+          </a:xfrm>
+          <a:prstGeom prst="rect">
+            <a:avLst/>
+          </a:prstGeom>
+        </p:spPr>
+        <p:txBody>
+          <a:bodyPr vert="horz" wrap="square" lIns="0" tIns="0" rIns="0" bIns="0" rtlCol="0">
+            <a:spAutoFit/>
+          </a:bodyPr>
+          <a:lstStyle/>
+          <a:p>
+            <a:pPr marL="12700" algn="ctr">
+              <a:lnSpc>
+                <a:spcPts val="1864"/>
+              </a:lnSpc>
+            </a:pPr>
+            <a:r>
+              <a:rPr lang="en-US" sz="1600" spc="-5" dirty="0">
+                <a:solidFill>
+                  <a:srgbClr val="41568E"/>
+                </a:solidFill>
+                <a:latin typeface="Arial MT"/>
+                <a:cs typeface="Arial MT"/>
+                <a:hlinkClick r:id="rId2"/>
+              </a:rPr>
+              <a:t>lipe.aguirre@gmail.com</a:t>
+            </a:r>
+            <a:endParaRPr lang="en-US" sz="1600" dirty="0">
+              <a:latin typeface="Arial MT"/>
+              <a:cs typeface="Arial MT"/>
+            </a:endParaRPr>
+          </a:p>
+        </p:txBody>
+      </p:sp>
+      <p:sp>
+        <p:nvSpPr>
+          <p:cNvPr id="3" name="object 3"/>
+          <p:cNvSpPr txBox="1"/>
+          <p:nvPr/>
+        </p:nvSpPr>
+        <p:spPr>
+          <a:xfrm>
+            <a:off x="464616" y="2507107"/>
+            <a:ext cx="7779384" cy="1322070"/>
+          </a:xfrm>
+          <a:prstGeom prst="rect">
+            <a:avLst/>
+          </a:prstGeom>
+        </p:spPr>
+        <p:txBody>
+          <a:bodyPr vert="horz" wrap="square" lIns="0" tIns="13335" rIns="0" bIns="0" rtlCol="0">
+            <a:spAutoFit/>
+          </a:bodyPr>
+          <a:lstStyle/>
+          <a:p>
+            <a:pPr marL="355600" marR="426720" indent="-342900">
+              <a:lnSpc>
+                <a:spcPct val="100000"/>
+              </a:lnSpc>
+              <a:spcBef>
+                <a:spcPts val="105"/>
+              </a:spcBef>
+              <a:buFont typeface="Arial MT"/>
+              <a:buChar char="•"/>
+              <a:tabLst>
+                <a:tab pos="354965" algn="l"/>
+                <a:tab pos="355600" algn="l"/>
+              </a:tabLst>
+            </a:pPr>
+            <a:r>
+              <a:rPr sz="2000" spc="105" dirty="0">
+                <a:solidFill>
+                  <a:srgbClr val="001F5F"/>
+                </a:solidFill>
+                <a:latin typeface="Calibri"/>
+                <a:cs typeface="Calibri"/>
+              </a:rPr>
+              <a:t>“DIFERENCIAS</a:t>
+            </a:r>
+            <a:r>
+              <a:rPr sz="2000" spc="210" dirty="0">
+                <a:solidFill>
+                  <a:srgbClr val="001F5F"/>
+                </a:solidFill>
+                <a:latin typeface="Calibri"/>
+                <a:cs typeface="Calibri"/>
+              </a:rPr>
+              <a:t> </a:t>
+            </a:r>
+            <a:r>
+              <a:rPr sz="2000" spc="60" dirty="0">
+                <a:solidFill>
+                  <a:srgbClr val="001F5F"/>
+                </a:solidFill>
+                <a:latin typeface="Calibri"/>
+                <a:cs typeface="Calibri"/>
+              </a:rPr>
+              <a:t>DE</a:t>
+            </a:r>
+            <a:r>
+              <a:rPr sz="2000" spc="225" dirty="0">
+                <a:solidFill>
+                  <a:srgbClr val="001F5F"/>
+                </a:solidFill>
+                <a:latin typeface="Calibri"/>
+                <a:cs typeface="Calibri"/>
+              </a:rPr>
+              <a:t> </a:t>
+            </a:r>
+            <a:r>
+              <a:rPr sz="2000" spc="105" dirty="0">
+                <a:solidFill>
+                  <a:srgbClr val="001F5F"/>
+                </a:solidFill>
+                <a:latin typeface="Calibri"/>
+                <a:cs typeface="Calibri"/>
+              </a:rPr>
+              <a:t>PERSONALIDAD</a:t>
+            </a:r>
+            <a:r>
+              <a:rPr sz="2000" spc="200" dirty="0">
+                <a:solidFill>
+                  <a:srgbClr val="001F5F"/>
+                </a:solidFill>
+                <a:latin typeface="Calibri"/>
+                <a:cs typeface="Calibri"/>
+              </a:rPr>
+              <a:t> </a:t>
+            </a:r>
+            <a:r>
+              <a:rPr sz="2000" spc="95" dirty="0">
+                <a:solidFill>
+                  <a:srgbClr val="001F5F"/>
+                </a:solidFill>
+                <a:latin typeface="Calibri"/>
+                <a:cs typeface="Calibri"/>
+              </a:rPr>
+              <a:t>ENTRE</a:t>
+            </a:r>
+            <a:r>
+              <a:rPr sz="2000" spc="210" dirty="0">
+                <a:solidFill>
+                  <a:srgbClr val="001F5F"/>
+                </a:solidFill>
+                <a:latin typeface="Calibri"/>
+                <a:cs typeface="Calibri"/>
+              </a:rPr>
+              <a:t> </a:t>
+            </a:r>
+            <a:r>
+              <a:rPr sz="2000" spc="105" dirty="0">
+                <a:solidFill>
+                  <a:srgbClr val="001F5F"/>
+                </a:solidFill>
+                <a:latin typeface="Calibri"/>
+                <a:cs typeface="Calibri"/>
+              </a:rPr>
+              <a:t>DEPORTISTAS</a:t>
+            </a:r>
+            <a:r>
+              <a:rPr sz="2000" spc="210" dirty="0">
+                <a:solidFill>
+                  <a:srgbClr val="001F5F"/>
+                </a:solidFill>
+                <a:latin typeface="Calibri"/>
+                <a:cs typeface="Calibri"/>
+              </a:rPr>
+              <a:t> </a:t>
+            </a:r>
+            <a:r>
+              <a:rPr sz="2000" dirty="0">
+                <a:solidFill>
+                  <a:srgbClr val="001F5F"/>
+                </a:solidFill>
+                <a:latin typeface="Calibri"/>
+                <a:cs typeface="Calibri"/>
+              </a:rPr>
+              <a:t>Y</a:t>
+            </a:r>
+            <a:r>
+              <a:rPr sz="2000" spc="240" dirty="0">
+                <a:solidFill>
+                  <a:srgbClr val="001F5F"/>
+                </a:solidFill>
+                <a:latin typeface="Calibri"/>
+                <a:cs typeface="Calibri"/>
+              </a:rPr>
+              <a:t> </a:t>
+            </a:r>
+            <a:r>
+              <a:rPr sz="2000" spc="60" dirty="0">
+                <a:solidFill>
+                  <a:srgbClr val="001F5F"/>
+                </a:solidFill>
+                <a:latin typeface="Calibri"/>
+                <a:cs typeface="Calibri"/>
+              </a:rPr>
+              <a:t>NO </a:t>
+            </a:r>
+            <a:r>
+              <a:rPr sz="2000" spc="-434" dirty="0">
+                <a:solidFill>
+                  <a:srgbClr val="001F5F"/>
+                </a:solidFill>
+                <a:latin typeface="Calibri"/>
+                <a:cs typeface="Calibri"/>
+              </a:rPr>
+              <a:t> </a:t>
+            </a:r>
+            <a:r>
+              <a:rPr sz="2000" spc="105" dirty="0">
+                <a:solidFill>
+                  <a:srgbClr val="001F5F"/>
+                </a:solidFill>
+                <a:latin typeface="Calibri"/>
+                <a:cs typeface="Calibri"/>
+              </a:rPr>
+              <a:t>DEPORTISTAS,</a:t>
+            </a:r>
+            <a:r>
+              <a:rPr sz="2000" spc="200" dirty="0">
+                <a:solidFill>
+                  <a:srgbClr val="001F5F"/>
+                </a:solidFill>
+                <a:latin typeface="Calibri"/>
+                <a:cs typeface="Calibri"/>
+              </a:rPr>
+              <a:t> </a:t>
+            </a:r>
+            <a:r>
+              <a:rPr sz="2000" dirty="0">
+                <a:solidFill>
+                  <a:srgbClr val="001F5F"/>
+                </a:solidFill>
+                <a:latin typeface="Calibri"/>
+                <a:cs typeface="Calibri"/>
+              </a:rPr>
+              <a:t>A</a:t>
+            </a:r>
+            <a:r>
+              <a:rPr sz="2000" spc="245" dirty="0">
+                <a:solidFill>
+                  <a:srgbClr val="001F5F"/>
+                </a:solidFill>
+                <a:latin typeface="Calibri"/>
+                <a:cs typeface="Calibri"/>
+              </a:rPr>
+              <a:t> </a:t>
+            </a:r>
+            <a:r>
+              <a:rPr sz="2000" spc="100" dirty="0">
+                <a:solidFill>
+                  <a:srgbClr val="001F5F"/>
+                </a:solidFill>
+                <a:latin typeface="Calibri"/>
+                <a:cs typeface="Calibri"/>
+              </a:rPr>
+              <a:t>TRAVÉS</a:t>
+            </a:r>
+            <a:r>
+              <a:rPr sz="2000" spc="215" dirty="0">
+                <a:solidFill>
+                  <a:srgbClr val="001F5F"/>
+                </a:solidFill>
+                <a:latin typeface="Calibri"/>
+                <a:cs typeface="Calibri"/>
+              </a:rPr>
+              <a:t> </a:t>
+            </a:r>
+            <a:r>
+              <a:rPr sz="2000" spc="80" dirty="0">
+                <a:solidFill>
+                  <a:srgbClr val="001F5F"/>
+                </a:solidFill>
+                <a:latin typeface="Calibri"/>
+                <a:cs typeface="Calibri"/>
+              </a:rPr>
+              <a:t>DEL</a:t>
+            </a:r>
+            <a:r>
+              <a:rPr sz="2000" spc="210" dirty="0">
+                <a:solidFill>
+                  <a:srgbClr val="001F5F"/>
+                </a:solidFill>
+                <a:latin typeface="Calibri"/>
+                <a:cs typeface="Calibri"/>
+              </a:rPr>
+              <a:t> </a:t>
+            </a:r>
+            <a:r>
+              <a:rPr sz="2000" spc="100" dirty="0">
+                <a:solidFill>
+                  <a:srgbClr val="001F5F"/>
+                </a:solidFill>
+                <a:latin typeface="Calibri"/>
+                <a:cs typeface="Calibri"/>
+              </a:rPr>
+              <a:t>16PF”,</a:t>
+            </a:r>
+            <a:r>
+              <a:rPr sz="2000" spc="215" dirty="0">
+                <a:solidFill>
+                  <a:srgbClr val="001F5F"/>
+                </a:solidFill>
+                <a:latin typeface="Calibri"/>
+                <a:cs typeface="Calibri"/>
+              </a:rPr>
+              <a:t> </a:t>
+            </a:r>
+            <a:r>
+              <a:rPr sz="2000" spc="95" dirty="0">
+                <a:solidFill>
+                  <a:srgbClr val="001F5F"/>
+                </a:solidFill>
+                <a:latin typeface="Calibri"/>
+                <a:cs typeface="Calibri"/>
+              </a:rPr>
+              <a:t>FÉLIX</a:t>
+            </a:r>
+            <a:r>
+              <a:rPr sz="2000" spc="215" dirty="0">
+                <a:solidFill>
+                  <a:srgbClr val="001F5F"/>
+                </a:solidFill>
+                <a:latin typeface="Calibri"/>
+                <a:cs typeface="Calibri"/>
+              </a:rPr>
+              <a:t> </a:t>
+            </a:r>
+            <a:r>
+              <a:rPr sz="2000" spc="100" dirty="0">
+                <a:solidFill>
+                  <a:srgbClr val="001F5F"/>
+                </a:solidFill>
+                <a:latin typeface="Calibri"/>
+                <a:cs typeface="Calibri"/>
+              </a:rPr>
+              <a:t>GARCÍA,</a:t>
+            </a:r>
+            <a:r>
+              <a:rPr sz="2000" spc="210" dirty="0">
+                <a:solidFill>
+                  <a:srgbClr val="001F5F"/>
+                </a:solidFill>
+                <a:latin typeface="Calibri"/>
+                <a:cs typeface="Calibri"/>
+              </a:rPr>
+              <a:t> </a:t>
+            </a:r>
+            <a:r>
+              <a:rPr sz="2000" spc="95" dirty="0">
+                <a:solidFill>
+                  <a:srgbClr val="001F5F"/>
+                </a:solidFill>
+                <a:latin typeface="Calibri"/>
+                <a:cs typeface="Calibri"/>
+              </a:rPr>
+              <a:t>2007.</a:t>
+            </a:r>
+            <a:endParaRPr sz="2000">
+              <a:latin typeface="Calibri"/>
+              <a:cs typeface="Calibri"/>
+            </a:endParaRPr>
+          </a:p>
+          <a:p>
+            <a:pPr marL="355600" indent="-342900">
+              <a:lnSpc>
+                <a:spcPct val="100000"/>
+              </a:lnSpc>
+              <a:spcBef>
+                <a:spcPts val="600"/>
+              </a:spcBef>
+              <a:buFont typeface="Arial MT"/>
+              <a:buChar char="•"/>
+              <a:tabLst>
+                <a:tab pos="354965" algn="l"/>
+                <a:tab pos="355600" algn="l"/>
+              </a:tabLst>
+            </a:pPr>
+            <a:r>
+              <a:rPr sz="2000" spc="105" dirty="0">
+                <a:solidFill>
+                  <a:srgbClr val="001F5F"/>
+                </a:solidFill>
+                <a:latin typeface="Calibri"/>
+                <a:cs typeface="Calibri"/>
+              </a:rPr>
+              <a:t>“ANÁLISIS</a:t>
+            </a:r>
+            <a:r>
+              <a:rPr sz="2000" spc="215" dirty="0">
+                <a:solidFill>
+                  <a:srgbClr val="001F5F"/>
+                </a:solidFill>
+                <a:latin typeface="Calibri"/>
+                <a:cs typeface="Calibri"/>
+              </a:rPr>
+              <a:t> </a:t>
+            </a:r>
+            <a:r>
+              <a:rPr sz="2000" spc="105" dirty="0">
+                <a:solidFill>
+                  <a:srgbClr val="001F5F"/>
+                </a:solidFill>
+                <a:latin typeface="Calibri"/>
+                <a:cs typeface="Calibri"/>
+              </a:rPr>
+              <a:t>DESCRIPTIVO</a:t>
+            </a:r>
+            <a:r>
+              <a:rPr sz="2000" spc="195" dirty="0">
+                <a:solidFill>
+                  <a:srgbClr val="001F5F"/>
+                </a:solidFill>
+                <a:latin typeface="Calibri"/>
+                <a:cs typeface="Calibri"/>
+              </a:rPr>
+              <a:t> </a:t>
+            </a:r>
+            <a:r>
+              <a:rPr sz="2000" dirty="0">
+                <a:solidFill>
+                  <a:srgbClr val="001F5F"/>
+                </a:solidFill>
+                <a:latin typeface="Calibri"/>
+                <a:cs typeface="Calibri"/>
+              </a:rPr>
+              <a:t>Y</a:t>
+            </a:r>
+            <a:r>
+              <a:rPr sz="2000" spc="235" dirty="0">
+                <a:solidFill>
+                  <a:srgbClr val="001F5F"/>
+                </a:solidFill>
+                <a:latin typeface="Calibri"/>
+                <a:cs typeface="Calibri"/>
+              </a:rPr>
+              <a:t> </a:t>
+            </a:r>
+            <a:r>
+              <a:rPr sz="2000" spc="105" dirty="0">
+                <a:solidFill>
+                  <a:srgbClr val="001F5F"/>
+                </a:solidFill>
+                <a:latin typeface="Calibri"/>
+                <a:cs typeface="Calibri"/>
+              </a:rPr>
+              <a:t>COMPARATIVO</a:t>
+            </a:r>
+            <a:r>
+              <a:rPr sz="2000" spc="204" dirty="0">
+                <a:solidFill>
+                  <a:srgbClr val="001F5F"/>
+                </a:solidFill>
+                <a:latin typeface="Calibri"/>
+                <a:cs typeface="Calibri"/>
+              </a:rPr>
+              <a:t> </a:t>
+            </a:r>
+            <a:r>
+              <a:rPr sz="2000" spc="80" dirty="0">
+                <a:solidFill>
+                  <a:srgbClr val="001F5F"/>
+                </a:solidFill>
+                <a:latin typeface="Calibri"/>
+                <a:cs typeface="Calibri"/>
+              </a:rPr>
+              <a:t>DEL</a:t>
+            </a:r>
+            <a:r>
+              <a:rPr sz="2000" spc="195" dirty="0">
+                <a:solidFill>
+                  <a:srgbClr val="001F5F"/>
+                </a:solidFill>
+                <a:latin typeface="Calibri"/>
+                <a:cs typeface="Calibri"/>
+              </a:rPr>
+              <a:t> </a:t>
+            </a:r>
+            <a:r>
+              <a:rPr sz="2000" spc="114" dirty="0">
+                <a:solidFill>
+                  <a:srgbClr val="001F5F"/>
+                </a:solidFill>
+                <a:latin typeface="Calibri"/>
+                <a:cs typeface="Calibri"/>
+              </a:rPr>
+              <a:t>16PF-5</a:t>
+            </a:r>
+            <a:r>
+              <a:rPr sz="2000" spc="229" dirty="0">
+                <a:solidFill>
+                  <a:srgbClr val="001F5F"/>
+                </a:solidFill>
+                <a:latin typeface="Calibri"/>
+                <a:cs typeface="Calibri"/>
+              </a:rPr>
+              <a:t> </a:t>
+            </a:r>
+            <a:r>
+              <a:rPr sz="2000" spc="60" dirty="0">
+                <a:solidFill>
+                  <a:srgbClr val="001F5F"/>
+                </a:solidFill>
+                <a:latin typeface="Calibri"/>
+                <a:cs typeface="Calibri"/>
+              </a:rPr>
+              <a:t>EN</a:t>
+            </a:r>
+            <a:endParaRPr sz="2000">
+              <a:latin typeface="Calibri"/>
+              <a:cs typeface="Calibri"/>
+            </a:endParaRPr>
+          </a:p>
+          <a:p>
+            <a:pPr marL="355600">
+              <a:lnSpc>
+                <a:spcPct val="100000"/>
+              </a:lnSpc>
+            </a:pPr>
+            <a:r>
+              <a:rPr sz="2000" spc="105" dirty="0">
+                <a:solidFill>
+                  <a:srgbClr val="001F5F"/>
+                </a:solidFill>
+                <a:latin typeface="Calibri"/>
+                <a:cs typeface="Calibri"/>
+              </a:rPr>
+              <a:t>MUESTRAS</a:t>
+            </a:r>
+            <a:r>
+              <a:rPr sz="2000" spc="229" dirty="0">
+                <a:solidFill>
+                  <a:srgbClr val="001F5F"/>
+                </a:solidFill>
+                <a:latin typeface="Calibri"/>
+                <a:cs typeface="Calibri"/>
+              </a:rPr>
+              <a:t> </a:t>
+            </a:r>
+            <a:r>
+              <a:rPr sz="2000" spc="105" dirty="0">
+                <a:solidFill>
+                  <a:srgbClr val="001F5F"/>
+                </a:solidFill>
+                <a:latin typeface="Calibri"/>
+                <a:cs typeface="Calibri"/>
+              </a:rPr>
+              <a:t>AMERICANAS</a:t>
+            </a:r>
+            <a:r>
+              <a:rPr sz="2000" spc="204" dirty="0">
+                <a:solidFill>
+                  <a:srgbClr val="001F5F"/>
+                </a:solidFill>
+                <a:latin typeface="Calibri"/>
+                <a:cs typeface="Calibri"/>
+              </a:rPr>
+              <a:t> </a:t>
+            </a:r>
+            <a:r>
+              <a:rPr sz="2000" dirty="0">
+                <a:solidFill>
+                  <a:srgbClr val="001F5F"/>
+                </a:solidFill>
+                <a:latin typeface="Calibri"/>
+                <a:cs typeface="Calibri"/>
+              </a:rPr>
+              <a:t>Y</a:t>
+            </a:r>
+            <a:r>
+              <a:rPr sz="2000" spc="240" dirty="0">
+                <a:solidFill>
+                  <a:srgbClr val="001F5F"/>
+                </a:solidFill>
+                <a:latin typeface="Calibri"/>
+                <a:cs typeface="Calibri"/>
+              </a:rPr>
+              <a:t> </a:t>
+            </a:r>
+            <a:r>
+              <a:rPr sz="2000" spc="105" dirty="0">
+                <a:solidFill>
+                  <a:srgbClr val="001F5F"/>
+                </a:solidFill>
+                <a:latin typeface="Calibri"/>
+                <a:cs typeface="Calibri"/>
+              </a:rPr>
+              <a:t>ESPAÑOLA”,</a:t>
+            </a:r>
+            <a:r>
+              <a:rPr sz="2000" spc="204" dirty="0">
+                <a:solidFill>
+                  <a:srgbClr val="001F5F"/>
+                </a:solidFill>
+                <a:latin typeface="Calibri"/>
+                <a:cs typeface="Calibri"/>
+              </a:rPr>
+              <a:t> </a:t>
+            </a:r>
+            <a:r>
+              <a:rPr sz="2000" spc="90" dirty="0">
+                <a:solidFill>
+                  <a:srgbClr val="001F5F"/>
+                </a:solidFill>
+                <a:latin typeface="Calibri"/>
+                <a:cs typeface="Calibri"/>
+              </a:rPr>
+              <a:t>ALUJA</a:t>
+            </a:r>
+            <a:r>
+              <a:rPr sz="2000" spc="235" dirty="0">
+                <a:solidFill>
+                  <a:srgbClr val="001F5F"/>
+                </a:solidFill>
+                <a:latin typeface="Calibri"/>
+                <a:cs typeface="Calibri"/>
+              </a:rPr>
+              <a:t> </a:t>
+            </a:r>
+            <a:r>
+              <a:rPr sz="2000" dirty="0">
+                <a:solidFill>
+                  <a:srgbClr val="001F5F"/>
+                </a:solidFill>
+                <a:latin typeface="Calibri"/>
+                <a:cs typeface="Calibri"/>
+              </a:rPr>
+              <a:t>Y</a:t>
+            </a:r>
+            <a:r>
+              <a:rPr sz="2000" spc="235" dirty="0">
+                <a:solidFill>
+                  <a:srgbClr val="001F5F"/>
+                </a:solidFill>
+                <a:latin typeface="Calibri"/>
+                <a:cs typeface="Calibri"/>
+              </a:rPr>
+              <a:t> </a:t>
+            </a:r>
+            <a:r>
+              <a:rPr sz="2000" spc="100" dirty="0">
+                <a:solidFill>
+                  <a:srgbClr val="001F5F"/>
+                </a:solidFill>
+                <a:latin typeface="Calibri"/>
+                <a:cs typeface="Calibri"/>
+              </a:rPr>
+              <a:t>BLANCH,</a:t>
+            </a:r>
+            <a:r>
+              <a:rPr sz="2000" spc="210" dirty="0">
+                <a:solidFill>
+                  <a:srgbClr val="001F5F"/>
+                </a:solidFill>
+                <a:latin typeface="Calibri"/>
+                <a:cs typeface="Calibri"/>
+              </a:rPr>
+              <a:t> </a:t>
+            </a:r>
+            <a:r>
+              <a:rPr sz="2000" spc="95" dirty="0">
+                <a:solidFill>
+                  <a:srgbClr val="001F5F"/>
+                </a:solidFill>
+                <a:latin typeface="Calibri"/>
+                <a:cs typeface="Calibri"/>
+              </a:rPr>
+              <a:t>2002.</a:t>
+            </a:r>
+            <a:endParaRPr sz="2000">
+              <a:latin typeface="Calibri"/>
+              <a:cs typeface="Calibri"/>
+            </a:endParaRPr>
+          </a:p>
+        </p:txBody>
+      </p:sp>
+    </p:spTree>
+  </p:cSld>
+  <p:clrMapOvr>
+    <a:masterClrMapping/>
+  </p:clrMapOvr>
+</p:sld>
+</file>
+
+<file path=ppt/slides/slide26.xml><?xml version="1.0" encoding="utf-8"?>
+<p:sld xmlns:a="http://schemas.openxmlformats.org/drawingml/2006/main" xmlns:r="http://schemas.openxmlformats.org/officeDocument/2006/relationships" xmlns:p="http://schemas.openxmlformats.org/presentationml/2006/main">
+  <p:cSld>
+    <p:spTree>
+      <p:nvGrpSpPr>
+        <p:cNvPr id="1" name=""/>
+        <p:cNvGrpSpPr/>
+        <p:nvPr/>
+      </p:nvGrpSpPr>
+      <p:grpSpPr>
+        <a:xfrm>
+          <a:off x="0" y="0"/>
+          <a:ext cx="0" cy="0"/>
+          <a:chOff x="0" y="0"/>
+          <a:chExt cx="0" cy="0"/>
+        </a:xfrm>
+      </p:grpSpPr>
+      <p:sp>
+        <p:nvSpPr>
+          <p:cNvPr id="2" name="object 2"/>
+          <p:cNvSpPr txBox="1">
+            <a:spLocks noGrp="1"/>
+          </p:cNvSpPr>
+          <p:nvPr>
+            <p:ph type="title"/>
+          </p:nvPr>
+        </p:nvSpPr>
+        <p:spPr>
+          <a:prstGeom prst="rect">
+            <a:avLst/>
+          </a:prstGeom>
+        </p:spPr>
+        <p:txBody>
+          <a:bodyPr vert="horz" wrap="square" lIns="0" tIns="12065" rIns="0" bIns="0" rtlCol="0">
+            <a:spAutoFit/>
+          </a:bodyPr>
+          <a:lstStyle/>
+          <a:p>
+            <a:pPr marL="14604" algn="ctr">
+              <a:lnSpc>
+                <a:spcPct val="100000"/>
+              </a:lnSpc>
+              <a:spcBef>
+                <a:spcPts val="95"/>
+              </a:spcBef>
+            </a:pPr>
             <a:endParaRPr spc="-5" dirty="0"/>
           </a:p>
           <a:p>
@@ -14333,7 +14512,7 @@
 </p:sld>
 </file>
 
-<file path=ppt/slides/slide25.xml><?xml version="1.0" encoding="utf-8"?>
+<file path=ppt/slides/slide27.xml><?xml version="1.0" encoding="utf-8"?>
 <p:sld xmlns:a="http://schemas.openxmlformats.org/drawingml/2006/main" xmlns:r="http://schemas.openxmlformats.org/officeDocument/2006/relationships" xmlns:p="http://schemas.openxmlformats.org/presentationml/2006/main">
   <p:cSld>
     <p:spTree>
@@ -14386,7 +14565,7 @@
                   <a:srgbClr val="C00000"/>
                 </a:solidFill>
               </a:rPr>
-              <a:t>Presentación : Monografía Grupal (2°Parcial)</a:t>
+              <a:t>Presentación: Monografía Grupal (2°Parcial)</a:t>
             </a:r>
           </a:p>
         </p:txBody>
@@ -14410,7 +14589,7 @@
           </a:ln>
           <a:extLst>
             <a:ext uri="{C572A759-6A51-4108-AA02-DFA0A04FC94B}">
-              <ma14:wrappingTextBoxFlag xmlns="" xmlns:m="http://schemas.openxmlformats.org/officeDocument/2006/math" xmlns:a14="http://schemas.microsoft.com/office/drawing/2010/main" xmlns:ma14="http://schemas.microsoft.com/office/mac/drawingml/2011/main" val="1"/>
+              <ma14:wrappingTextBoxFlag xmlns:ma14="http://schemas.microsoft.com/office/mac/drawingml/2011/main" xmlns:a14="http://schemas.microsoft.com/office/drawing/2010/main" xmlns:m="http://schemas.openxmlformats.org/officeDocument/2006/math" xmlns="" val="1"/>
             </a:ext>
           </a:extLst>
         </p:spPr>
@@ -14471,7 +14650,7 @@
 </p:sld>
 </file>
 
-<file path=ppt/slides/slide26.xml><?xml version="1.0" encoding="utf-8"?>
+<file path=ppt/slides/slide28.xml><?xml version="1.0" encoding="utf-8"?>
 <p:sld xmlns:a="http://schemas.openxmlformats.org/drawingml/2006/main" xmlns:r="http://schemas.openxmlformats.org/officeDocument/2006/relationships" xmlns:p="http://schemas.openxmlformats.org/presentationml/2006/main">
   <p:cSld>
     <p:spTree>
